--- a/Slides/Sharda_11e_full_accessible_ppt_01.pptx
+++ b/Slides/Sharda_11e_full_accessible_ppt_01.pptx
@@ -5,10 +5,10 @@
     <p:sldMasterId id="2147483648" r:id="rId1"/>
   </p:sldMasterIdLst>
   <p:notesMasterIdLst>
-    <p:notesMasterId r:id="rId47"/>
+    <p:notesMasterId r:id="rId45"/>
   </p:notesMasterIdLst>
   <p:handoutMasterIdLst>
-    <p:handoutMasterId r:id="rId48"/>
+    <p:handoutMasterId r:id="rId46"/>
   </p:handoutMasterIdLst>
   <p:sldIdLst>
     <p:sldId id="1074" r:id="rId2"/>
@@ -43,19 +43,17 @@
     <p:sldId id="1208" r:id="rId31"/>
     <p:sldId id="1209" r:id="rId32"/>
     <p:sldId id="1210" r:id="rId33"/>
-    <p:sldId id="1196" r:id="rId34"/>
-    <p:sldId id="1212" r:id="rId35"/>
-    <p:sldId id="1211" r:id="rId36"/>
-    <p:sldId id="1199" r:id="rId37"/>
-    <p:sldId id="1200" r:id="rId38"/>
-    <p:sldId id="1201" r:id="rId39"/>
-    <p:sldId id="1202" r:id="rId40"/>
-    <p:sldId id="1203" r:id="rId41"/>
-    <p:sldId id="1204" r:id="rId42"/>
-    <p:sldId id="1205" r:id="rId43"/>
-    <p:sldId id="1206" r:id="rId44"/>
-    <p:sldId id="1207" r:id="rId45"/>
-    <p:sldId id="1165" r:id="rId46"/>
+    <p:sldId id="1211" r:id="rId34"/>
+    <p:sldId id="1199" r:id="rId35"/>
+    <p:sldId id="1200" r:id="rId36"/>
+    <p:sldId id="1201" r:id="rId37"/>
+    <p:sldId id="1202" r:id="rId38"/>
+    <p:sldId id="1203" r:id="rId39"/>
+    <p:sldId id="1204" r:id="rId40"/>
+    <p:sldId id="1205" r:id="rId41"/>
+    <p:sldId id="1206" r:id="rId42"/>
+    <p:sldId id="1207" r:id="rId43"/>
+    <p:sldId id="1165" r:id="rId44"/>
   </p:sldIdLst>
   <p:sldSz cx="9144000" cy="6858000" type="screen4x3"/>
   <p:notesSz cx="6858000" cy="9144000"/>
@@ -310,7 +308,7 @@
           <a:p>
             <a:fld id="{8D8D874E-E9D5-433B-A149-BDF6BFDD40A8}" type="datetimeFigureOut">
               <a:rPr lang="en-US" smtClean="0"/>
-              <a:t>9/3/21</a:t>
+              <a:t>9/13/21</a:t>
             </a:fld>
             <a:endParaRPr lang="en-US" dirty="0"/>
           </a:p>
@@ -475,7 +473,7 @@
           <a:p>
             <a:fld id="{EA051F04-9E25-42C3-8BC5-EC2E8469D95E}" type="datetimeFigureOut">
               <a:rPr lang="en-US" smtClean="0"/>
-              <a:t>9/3/21</a:t>
+              <a:t>9/13/21</a:t>
             </a:fld>
             <a:endParaRPr lang="en-US" dirty="0"/>
           </a:p>
@@ -4134,180 +4132,6 @@
 </p:notes>
 </file>
 
-<file path=ppt/notesSlides/notesSlide43.xml><?xml version="1.0" encoding="utf-8"?>
-<p:notes xmlns:a="http://schemas.openxmlformats.org/drawingml/2006/main" xmlns:r="http://schemas.openxmlformats.org/officeDocument/2006/relationships" xmlns:p="http://schemas.openxmlformats.org/presentationml/2006/main">
-  <p:cSld>
-    <p:spTree>
-      <p:nvGrpSpPr>
-        <p:cNvPr id="1" name=""/>
-        <p:cNvGrpSpPr/>
-        <p:nvPr/>
-      </p:nvGrpSpPr>
-      <p:grpSpPr>
-        <a:xfrm>
-          <a:off x="0" y="0"/>
-          <a:ext cx="0" cy="0"/>
-          <a:chOff x="0" y="0"/>
-          <a:chExt cx="0" cy="0"/>
-        </a:xfrm>
-      </p:grpSpPr>
-      <p:sp>
-        <p:nvSpPr>
-          <p:cNvPr id="2" name="Slide Image Placeholder 1"/>
-          <p:cNvSpPr>
-            <a:spLocks noGrp="1" noRot="1" noChangeAspect="1"/>
-          </p:cNvSpPr>
-          <p:nvPr>
-            <p:ph type="sldImg"/>
-          </p:nvPr>
-        </p:nvSpPr>
-        <p:spPr/>
-      </p:sp>
-      <p:sp>
-        <p:nvSpPr>
-          <p:cNvPr id="3" name="Notes Placeholder 2"/>
-          <p:cNvSpPr>
-            <a:spLocks noGrp="1"/>
-          </p:cNvSpPr>
-          <p:nvPr>
-            <p:ph type="body" idx="1"/>
-          </p:nvPr>
-        </p:nvSpPr>
-        <p:spPr/>
-        <p:txBody>
-          <a:bodyPr/>
-          <a:lstStyle/>
-          <a:p>
-            <a:pPr defTabSz="931774">
-              <a:defRPr/>
-            </a:pPr>
-            <a:endParaRPr lang="en-US" dirty="0"/>
-          </a:p>
-        </p:txBody>
-      </p:sp>
-      <p:sp>
-        <p:nvSpPr>
-          <p:cNvPr id="4" name="Slide Number Placeholder 3"/>
-          <p:cNvSpPr>
-            <a:spLocks noGrp="1"/>
-          </p:cNvSpPr>
-          <p:nvPr>
-            <p:ph type="sldNum" sz="quarter" idx="10"/>
-          </p:nvPr>
-        </p:nvSpPr>
-        <p:spPr/>
-        <p:txBody>
-          <a:bodyPr/>
-          <a:lstStyle/>
-          <a:p>
-            <a:fld id="{A73D6722-9B4D-4E29-B226-C325925A8118}" type="slidenum">
-              <a:rPr lang="en-US" smtClean="0"/>
-              <a:t>43</a:t>
-            </a:fld>
-            <a:endParaRPr lang="en-US" dirty="0"/>
-          </a:p>
-        </p:txBody>
-      </p:sp>
-    </p:spTree>
-    <p:extLst>
-      <p:ext uri="{BB962C8B-B14F-4D97-AF65-F5344CB8AC3E}">
-        <p14:creationId xmlns:p14="http://schemas.microsoft.com/office/powerpoint/2010/main" val="2124979669"/>
-      </p:ext>
-    </p:extLst>
-  </p:cSld>
-  <p:clrMapOvr>
-    <a:masterClrMapping/>
-  </p:clrMapOvr>
-</p:notes>
-</file>
-
-<file path=ppt/notesSlides/notesSlide44.xml><?xml version="1.0" encoding="utf-8"?>
-<p:notes xmlns:a="http://schemas.openxmlformats.org/drawingml/2006/main" xmlns:r="http://schemas.openxmlformats.org/officeDocument/2006/relationships" xmlns:p="http://schemas.openxmlformats.org/presentationml/2006/main">
-  <p:cSld>
-    <p:spTree>
-      <p:nvGrpSpPr>
-        <p:cNvPr id="1" name=""/>
-        <p:cNvGrpSpPr/>
-        <p:nvPr/>
-      </p:nvGrpSpPr>
-      <p:grpSpPr>
-        <a:xfrm>
-          <a:off x="0" y="0"/>
-          <a:ext cx="0" cy="0"/>
-          <a:chOff x="0" y="0"/>
-          <a:chExt cx="0" cy="0"/>
-        </a:xfrm>
-      </p:grpSpPr>
-      <p:sp>
-        <p:nvSpPr>
-          <p:cNvPr id="2" name="Slide Image Placeholder 1"/>
-          <p:cNvSpPr>
-            <a:spLocks noGrp="1" noRot="1" noChangeAspect="1"/>
-          </p:cNvSpPr>
-          <p:nvPr>
-            <p:ph type="sldImg"/>
-          </p:nvPr>
-        </p:nvSpPr>
-        <p:spPr/>
-      </p:sp>
-      <p:sp>
-        <p:nvSpPr>
-          <p:cNvPr id="3" name="Notes Placeholder 2"/>
-          <p:cNvSpPr>
-            <a:spLocks noGrp="1"/>
-          </p:cNvSpPr>
-          <p:nvPr>
-            <p:ph type="body" idx="1"/>
-          </p:nvPr>
-        </p:nvSpPr>
-        <p:spPr/>
-        <p:txBody>
-          <a:bodyPr/>
-          <a:lstStyle/>
-          <a:p>
-            <a:pPr defTabSz="931774">
-              <a:defRPr/>
-            </a:pPr>
-            <a:endParaRPr lang="en-US" dirty="0"/>
-          </a:p>
-        </p:txBody>
-      </p:sp>
-      <p:sp>
-        <p:nvSpPr>
-          <p:cNvPr id="4" name="Slide Number Placeholder 3"/>
-          <p:cNvSpPr>
-            <a:spLocks noGrp="1"/>
-          </p:cNvSpPr>
-          <p:nvPr>
-            <p:ph type="sldNum" sz="quarter" idx="10"/>
-          </p:nvPr>
-        </p:nvSpPr>
-        <p:spPr/>
-        <p:txBody>
-          <a:bodyPr/>
-          <a:lstStyle/>
-          <a:p>
-            <a:fld id="{A73D6722-9B4D-4E29-B226-C325925A8118}" type="slidenum">
-              <a:rPr lang="en-US" smtClean="0"/>
-              <a:t>44</a:t>
-            </a:fld>
-            <a:endParaRPr lang="en-US" dirty="0"/>
-          </a:p>
-        </p:txBody>
-      </p:sp>
-    </p:spTree>
-    <p:extLst>
-      <p:ext uri="{BB962C8B-B14F-4D97-AF65-F5344CB8AC3E}">
-        <p14:creationId xmlns:p14="http://schemas.microsoft.com/office/powerpoint/2010/main" val="2124979669"/>
-      </p:ext>
-    </p:extLst>
-  </p:cSld>
-  <p:clrMapOvr>
-    <a:masterClrMapping/>
-  </p:clrMapOvr>
-</p:notes>
-</file>
-
 <file path=ppt/notesSlides/notesSlide5.xml><?xml version="1.0" encoding="utf-8"?>
 <p:notes xmlns:a="http://schemas.openxmlformats.org/drawingml/2006/main" xmlns:r="http://schemas.openxmlformats.org/officeDocument/2006/relationships" xmlns:p="http://schemas.openxmlformats.org/presentationml/2006/main">
   <p:cSld>
@@ -5007,7 +4831,7 @@
           <a:p>
             <a:fld id="{A9DF6EFB-3F44-496C-A842-1E0B3D3B975A}" type="datetimeFigureOut">
               <a:rPr lang="en-US" smtClean="0"/>
-              <a:t>9/3/21</a:t>
+              <a:t>9/13/21</a:t>
             </a:fld>
             <a:endParaRPr lang="en-US" dirty="0"/>
           </a:p>
@@ -5375,7 +5199,7 @@
           <a:p>
             <a:fld id="{A9DF6EFB-3F44-496C-A842-1E0B3D3B975A}" type="datetimeFigureOut">
               <a:rPr lang="en-US" smtClean="0"/>
-              <a:t>9/3/21</a:t>
+              <a:t>9/13/21</a:t>
             </a:fld>
             <a:endParaRPr lang="en-US" dirty="0"/>
           </a:p>
@@ -5722,7 +5546,7 @@
           <a:p>
             <a:fld id="{A9DF6EFB-3F44-496C-A842-1E0B3D3B975A}" type="datetimeFigureOut">
               <a:rPr lang="en-US" smtClean="0"/>
-              <a:t>9/3/21</a:t>
+              <a:t>9/13/21</a:t>
             </a:fld>
             <a:endParaRPr lang="en-US" dirty="0"/>
           </a:p>
@@ -6126,7 +5950,7 @@
           <a:p>
             <a:fld id="{A9DF6EFB-3F44-496C-A842-1E0B3D3B975A}" type="datetimeFigureOut">
               <a:rPr lang="en-US" smtClean="0"/>
-              <a:t>9/3/21</a:t>
+              <a:t>9/13/21</a:t>
             </a:fld>
             <a:endParaRPr lang="en-US" dirty="0"/>
           </a:p>
@@ -6469,7 +6293,7 @@
           <a:p>
             <a:fld id="{A9DF6EFB-3F44-496C-A842-1E0B3D3B975A}" type="datetimeFigureOut">
               <a:rPr lang="en-US" smtClean="0"/>
-              <a:t>9/3/21</a:t>
+              <a:t>9/13/21</a:t>
             </a:fld>
             <a:endParaRPr lang="en-US" dirty="0"/>
           </a:p>
@@ -6591,7 +6415,7 @@
           <a:p>
             <a:fld id="{A9DF6EFB-3F44-496C-A842-1E0B3D3B975A}" type="datetimeFigureOut">
               <a:rPr lang="en-US" smtClean="0"/>
-              <a:t>9/3/21</a:t>
+              <a:t>9/13/21</a:t>
             </a:fld>
             <a:endParaRPr lang="en-US" dirty="0"/>
           </a:p>
@@ -6700,7 +6524,7 @@
             <a:fld id="{A9DF6EFB-3F44-496C-A842-1E0B3D3B975A}" type="datetimeFigureOut">
               <a:rPr lang="en-US" smtClean="0"/>
               <a:pPr/>
-              <a:t>9/3/21</a:t>
+              <a:t>9/13/21</a:t>
             </a:fld>
             <a:endParaRPr lang="en-US" dirty="0"/>
           </a:p>
@@ -7696,7 +7520,7 @@
             <a:fld id="{A9DF6EFB-3F44-496C-A842-1E0B3D3B975A}" type="datetimeFigureOut">
               <a:rPr lang="en-US" smtClean="0"/>
               <a:pPr/>
-              <a:t>9/3/21</a:t>
+              <a:t>9/13/21</a:t>
             </a:fld>
             <a:endParaRPr lang="en-US" dirty="0"/>
           </a:p>
@@ -8085,7 +7909,7 @@
             <a:fld id="{A9DF6EFB-3F44-496C-A842-1E0B3D3B975A}" type="datetimeFigureOut">
               <a:rPr lang="en-US" smtClean="0"/>
               <a:pPr/>
-              <a:t>9/3/21</a:t>
+              <a:t>9/13/21</a:t>
             </a:fld>
             <a:endParaRPr lang="en-US" dirty="0"/>
           </a:p>
@@ -8355,7 +8179,7 @@
             <a:fld id="{A9DF6EFB-3F44-496C-A842-1E0B3D3B975A}" type="datetimeFigureOut">
               <a:rPr lang="en-US" smtClean="0"/>
               <a:pPr/>
-              <a:t>9/3/21</a:t>
+              <a:t>9/13/21</a:t>
             </a:fld>
             <a:endParaRPr lang="en-US" dirty="0"/>
           </a:p>
@@ -8618,7 +8442,7 @@
           <a:p>
             <a:fld id="{A9DF6EFB-3F44-496C-A842-1E0B3D3B975A}" type="datetimeFigureOut">
               <a:rPr lang="en-US" smtClean="0"/>
-              <a:t>9/3/21</a:t>
+              <a:t>9/13/21</a:t>
             </a:fld>
             <a:endParaRPr lang="en-US" dirty="0"/>
           </a:p>
@@ -8854,7 +8678,7 @@
             <a:fld id="{A9DF6EFB-3F44-496C-A842-1E0B3D3B975A}" type="datetimeFigureOut">
               <a:rPr lang="en-US" smtClean="0"/>
               <a:pPr/>
-              <a:t>9/3/21</a:t>
+              <a:t>9/13/21</a:t>
             </a:fld>
             <a:endParaRPr lang="en-US" dirty="0"/>
           </a:p>
@@ -9231,7 +9055,7 @@
           <a:p>
             <a:fld id="{A9DF6EFB-3F44-496C-A842-1E0B3D3B975A}" type="datetimeFigureOut">
               <a:rPr lang="en-US" smtClean="0"/>
-              <a:t>9/3/21</a:t>
+              <a:t>9/13/21</a:t>
             </a:fld>
             <a:endParaRPr lang="en-US" dirty="0"/>
           </a:p>
@@ -9857,7 +9681,7 @@
           <a:p>
             <a:fld id="{A9DF6EFB-3F44-496C-A842-1E0B3D3B975A}" type="datetimeFigureOut">
               <a:rPr lang="en-US" smtClean="0"/>
-              <a:t>9/3/21</a:t>
+              <a:t>9/13/21</a:t>
             </a:fld>
             <a:endParaRPr lang="en-US" dirty="0"/>
           </a:p>
@@ -10987,7 +10811,7 @@
           <a:p>
             <a:fld id="{A9DF6EFB-3F44-496C-A842-1E0B3D3B975A}" type="datetimeFigureOut">
               <a:rPr lang="en-US" smtClean="0"/>
-              <a:t>9/3/21</a:t>
+              <a:t>9/13/21</a:t>
             </a:fld>
             <a:endParaRPr lang="en-US" dirty="0"/>
           </a:p>
@@ -11248,7 +11072,7 @@
             <a:fld id="{A9DF6EFB-3F44-496C-A842-1E0B3D3B975A}" type="datetimeFigureOut">
               <a:rPr lang="en-US" smtClean="0"/>
               <a:pPr/>
-              <a:t>9/3/21</a:t>
+              <a:t>9/13/21</a:t>
             </a:fld>
             <a:endParaRPr lang="en-US" dirty="0"/>
           </a:p>
@@ -16039,8 +15863,8 @@
         </p:nvSpPr>
         <p:spPr>
           <a:xfrm>
-            <a:off x="456154" y="63579"/>
-            <a:ext cx="8153400" cy="1107996"/>
+            <a:off x="457200" y="73997"/>
+            <a:ext cx="8153400" cy="553998"/>
           </a:xfrm>
         </p:spPr>
         <p:txBody>
@@ -16050,18 +15874,11 @@
           <a:lstStyle/>
           <a:p>
             <a:r>
-              <a:rPr lang="en-IN" dirty="0"/>
-              <a:t>Analytics Examples in Selected Domains</a:t>
-            </a:r>
-            <a:r>
-              <a:rPr lang="en-US" dirty="0"/>
-              <a:t> </a:t>
-            </a:r>
-            <a:r>
-              <a:rPr lang="en-US" sz="2800" dirty="0"/>
-              <a:t>(1 of 2)</a:t>
-            </a:r>
-            <a:endParaRPr lang="en-US" dirty="0"/>
+              <a:rPr lang="en-US" sz="3600" dirty="0">
+                <a:latin typeface="+mj-lt"/>
+              </a:rPr>
+              <a:t>Application Case 1.7</a:t>
+            </a:r>
           </a:p>
         </p:txBody>
       </p:sp>
@@ -16077,8 +15894,8 @@
         </p:nvSpPr>
         <p:spPr>
           <a:xfrm>
-            <a:off x="456154" y="1366823"/>
-            <a:ext cx="8153400" cy="4685898"/>
+            <a:off x="457200" y="714375"/>
+            <a:ext cx="8153400" cy="430887"/>
           </a:xfrm>
         </p:spPr>
         <p:txBody>
@@ -16087,90 +15904,93 @@
           </a:bodyPr>
           <a:lstStyle/>
           <a:p>
-            <a:r>
-              <a:rPr lang="en-US" sz="2200" dirty="0">
+            <a:pPr marL="0" indent="0">
+              <a:buNone/>
+            </a:pPr>
+            <a:r>
+              <a:rPr lang="en-IN" sz="2800" b="1" dirty="0">
                 <a:solidFill>
                   <a:srgbClr val="007FA3"/>
                 </a:solidFill>
               </a:rPr>
-              <a:t>Sports Analytics</a:t>
-            </a:r>
-            <a:r>
-              <a:rPr lang="en-US" sz="2200" dirty="0"/>
-              <a:t>—An Exciting Frontier for Learning and Understanding Applications of Analytics</a:t>
-            </a:r>
-          </a:p>
-          <a:p>
-            <a:pPr marL="829818" lvl="1" indent="-342900"/>
-            <a:r>
-              <a:rPr lang="en-US" sz="2200" dirty="0"/>
-              <a:t>Example 1: Business office</a:t>
-            </a:r>
-          </a:p>
-          <a:p>
-            <a:pPr marL="829818" lvl="1" indent="-342900"/>
-            <a:r>
-              <a:rPr lang="en-US" sz="2200" dirty="0"/>
-              <a:t>Example 2: The Coach </a:t>
-            </a:r>
-          </a:p>
-          <a:p>
-            <a:r>
-              <a:rPr lang="en-US" sz="2200" dirty="0">
-                <a:solidFill>
-                  <a:srgbClr val="007FA3"/>
-                </a:solidFill>
-              </a:rPr>
-              <a:t>Healthcare</a:t>
-            </a:r>
-            <a:r>
-              <a:rPr lang="en-US" sz="2200" dirty="0"/>
-              <a:t>—Humana Examples</a:t>
-            </a:r>
-          </a:p>
-          <a:p>
-            <a:pPr marL="829818" lvl="1" indent="-342900"/>
-            <a:r>
-              <a:rPr lang="en-US" sz="2200" dirty="0"/>
-              <a:t>Example 1: Preventing Falls in a Senior Population</a:t>
-            </a:r>
-          </a:p>
-          <a:p>
-            <a:pPr marL="829818" lvl="1" indent="-342900"/>
-            <a:r>
-              <a:rPr lang="en-US" sz="2200" dirty="0"/>
-              <a:t>Example 2: Define the Right Metrics</a:t>
-            </a:r>
-          </a:p>
-          <a:p>
-            <a:pPr marL="829818" lvl="1" indent="-342900"/>
-            <a:r>
-              <a:rPr lang="en-US" sz="2200" dirty="0"/>
-              <a:t>Example 3: Predictive Models to Identify the Highest Risk Membership in a Health Insurer</a:t>
-            </a:r>
-          </a:p>
-          <a:p>
-            <a:r>
-              <a:rPr lang="en-US" sz="2200" dirty="0">
-                <a:solidFill>
-                  <a:srgbClr val="007FA3"/>
-                </a:solidFill>
-              </a:rPr>
-              <a:t>Retail</a:t>
-            </a:r>
-            <a:r>
-              <a:rPr lang="en-US" sz="2200" dirty="0"/>
-              <a:t>—Retail Value Chain …</a:t>
-            </a:r>
-          </a:p>
-          <a:p>
-            <a:r>
-              <a:rPr lang="en-US" sz="2200" dirty="0">
-                <a:solidFill>
-                  <a:srgbClr val="007FA3"/>
-                </a:solidFill>
-              </a:rPr>
-              <a:t>Image Analytics</a:t>
+              <a:t>Image Analysis Helps Estimate Plant Cover</a:t>
+            </a:r>
+            <a:endParaRPr lang="en-US" sz="2800" b="1" dirty="0">
+              <a:solidFill>
+                <a:srgbClr val="007FA3"/>
+              </a:solidFill>
+            </a:endParaRPr>
+          </a:p>
+        </p:txBody>
+      </p:sp>
+      <p:sp>
+        <p:nvSpPr>
+          <p:cNvPr id="4" name="Content Placeholder 3"/>
+          <p:cNvSpPr>
+            <a:spLocks noGrp="1"/>
+          </p:cNvSpPr>
+          <p:nvPr>
+            <p:ph idx="13"/>
+          </p:nvPr>
+        </p:nvSpPr>
+        <p:spPr>
+          <a:xfrm>
+            <a:off x="447675" y="1371600"/>
+            <a:ext cx="8162925" cy="4093428"/>
+          </a:xfrm>
+        </p:spPr>
+        <p:txBody>
+          <a:bodyPr wrap="square">
+            <a:spAutoFit/>
+          </a:bodyPr>
+          <a:lstStyle/>
+          <a:p>
+            <a:pPr marL="0" indent="0">
+              <a:buNone/>
+            </a:pPr>
+            <a:r>
+              <a:rPr lang="en-US" sz="2400" b="1" dirty="0"/>
+              <a:t>Questions for Discussion:</a:t>
+            </a:r>
+          </a:p>
+          <a:p>
+            <a:pPr marL="457200" indent="-457200">
+              <a:buFont typeface="+mj-lt"/>
+              <a:buAutoNum type="arabicPeriod"/>
+            </a:pPr>
+            <a:r>
+              <a:rPr lang="en-US" sz="2400" dirty="0"/>
+              <a:t>What is the purpose of knowing how much ground is covered by green foliage on a farm? In a forest?</a:t>
+            </a:r>
+          </a:p>
+          <a:p>
+            <a:pPr marL="457200" indent="-457200">
+              <a:buFont typeface="+mj-lt"/>
+              <a:buAutoNum type="arabicPeriod"/>
+            </a:pPr>
+            <a:r>
+              <a:rPr lang="en-US" sz="2400" dirty="0"/>
+              <a:t>Why would image analysis of foliage through an app be better than a visual check?</a:t>
+            </a:r>
+          </a:p>
+          <a:p>
+            <a:pPr marL="457200" indent="-457200">
+              <a:buFont typeface="+mj-lt"/>
+              <a:buAutoNum type="arabicPeriod"/>
+            </a:pPr>
+            <a:r>
+              <a:rPr lang="en-US" sz="2400" dirty="0"/>
+              <a:t>Explore research papers to understand the underlying algorithmic logic of image analysis. What did you learn?</a:t>
+            </a:r>
+          </a:p>
+          <a:p>
+            <a:pPr marL="457200" indent="-457200">
+              <a:buFont typeface="+mj-lt"/>
+              <a:buAutoNum type="arabicPeriod"/>
+            </a:pPr>
+            <a:r>
+              <a:rPr lang="en-US" sz="2400" dirty="0"/>
+              <a:t>What other applications of image analysis can you think of?</a:t>
             </a:r>
           </a:p>
         </p:txBody>
@@ -16178,7 +15998,7 @@
     </p:spTree>
     <p:extLst>
       <p:ext uri="{BB962C8B-B14F-4D97-AF65-F5344CB8AC3E}">
-        <p14:creationId xmlns:p14="http://schemas.microsoft.com/office/powerpoint/2010/main" val="1472788257"/>
+        <p14:creationId xmlns:p14="http://schemas.microsoft.com/office/powerpoint/2010/main" val="3398452895"/>
       </p:ext>
     </p:extLst>
   </p:cSld>
@@ -16217,8 +16037,8 @@
         </p:nvSpPr>
         <p:spPr>
           <a:xfrm>
-            <a:off x="457200" y="76200"/>
-            <a:ext cx="8153400" cy="1097280"/>
+            <a:off x="456154" y="66675"/>
+            <a:ext cx="8153400" cy="553998"/>
           </a:xfrm>
         </p:spPr>
         <p:txBody>
@@ -16228,20 +16048,9 @@
           <a:lstStyle/>
           <a:p>
             <a:r>
-              <a:rPr lang="en-US" sz="3600" dirty="0">
-                <a:latin typeface="+mj-lt"/>
-              </a:rPr>
-              <a:t>Analytics Examples in Selected Domains </a:t>
-            </a:r>
-            <a:r>
-              <a:rPr lang="en-US" sz="2800" dirty="0">
-                <a:latin typeface="+mj-lt"/>
-              </a:rPr>
-              <a:t>(2 of 2)</a:t>
-            </a:r>
-            <a:endParaRPr lang="en-US" sz="3600" dirty="0">
-              <a:latin typeface="+mj-lt"/>
-            </a:endParaRPr>
+              <a:rPr lang="en-US" dirty="0"/>
+              <a:t>Artificial Intelligence Overview</a:t>
+            </a:r>
           </a:p>
         </p:txBody>
       </p:sp>
@@ -16257,8 +16066,8 @@
         </p:nvSpPr>
         <p:spPr>
           <a:xfrm>
-            <a:off x="457200" y="1387673"/>
-            <a:ext cx="8153400" cy="307777"/>
+            <a:off x="456154" y="990600"/>
+            <a:ext cx="8153400" cy="4424288"/>
           </a:xfrm>
         </p:spPr>
         <p:txBody>
@@ -16267,154 +16076,82 @@
           </a:bodyPr>
           <a:lstStyle/>
           <a:p>
-            <a:r>
-              <a:rPr lang="en-US" sz="2000" dirty="0">
-                <a:solidFill>
-                  <a:srgbClr val="007FA3"/>
-                </a:solidFill>
-              </a:rPr>
-              <a:t>Retail </a:t>
-            </a:r>
-            <a:r>
-              <a:rPr lang="en-US" sz="2000" dirty="0"/>
-              <a:t>…</a:t>
-            </a:r>
-          </a:p>
-        </p:txBody>
-      </p:sp>
-      <p:sp>
-        <p:nvSpPr>
-          <p:cNvPr id="4" name="Content Placeholder 3"/>
-          <p:cNvSpPr>
-            <a:spLocks noGrp="1"/>
-          </p:cNvSpPr>
-          <p:nvPr>
-            <p:ph idx="13"/>
-          </p:nvPr>
-        </p:nvSpPr>
-        <p:spPr>
-          <a:xfrm>
-            <a:off x="447675" y="1952625"/>
-            <a:ext cx="8153400" cy="307777"/>
-          </a:xfrm>
-        </p:spPr>
-        <p:txBody>
-          <a:bodyPr wrap="square">
-            <a:spAutoFit/>
-          </a:bodyPr>
-          <a:lstStyle/>
-          <a:p>
-            <a:pPr marL="0" indent="0">
-              <a:buNone/>
-            </a:pPr>
-            <a:r>
-              <a:rPr lang="en-IN" sz="2000" b="1" dirty="0"/>
-              <a:t>Figure 1.15</a:t>
-            </a:r>
-            <a:r>
-              <a:rPr lang="en-IN" sz="2000" dirty="0"/>
-              <a:t> Example of Analytics Applications in a Retail Value Chain.</a:t>
-            </a:r>
-          </a:p>
-        </p:txBody>
-      </p:sp>
-      <p:pic>
-        <p:nvPicPr>
-          <p:cNvPr id="7" name="Picture 3" descr="• The infographic has the title: Retail Value Chain along with the caption: Critical needs at every touch point of the Retail Value Chain&#10;• At the center of the graphic is a large blue arrow pointing to the right. &#10;• On the left side of the arrow is a graphic of a man and a woman in formal clothing. A box below the graphic is labeled vendors. &#10;• On the arrowhead a graphic shows a man and a woman. A box below the graphic is labeled customers.&#10;• On the arrow, the following is depicted:&#10;• A graphic of a man in a white coat working on a computer is labeled Planning.&#10;• A graphic of a group of people in formal clothing looking at papers and charts is labeled Merchandizing.&#10;• A graphic of a group of people in formal clothing standing beside a table with a laptop and papers on it and making gestures with their hands. The graphic is labeled Buying.&#10;• A graphic of a truck beside a factory is labeled Warehouse &amp; Logistics. &#10;• A graphic of a group of people in formal clothing standing beside a table with papers on it and gesturing at each other. The graphic is labeled Multichannel Operations.&#10;• There are 3 text boxes above the arrow&#10;• The left box lists the following: &#10;• Shelf-space optimization&#10;• Location analysis&#10;• Shelf and floor planning&#10;• Promotions and markdown optimization&#10;• The middle box lists the following: &#10;• Trend analysis&#10;• Category management&#10;• Predicting trigger events for sales&#10;• Better forecasts of demand&#10;• The right box lists the following:&#10;• Deliver seamless customer experience&#10;• Understand relative performance of channels&#10;• Optimize marketing strategies&#10;• There are 4 text boxes below the arrow&#10;• Starting from left, the first box lists the following:&#10;• Supply chain management&#10;• Inventory cost optimization&#10;• Inventory shortage and excess management&#10;• Less unwanted costs&#10;• The second box from the left lists the following:&#10;• Targeted promotions&#10;• Customized inventory&#10;• Promotions and price optimization&#10;• Customized shopping experience&#10;• The third box from the left lists the following:&#10;• On-time product availability at low costs&#10;• Order fulfillment and clubbing&#10;• Reduced transportation costs&#10;• The fourth box from the left lists the following:&#10;• Building retention and satisfaction&#10;• Understanding the needs of the customer better&#10;• Serving high LTV customers better"/>
-          <p:cNvPicPr>
-            <a:picLocks noChangeAspect="1" noChangeArrowheads="1"/>
-          </p:cNvPicPr>
-          <p:nvPr/>
-        </p:nvPicPr>
-        <p:blipFill rotWithShape="1">
-          <a:blip r:embed="rId3">
-            <a:extLst>
-              <a:ext uri="{28A0092B-C50C-407E-A947-70E740481C1C}">
-                <a14:useLocalDpi xmlns:a14="http://schemas.microsoft.com/office/drawing/2010/main" val="0"/>
-              </a:ext>
-            </a:extLst>
-          </a:blip>
-          <a:srcRect b="4437"/>
-          <a:stretch/>
-        </p:blipFill>
-        <p:spPr bwMode="auto">
-          <a:xfrm>
-            <a:off x="1321923" y="2358434"/>
-            <a:ext cx="6486176" cy="3601598"/>
-          </a:xfrm>
-          <a:prstGeom prst="rect">
-            <a:avLst/>
-          </a:prstGeom>
-          <a:noFill/>
-          <a:extLst>
-            <a:ext uri="{909E8E84-426E-40DD-AFC4-6F175D3DCCD1}">
-              <a14:hiddenFill xmlns:a14="http://schemas.microsoft.com/office/drawing/2010/main">
-                <a:solidFill>
-                  <a:srgbClr val="FFFFFF"/>
-                </a:solidFill>
-              </a14:hiddenFill>
-            </a:ext>
-          </a:extLst>
-        </p:spPr>
-      </p:pic>
-      <p:sp>
-        <p:nvSpPr>
-          <p:cNvPr id="5" name="Content Placeholder 4"/>
-          <p:cNvSpPr>
-            <a:spLocks noGrp="1"/>
-          </p:cNvSpPr>
-          <p:nvPr>
-            <p:ph sz="quarter" idx="14"/>
-          </p:nvPr>
-        </p:nvSpPr>
-        <p:spPr>
-          <a:xfrm>
-            <a:off x="457200" y="6068854"/>
-            <a:ext cx="8153400" cy="246221"/>
-          </a:xfrm>
-        </p:spPr>
-        <p:txBody>
-          <a:bodyPr>
-            <a:spAutoFit/>
-          </a:bodyPr>
-          <a:lstStyle/>
-          <a:p>
-            <a:pPr marL="0" indent="0">
-              <a:buNone/>
-            </a:pPr>
-            <a:r>
-              <a:rPr lang="en-IN" i="1" dirty="0"/>
-              <a:t>Source: </a:t>
-            </a:r>
-            <a:r>
-              <a:rPr lang="en-IN" dirty="0"/>
-              <a:t>Contributed by Abhishek </a:t>
-            </a:r>
-            <a:r>
-              <a:rPr lang="en-IN" dirty="0" err="1"/>
-              <a:t>Rathi</a:t>
-            </a:r>
-            <a:r>
-              <a:rPr lang="en-IN" dirty="0"/>
-              <a:t>, </a:t>
-            </a:r>
-            <a:r>
-              <a:rPr lang="en-IN" spc="-300" dirty="0"/>
-              <a:t>C  E  </a:t>
-            </a:r>
-            <a:r>
-              <a:rPr lang="en-IN" dirty="0"/>
-              <a:t>O, </a:t>
-            </a:r>
-            <a:r>
-              <a:rPr lang="en-IN" b="1" dirty="0">
-                <a:hlinkClick r:id="rId4" tooltip="http://vCreaTek.com"/>
-              </a:rPr>
-              <a:t>vCreaTek.com</a:t>
-            </a:r>
-            <a:r>
-              <a:rPr lang="en-IN" dirty="0"/>
-              <a:t>.</a:t>
+            <a:pPr marL="285750" indent="-285750"/>
+            <a:r>
+              <a:rPr lang="en-US" sz="2400" dirty="0"/>
+              <a:t>What Is artificial intelligence (</a:t>
+            </a:r>
+            <a:r>
+              <a:rPr lang="en-US" sz="2400" spc="-300" dirty="0"/>
+              <a:t>A </a:t>
+            </a:r>
+            <a:r>
+              <a:rPr lang="en-US" sz="2400" dirty="0"/>
+              <a:t>I)?</a:t>
+            </a:r>
+          </a:p>
+          <a:p>
+            <a:pPr marL="781050" lvl="1" indent="-295275"/>
+            <a:r>
+              <a:rPr lang="en-US" sz="2400" dirty="0"/>
+              <a:t>Technology that can learn to do things better over time.</a:t>
+            </a:r>
+          </a:p>
+          <a:p>
+            <a:pPr marL="781050" lvl="1" indent="-295275"/>
+            <a:r>
+              <a:rPr lang="en-US" sz="2400" dirty="0"/>
+              <a:t>Technology that can understand human language.</a:t>
+            </a:r>
+          </a:p>
+          <a:p>
+            <a:pPr marL="781050" lvl="1" indent="-295275"/>
+            <a:r>
+              <a:rPr lang="en-US" sz="2400" dirty="0"/>
+              <a:t>Technology that can answer questions.</a:t>
+            </a:r>
+          </a:p>
+          <a:p>
+            <a:pPr marL="285750" indent="-285750"/>
+            <a:r>
+              <a:rPr lang="en-US" sz="2400" dirty="0"/>
+              <a:t>The major benefits of </a:t>
+            </a:r>
+            <a:r>
+              <a:rPr lang="en-US" sz="2400" spc="-300" dirty="0"/>
+              <a:t>A </a:t>
+            </a:r>
+            <a:r>
+              <a:rPr lang="en-US" sz="2400" dirty="0"/>
+              <a:t>I</a:t>
+            </a:r>
+          </a:p>
+          <a:p>
+            <a:pPr marL="781050" lvl="1" indent="-295275"/>
+            <a:r>
+              <a:rPr lang="en-US" sz="2400" dirty="0"/>
+              <a:t>Reduction in the cost of performing work. </a:t>
+            </a:r>
+          </a:p>
+          <a:p>
+            <a:pPr marL="781050" lvl="1" indent="-295275"/>
+            <a:r>
+              <a:rPr lang="en-US" sz="2400" dirty="0"/>
+              <a:t>Work can be performed much faster.</a:t>
+            </a:r>
+          </a:p>
+          <a:p>
+            <a:pPr marL="781050" lvl="1" indent="-295275"/>
+            <a:r>
+              <a:rPr lang="en-US" sz="2400" dirty="0"/>
+              <a:t>Work is more consistent than human work.</a:t>
+            </a:r>
+          </a:p>
+          <a:p>
+            <a:pPr marL="781050" lvl="1" indent="-295275"/>
+            <a:r>
+              <a:rPr lang="en-US" sz="2400" dirty="0"/>
+              <a:t>Increased productivity, profitability, …</a:t>
             </a:r>
           </a:p>
         </p:txBody>
@@ -16422,7 +16159,7 @@
     </p:spTree>
     <p:extLst>
       <p:ext uri="{BB962C8B-B14F-4D97-AF65-F5344CB8AC3E}">
-        <p14:creationId xmlns:p14="http://schemas.microsoft.com/office/powerpoint/2010/main" val="201400340"/>
+        <p14:creationId xmlns:p14="http://schemas.microsoft.com/office/powerpoint/2010/main" val="1417356460"/>
       </p:ext>
     </p:extLst>
   </p:cSld>
@@ -16461,7 +16198,7 @@
         </p:nvSpPr>
         <p:spPr>
           <a:xfrm>
-            <a:off x="457200" y="73997"/>
+            <a:off x="456154" y="66675"/>
             <a:ext cx="8153400" cy="553998"/>
           </a:xfrm>
         </p:spPr>
@@ -16472,10 +16209,16 @@
           <a:lstStyle/>
           <a:p>
             <a:r>
-              <a:rPr lang="en-US" sz="3600" dirty="0">
-                <a:latin typeface="+mj-lt"/>
-              </a:rPr>
-              <a:t>Application Case 1.7</a:t>
+              <a:rPr lang="en-US" dirty="0"/>
+              <a:t>The Landscape of </a:t>
+            </a:r>
+            <a:r>
+              <a:rPr lang="en-US" spc="-450" dirty="0"/>
+              <a:t>A </a:t>
+            </a:r>
+            <a:r>
+              <a:rPr lang="en-US" dirty="0"/>
+              <a:t>I</a:t>
             </a:r>
           </a:p>
         </p:txBody>
@@ -16492,8 +16235,8 @@
         </p:nvSpPr>
         <p:spPr>
           <a:xfrm>
-            <a:off x="457200" y="714375"/>
-            <a:ext cx="8153400" cy="430887"/>
+            <a:off x="456154" y="990600"/>
+            <a:ext cx="8153400" cy="4847481"/>
           </a:xfrm>
         </p:spPr>
         <p:txBody>
@@ -16502,93 +16245,97 @@
           </a:bodyPr>
           <a:lstStyle/>
           <a:p>
-            <a:pPr marL="0" indent="0">
-              <a:buNone/>
-            </a:pPr>
-            <a:r>
-              <a:rPr lang="en-IN" sz="2800" b="1" dirty="0">
-                <a:solidFill>
-                  <a:srgbClr val="007FA3"/>
-                </a:solidFill>
-              </a:rPr>
-              <a:t>Image Analysis Helps Estimate Plant Cover</a:t>
-            </a:r>
-            <a:endParaRPr lang="en-US" sz="2800" b="1" dirty="0">
-              <a:solidFill>
-                <a:srgbClr val="007FA3"/>
-              </a:solidFill>
-            </a:endParaRPr>
-          </a:p>
-        </p:txBody>
-      </p:sp>
-      <p:sp>
-        <p:nvSpPr>
-          <p:cNvPr id="4" name="Content Placeholder 3"/>
-          <p:cNvSpPr>
-            <a:spLocks noGrp="1"/>
-          </p:cNvSpPr>
-          <p:nvPr>
-            <p:ph idx="13"/>
-          </p:nvPr>
-        </p:nvSpPr>
-        <p:spPr>
-          <a:xfrm>
-            <a:off x="447675" y="1371600"/>
-            <a:ext cx="8162925" cy="4093428"/>
-          </a:xfrm>
-        </p:spPr>
-        <p:txBody>
-          <a:bodyPr wrap="square">
-            <a:spAutoFit/>
-          </a:bodyPr>
-          <a:lstStyle/>
-          <a:p>
-            <a:pPr marL="0" indent="0">
-              <a:buNone/>
-            </a:pPr>
-            <a:r>
-              <a:rPr lang="en-US" sz="2400" b="1" dirty="0"/>
-              <a:t>Questions for Discussion:</a:t>
-            </a:r>
-          </a:p>
-          <a:p>
-            <a:pPr marL="457200" indent="-457200">
-              <a:buFont typeface="+mj-lt"/>
-              <a:buAutoNum type="arabicPeriod"/>
-            </a:pPr>
+            <a:pPr marL="276225" indent="-276225"/>
             <a:r>
               <a:rPr lang="en-US" sz="2400" dirty="0"/>
-              <a:t>What is the purpose of knowing how much ground is covered by green foliage on a farm? In a forest?</a:t>
-            </a:r>
-          </a:p>
-          <a:p>
-            <a:pPr marL="457200" indent="-457200">
-              <a:buFont typeface="+mj-lt"/>
-              <a:buAutoNum type="arabicPeriod"/>
-            </a:pPr>
+              <a:t>Major technologies</a:t>
+            </a:r>
+          </a:p>
+          <a:p>
+            <a:pPr marL="829818" lvl="1" indent="-342900"/>
             <a:r>
               <a:rPr lang="en-US" sz="2400" dirty="0"/>
-              <a:t>Why would image analysis of foliage through an app be better than a visual check?</a:t>
-            </a:r>
-          </a:p>
-          <a:p>
-            <a:pPr marL="457200" indent="-457200">
-              <a:buFont typeface="+mj-lt"/>
-              <a:buAutoNum type="arabicPeriod"/>
-            </a:pPr>
+              <a:t>Knowledge-based technologies</a:t>
+            </a:r>
+          </a:p>
+          <a:p>
+            <a:pPr marL="829818" lvl="1" indent="-342900"/>
             <a:r>
               <a:rPr lang="en-US" sz="2400" dirty="0"/>
-              <a:t>Explore research papers to understand the underlying algorithmic logic of image analysis. What did you learn?</a:t>
-            </a:r>
-          </a:p>
-          <a:p>
-            <a:pPr marL="457200" indent="-457200">
-              <a:buFont typeface="+mj-lt"/>
-              <a:buAutoNum type="arabicPeriod"/>
-            </a:pPr>
+              <a:t>Biometric related technologies</a:t>
+            </a:r>
+          </a:p>
+          <a:p>
             <a:r>
               <a:rPr lang="en-US" sz="2400" dirty="0"/>
-              <a:t>What other applications of image analysis can you think of?</a:t>
+              <a:t>Tools and platforms …</a:t>
+            </a:r>
+          </a:p>
+          <a:p>
+            <a:r>
+              <a:rPr lang="en-US" sz="2400" spc="-300" dirty="0"/>
+              <a:t>A </a:t>
+            </a:r>
+            <a:r>
+              <a:rPr lang="en-US" sz="2400" dirty="0"/>
+              <a:t>I applications …</a:t>
+            </a:r>
+          </a:p>
+          <a:p>
+            <a:r>
+              <a:rPr lang="en-US" sz="2400" dirty="0"/>
+              <a:t>Narrow (weak) versus general (strong) </a:t>
+            </a:r>
+            <a:r>
+              <a:rPr lang="en-US" sz="2400" spc="-300" dirty="0"/>
+              <a:t>A </a:t>
+            </a:r>
+            <a:r>
+              <a:rPr lang="en-US" sz="2400" dirty="0"/>
+              <a:t>I</a:t>
+            </a:r>
+          </a:p>
+          <a:p>
+            <a:r>
+              <a:rPr lang="en-US" sz="2400" dirty="0"/>
+              <a:t>The three flavors of </a:t>
+            </a:r>
+            <a:r>
+              <a:rPr lang="en-US" sz="2400" spc="-300" dirty="0"/>
+              <a:t>A </a:t>
+            </a:r>
+            <a:r>
+              <a:rPr lang="en-US" sz="2400" dirty="0"/>
+              <a:t>I decisions</a:t>
+            </a:r>
+          </a:p>
+          <a:p>
+            <a:pPr marL="829818" lvl="1" indent="-342900"/>
+            <a:r>
+              <a:rPr lang="en-US" sz="2400" dirty="0"/>
+              <a:t>Assisted intelligence</a:t>
+            </a:r>
+          </a:p>
+          <a:p>
+            <a:pPr marL="829818" lvl="1" indent="-342900"/>
+            <a:r>
+              <a:rPr lang="en-US" sz="2400" dirty="0"/>
+              <a:t>Autonomous </a:t>
+            </a:r>
+            <a:r>
+              <a:rPr lang="en-US" sz="2400" spc="-300" dirty="0"/>
+              <a:t>A </a:t>
+            </a:r>
+            <a:r>
+              <a:rPr lang="en-US" sz="2400" dirty="0"/>
+              <a:t>I</a:t>
+            </a:r>
+          </a:p>
+          <a:p>
+            <a:pPr marL="829818" lvl="1" indent="-342900"/>
+            <a:r>
+              <a:rPr lang="en-US" sz="2400" dirty="0"/>
+              <a:t>Augmented Intelligence</a:t>
             </a:r>
           </a:p>
         </p:txBody>
@@ -16596,7 +16343,7 @@
     </p:spTree>
     <p:extLst>
       <p:ext uri="{BB962C8B-B14F-4D97-AF65-F5344CB8AC3E}">
-        <p14:creationId xmlns:p14="http://schemas.microsoft.com/office/powerpoint/2010/main" val="3398452895"/>
+        <p14:creationId xmlns:p14="http://schemas.microsoft.com/office/powerpoint/2010/main" val="343774132"/>
       </p:ext>
     </p:extLst>
   </p:cSld>
@@ -16635,7 +16382,7 @@
         </p:nvSpPr>
         <p:spPr>
           <a:xfrm>
-            <a:off x="456154" y="66675"/>
+            <a:off x="457200" y="73997"/>
             <a:ext cx="8153400" cy="553998"/>
           </a:xfrm>
         </p:spPr>
@@ -16646,8 +16393,10 @@
           <a:lstStyle/>
           <a:p>
             <a:r>
-              <a:rPr lang="en-US" dirty="0"/>
-              <a:t>Artificial Intelligence Overview</a:t>
+              <a:rPr lang="en-US" sz="3600" dirty="0">
+                <a:latin typeface="+mj-lt"/>
+              </a:rPr>
+              <a:t>Application Case 1.8</a:t>
             </a:r>
           </a:p>
         </p:txBody>
@@ -16664,8 +16413,8 @@
         </p:nvSpPr>
         <p:spPr>
           <a:xfrm>
-            <a:off x="456154" y="990600"/>
-            <a:ext cx="8153400" cy="4424288"/>
+            <a:off x="457200" y="714375"/>
+            <a:ext cx="8153400" cy="861774"/>
           </a:xfrm>
         </p:spPr>
         <p:txBody>
@@ -16674,10 +16423,71 @@
           </a:bodyPr>
           <a:lstStyle/>
           <a:p>
-            <a:pPr marL="285750" indent="-285750"/>
+            <a:pPr marL="0" indent="0">
+              <a:buNone/>
+            </a:pPr>
+            <a:r>
+              <a:rPr lang="en-IN" sz="2800" b="1" spc="-300" dirty="0">
+                <a:solidFill>
+                  <a:srgbClr val="007FA3"/>
+                </a:solidFill>
+              </a:rPr>
+              <a:t>A </a:t>
+            </a:r>
+            <a:r>
+              <a:rPr lang="en-IN" sz="2800" b="1" dirty="0">
+                <a:solidFill>
+                  <a:srgbClr val="007FA3"/>
+                </a:solidFill>
+              </a:rPr>
+              <a:t>I Increases Passengers’ Comfort and Security in Airports and Borders</a:t>
+            </a:r>
+            <a:endParaRPr lang="en-US" sz="2800" b="1" dirty="0">
+              <a:solidFill>
+                <a:srgbClr val="007FA3"/>
+              </a:solidFill>
+            </a:endParaRPr>
+          </a:p>
+        </p:txBody>
+      </p:sp>
+      <p:sp>
+        <p:nvSpPr>
+          <p:cNvPr id="4" name="Content Placeholder 3"/>
+          <p:cNvSpPr>
+            <a:spLocks noGrp="1"/>
+          </p:cNvSpPr>
+          <p:nvPr>
+            <p:ph idx="13"/>
+          </p:nvPr>
+        </p:nvSpPr>
+        <p:spPr>
+          <a:xfrm>
+            <a:off x="447675" y="2129210"/>
+            <a:ext cx="8162925" cy="2423740"/>
+          </a:xfrm>
+        </p:spPr>
+        <p:txBody>
+          <a:bodyPr wrap="square">
+            <a:spAutoFit/>
+          </a:bodyPr>
+          <a:lstStyle/>
+          <a:p>
+            <a:pPr marL="0" indent="0">
+              <a:buNone/>
+            </a:pPr>
+            <a:r>
+              <a:rPr lang="en-US" sz="2400" b="1" dirty="0"/>
+              <a:t>Questions for Discussion: </a:t>
+            </a:r>
+          </a:p>
+          <a:p>
+            <a:pPr marL="457200" indent="-457200">
+              <a:buFont typeface="+mj-lt"/>
+              <a:buAutoNum type="arabicPeriod"/>
+            </a:pPr>
             <a:r>
               <a:rPr lang="en-US" sz="2400" dirty="0"/>
-              <a:t>What Is artificial intelligence (</a:t>
+              <a:t>List the benefits of </a:t>
             </a:r>
             <a:r>
               <a:rPr lang="en-US" sz="2400" spc="-300" dirty="0"/>
@@ -16685,35 +16495,27 @@
             </a:r>
             <a:r>
               <a:rPr lang="en-US" sz="2400" dirty="0"/>
-              <a:t>I)?</a:t>
-            </a:r>
-          </a:p>
-          <a:p>
-            <a:pPr marL="781050" lvl="1" indent="-295275"/>
+              <a:t>I devices to travelers.</a:t>
+            </a:r>
+          </a:p>
+          <a:p>
+            <a:pPr marL="457200" indent="-457200">
+              <a:buFont typeface="+mj-lt"/>
+              <a:buAutoNum type="arabicPeriod"/>
+            </a:pPr>
             <a:r>
               <a:rPr lang="en-US" sz="2400" dirty="0"/>
-              <a:t>Technology that can learn to do things better over time.</a:t>
-            </a:r>
-          </a:p>
-          <a:p>
-            <a:pPr marL="781050" lvl="1" indent="-295275"/>
+              <a:t>List the benefits to governments and airline companies.</a:t>
+            </a:r>
+          </a:p>
+          <a:p>
+            <a:pPr marL="457200" indent="-457200">
+              <a:buFont typeface="+mj-lt"/>
+              <a:buAutoNum type="arabicPeriod"/>
+            </a:pPr>
             <a:r>
               <a:rPr lang="en-US" sz="2400" dirty="0"/>
-              <a:t>Technology that can understand human language.</a:t>
-            </a:r>
-          </a:p>
-          <a:p>
-            <a:pPr marL="781050" lvl="1" indent="-295275"/>
-            <a:r>
-              <a:rPr lang="en-US" sz="2400" dirty="0"/>
-              <a:t>Technology that can answer questions.</a:t>
-            </a:r>
-          </a:p>
-          <a:p>
-            <a:pPr marL="285750" indent="-285750"/>
-            <a:r>
-              <a:rPr lang="en-US" sz="2400" dirty="0"/>
-              <a:t>The major benefits of </a:t>
+              <a:t>Relate this case to machine vision and other </a:t>
             </a:r>
             <a:r>
               <a:rPr lang="en-US" sz="2400" spc="-300" dirty="0"/>
@@ -16721,35 +16523,7 @@
             </a:r>
             <a:r>
               <a:rPr lang="en-US" sz="2400" dirty="0"/>
-              <a:t>I</a:t>
-            </a:r>
-          </a:p>
-          <a:p>
-            <a:pPr marL="781050" lvl="1" indent="-295275"/>
-            <a:r>
-              <a:rPr lang="en-US" sz="2400" dirty="0"/>
-              <a:t>Reduction in the cost of performing work. </a:t>
-            </a:r>
-          </a:p>
-          <a:p>
-            <a:pPr marL="781050" lvl="1" indent="-295275"/>
-            <a:r>
-              <a:rPr lang="en-US" sz="2400" dirty="0"/>
-              <a:t>Work can be performed much faster.</a:t>
-            </a:r>
-          </a:p>
-          <a:p>
-            <a:pPr marL="781050" lvl="1" indent="-295275"/>
-            <a:r>
-              <a:rPr lang="en-US" sz="2400" dirty="0"/>
-              <a:t>Work is more consistent than human work.</a:t>
-            </a:r>
-          </a:p>
-          <a:p>
-            <a:pPr marL="781050" lvl="1" indent="-295275"/>
-            <a:r>
-              <a:rPr lang="en-US" sz="2400" dirty="0"/>
-              <a:t>Increased productivity, profitability, …</a:t>
+              <a:t>I tools that deal with people’s biometrics.</a:t>
             </a:r>
           </a:p>
         </p:txBody>
@@ -16757,7 +16531,7 @@
     </p:spTree>
     <p:extLst>
       <p:ext uri="{BB962C8B-B14F-4D97-AF65-F5344CB8AC3E}">
-        <p14:creationId xmlns:p14="http://schemas.microsoft.com/office/powerpoint/2010/main" val="1417356460"/>
+        <p14:creationId xmlns:p14="http://schemas.microsoft.com/office/powerpoint/2010/main" val="995275259"/>
       </p:ext>
     </p:extLst>
   </p:cSld>
@@ -16808,7 +16582,7 @@
           <a:p>
             <a:r>
               <a:rPr lang="en-US" dirty="0"/>
-              <a:t>The Landscape of </a:t>
+              <a:t>Societal Impacts of </a:t>
             </a:r>
             <a:r>
               <a:rPr lang="en-US" spc="-450" dirty="0"/>
@@ -16834,7 +16608,7 @@
         <p:spPr>
           <a:xfrm>
             <a:off x="456154" y="990600"/>
-            <a:ext cx="8153400" cy="4847481"/>
+            <a:ext cx="8153400" cy="3724096"/>
           </a:xfrm>
         </p:spPr>
         <p:txBody>
@@ -16843,97 +16617,56 @@
           </a:bodyPr>
           <a:lstStyle/>
           <a:p>
-            <a:pPr marL="276225" indent="-276225"/>
             <a:r>
               <a:rPr lang="en-US" sz="2400" dirty="0"/>
-              <a:t>Major technologies</a:t>
+              <a:t>Impact on agriculture</a:t>
+            </a:r>
+          </a:p>
+          <a:p>
+            <a:r>
+              <a:rPr lang="en-US" sz="2400" dirty="0"/>
+              <a:t>Contribution to health and medical care</a:t>
+            </a:r>
+          </a:p>
+          <a:p>
+            <a:r>
+              <a:rPr lang="en-US" sz="2400" dirty="0"/>
+              <a:t>Other societal applications</a:t>
             </a:r>
           </a:p>
           <a:p>
             <a:pPr marL="829818" lvl="1" indent="-342900"/>
             <a:r>
               <a:rPr lang="en-US" sz="2400" dirty="0"/>
-              <a:t>Knowledge-based technologies</a:t>
+              <a:t>Transportation</a:t>
             </a:r>
           </a:p>
           <a:p>
             <a:pPr marL="829818" lvl="1" indent="-342900"/>
             <a:r>
               <a:rPr lang="en-US" sz="2400" dirty="0"/>
-              <a:t>Biometric related technologies</a:t>
-            </a:r>
-          </a:p>
-          <a:p>
+              <a:t>Utilities</a:t>
+            </a:r>
+          </a:p>
+          <a:p>
+            <a:pPr marL="829818" lvl="1" indent="-342900"/>
             <a:r>
               <a:rPr lang="en-US" sz="2400" dirty="0"/>
-              <a:t>Tools and platforms …</a:t>
-            </a:r>
-          </a:p>
-          <a:p>
-            <a:r>
-              <a:rPr lang="en-US" sz="2400" spc="-300" dirty="0"/>
-              <a:t>A </a:t>
-            </a:r>
+              <a:t>Education</a:t>
+            </a:r>
+          </a:p>
+          <a:p>
+            <a:pPr marL="829818" lvl="1" indent="-342900"/>
             <a:r>
               <a:rPr lang="en-US" sz="2400" dirty="0"/>
-              <a:t>I applications …</a:t>
-            </a:r>
-          </a:p>
-          <a:p>
+              <a:t>Social services</a:t>
+            </a:r>
+          </a:p>
+          <a:p>
+            <a:pPr marL="829818" lvl="1" indent="-342900"/>
             <a:r>
               <a:rPr lang="en-US" sz="2400" dirty="0"/>
-              <a:t>Narrow (weak) versus general (strong) </a:t>
-            </a:r>
-            <a:r>
-              <a:rPr lang="en-US" sz="2400" spc="-300" dirty="0"/>
-              <a:t>A </a:t>
-            </a:r>
-            <a:r>
-              <a:rPr lang="en-US" sz="2400" dirty="0"/>
-              <a:t>I</a:t>
-            </a:r>
-          </a:p>
-          <a:p>
-            <a:r>
-              <a:rPr lang="en-US" sz="2400" dirty="0"/>
-              <a:t>The three flavors of </a:t>
-            </a:r>
-            <a:r>
-              <a:rPr lang="en-US" sz="2400" spc="-300" dirty="0"/>
-              <a:t>A </a:t>
-            </a:r>
-            <a:r>
-              <a:rPr lang="en-US" sz="2400" dirty="0"/>
-              <a:t>I decisions</a:t>
-            </a:r>
-          </a:p>
-          <a:p>
-            <a:pPr marL="829818" lvl="1" indent="-342900"/>
-            <a:r>
-              <a:rPr lang="en-US" sz="2400" dirty="0"/>
-              <a:t>Assisted intelligence</a:t>
-            </a:r>
-          </a:p>
-          <a:p>
-            <a:pPr marL="829818" lvl="1" indent="-342900"/>
-            <a:r>
-              <a:rPr lang="en-US" sz="2400" dirty="0"/>
-              <a:t>Autonomous </a:t>
-            </a:r>
-            <a:r>
-              <a:rPr lang="en-US" sz="2400" spc="-300" dirty="0"/>
-              <a:t>A </a:t>
-            </a:r>
-            <a:r>
-              <a:rPr lang="en-US" sz="2400" dirty="0"/>
-              <a:t>I</a:t>
-            </a:r>
-          </a:p>
-          <a:p>
-            <a:pPr marL="829818" lvl="1" indent="-342900"/>
-            <a:r>
-              <a:rPr lang="en-US" sz="2400" dirty="0"/>
-              <a:t>Augmented Intelligence</a:t>
+              <a:t>Also see Chapter 13 for smart cities </a:t>
             </a:r>
           </a:p>
         </p:txBody>
@@ -16941,7 +16674,7 @@
     </p:spTree>
     <p:extLst>
       <p:ext uri="{BB962C8B-B14F-4D97-AF65-F5344CB8AC3E}">
-        <p14:creationId xmlns:p14="http://schemas.microsoft.com/office/powerpoint/2010/main" val="343774132"/>
+        <p14:creationId xmlns:p14="http://schemas.microsoft.com/office/powerpoint/2010/main" val="90191814"/>
       </p:ext>
     </p:extLst>
   </p:cSld>
@@ -16994,7 +16727,7 @@
               <a:rPr lang="en-US" sz="3600" dirty="0">
                 <a:latin typeface="+mj-lt"/>
               </a:rPr>
-              <a:t>Application Case 1.8</a:t>
+              <a:t>Application Case 1.9</a:t>
             </a:r>
           </a:p>
         </p:txBody>
@@ -17011,7 +16744,7 @@
         </p:nvSpPr>
         <p:spPr>
           <a:xfrm>
-            <a:off x="457200" y="714375"/>
+            <a:off x="457200" y="733425"/>
             <a:ext cx="8153400" cy="861774"/>
           </a:xfrm>
         </p:spPr>
@@ -17024,21 +16757,13 @@
             <a:pPr marL="0" indent="0">
               <a:buNone/>
             </a:pPr>
-            <a:r>
-              <a:rPr lang="en-IN" sz="2800" b="1" spc="-300" dirty="0">
-                <a:solidFill>
-                  <a:srgbClr val="007FA3"/>
-                </a:solidFill>
-              </a:rPr>
-              <a:t>A </a:t>
-            </a:r>
             <a:r>
               <a:rPr lang="en-IN" sz="2800" b="1" dirty="0">
                 <a:solidFill>
                   <a:srgbClr val="007FA3"/>
                 </a:solidFill>
               </a:rPr>
-              <a:t>I Increases Passengers’ Comfort and Security in Airports and Borders</a:t>
+              <a:t>Robots Took the Job of Camel-Racing Jockeys for Societal Benefits</a:t>
             </a:r>
             <a:endParaRPr lang="en-US" sz="2800" b="1" dirty="0">
               <a:solidFill>
@@ -17060,8 +16785,8 @@
         </p:nvSpPr>
         <p:spPr>
           <a:xfrm>
-            <a:off x="447675" y="2129210"/>
-            <a:ext cx="8162925" cy="2423740"/>
+            <a:off x="447675" y="1907143"/>
+            <a:ext cx="8162925" cy="4093428"/>
           </a:xfrm>
         </p:spPr>
         <p:txBody>
@@ -17085,15 +16810,7 @@
             </a:pPr>
             <a:r>
               <a:rPr lang="en-US" sz="2400" dirty="0"/>
-              <a:t>List the benefits of </a:t>
-            </a:r>
-            <a:r>
-              <a:rPr lang="en-US" sz="2400" spc="-300" dirty="0"/>
-              <a:t>A </a:t>
-            </a:r>
-            <a:r>
-              <a:rPr lang="en-US" sz="2400" dirty="0"/>
-              <a:t>I devices to travelers.</a:t>
+              <a:t>It is said that the robots eradicated the child slavery. Explain.</a:t>
             </a:r>
           </a:p>
           <a:p>
@@ -17103,7 +16820,7 @@
             </a:pPr>
             <a:r>
               <a:rPr lang="en-US" sz="2400" dirty="0"/>
-              <a:t>List the benefits to governments and airline companies.</a:t>
+              <a:t>Why do the owners need to drive by their camels while they are racing?</a:t>
             </a:r>
           </a:p>
           <a:p>
@@ -17113,23 +16830,55 @@
             </a:pPr>
             <a:r>
               <a:rPr lang="en-US" sz="2400" dirty="0"/>
-              <a:t>Relate this case to machine vision and other </a:t>
-            </a:r>
-            <a:r>
-              <a:rPr lang="en-US" sz="2400" spc="-300" dirty="0"/>
-              <a:t>A </a:t>
-            </a:r>
+              <a:t>Why not duplicate the technology for horse racing?</a:t>
+            </a:r>
+          </a:p>
+          <a:p>
+            <a:pPr marL="457200" indent="-457200">
+              <a:buFont typeface="+mj-lt"/>
+              <a:buAutoNum type="arabicPeriod"/>
+            </a:pPr>
             <a:r>
               <a:rPr lang="en-US" sz="2400" dirty="0"/>
-              <a:t>I tools that deal with people’s biometrics.</a:t>
-            </a:r>
-          </a:p>
-        </p:txBody>
-      </p:sp>
+              <a:t>Summarize ethical aspects of this case (Read Boddington, 2017). Do this exercise after you have read about ethics in Chapter 14.</a:t>
+            </a:r>
+          </a:p>
+        </p:txBody>
+      </p:sp>
+      <p:pic>
+        <p:nvPicPr>
+          <p:cNvPr id="5" name="图片 4">
+            <a:extLst>
+              <a:ext uri="{FF2B5EF4-FFF2-40B4-BE49-F238E27FC236}">
+                <a16:creationId xmlns:a16="http://schemas.microsoft.com/office/drawing/2014/main" id="{0C18561B-526B-624E-8125-86BF638F6F44}"/>
+              </a:ext>
+            </a:extLst>
+          </p:cNvPr>
+          <p:cNvPicPr>
+            <a:picLocks noChangeAspect="1"/>
+          </p:cNvPicPr>
+          <p:nvPr/>
+        </p:nvPicPr>
+        <p:blipFill>
+          <a:blip r:embed="rId3"/>
+          <a:stretch>
+            <a:fillRect/>
+          </a:stretch>
+        </p:blipFill>
+        <p:spPr>
+          <a:xfrm>
+            <a:off x="6858000" y="1143000"/>
+            <a:ext cx="1562100" cy="1295400"/>
+          </a:xfrm>
+          <a:prstGeom prst="rect">
+            <a:avLst/>
+          </a:prstGeom>
+        </p:spPr>
+      </p:pic>
     </p:spTree>
     <p:extLst>
       <p:ext uri="{BB962C8B-B14F-4D97-AF65-F5344CB8AC3E}">
-        <p14:creationId xmlns:p14="http://schemas.microsoft.com/office/powerpoint/2010/main" val="995275259"/>
+        <p14:creationId xmlns:p14="http://schemas.microsoft.com/office/powerpoint/2010/main" val="3550800755"/>
       </p:ext>
     </p:extLst>
   </p:cSld>
@@ -17179,17 +16928,18 @@
           <a:lstStyle/>
           <a:p>
             <a:r>
-              <a:rPr lang="en-US" dirty="0"/>
-              <a:t>Societal Impacts of </a:t>
-            </a:r>
-            <a:r>
-              <a:rPr lang="en-US" spc="-450" dirty="0"/>
+              <a:rPr lang="en-IN" dirty="0"/>
+              <a:t>Convergence of Analytics and </a:t>
+            </a:r>
+            <a:r>
+              <a:rPr lang="en-IN" spc="-450" dirty="0"/>
               <a:t>A </a:t>
             </a:r>
             <a:r>
-              <a:rPr lang="en-US" dirty="0"/>
+              <a:rPr lang="en-IN" dirty="0"/>
               <a:t>I</a:t>
             </a:r>
+            <a:endParaRPr lang="en-US" dirty="0"/>
           </a:p>
         </p:txBody>
       </p:sp>
@@ -17206,7 +16956,7 @@
         <p:spPr>
           <a:xfrm>
             <a:off x="456154" y="990600"/>
-            <a:ext cx="8153400" cy="3724096"/>
+            <a:ext cx="8153400" cy="4108817"/>
           </a:xfrm>
         </p:spPr>
         <p:txBody>
@@ -17217,54 +16967,85 @@
           <a:p>
             <a:r>
               <a:rPr lang="en-US" sz="2400" dirty="0"/>
-              <a:t>Impact on agriculture</a:t>
-            </a:r>
+              <a:t>Major differences between analytics and </a:t>
+            </a:r>
+            <a:r>
+              <a:rPr lang="en-US" sz="2400" spc="-300" dirty="0"/>
+              <a:t>a </a:t>
+            </a:r>
+            <a:r>
+              <a:rPr lang="en-US" sz="2400" dirty="0" err="1"/>
+              <a:t>i</a:t>
+            </a:r>
+            <a:endParaRPr lang="en-US" sz="2400" dirty="0"/>
           </a:p>
           <a:p>
             <a:r>
               <a:rPr lang="en-US" sz="2400" dirty="0"/>
-              <a:t>Contribution to health and medical care</a:t>
+              <a:t>Why combine intelligent systems?</a:t>
             </a:r>
           </a:p>
           <a:p>
             <a:r>
               <a:rPr lang="en-US" sz="2400" dirty="0"/>
-              <a:t>Other societal applications</a:t>
-            </a:r>
-          </a:p>
-          <a:p>
-            <a:pPr marL="829818" lvl="1" indent="-342900"/>
+              <a:t>How convergence can help?</a:t>
+            </a:r>
+          </a:p>
+          <a:p>
             <a:r>
               <a:rPr lang="en-US" sz="2400" dirty="0"/>
-              <a:t>Transportation</a:t>
-            </a:r>
-          </a:p>
-          <a:p>
-            <a:pPr marL="829818" lvl="1" indent="-342900"/>
+              <a:t>Big Data Is empowering </a:t>
+            </a:r>
+            <a:r>
+              <a:rPr lang="en-US" sz="2400" spc="-300" dirty="0"/>
+              <a:t>A </a:t>
+            </a:r>
             <a:r>
               <a:rPr lang="en-US" sz="2400" dirty="0"/>
-              <a:t>Utilities</a:t>
-            </a:r>
-          </a:p>
-          <a:p>
-            <a:pPr marL="829818" lvl="1" indent="-342900"/>
+              <a:t>I technologies</a:t>
+            </a:r>
+          </a:p>
+          <a:p>
             <a:r>
               <a:rPr lang="en-US" sz="2400" dirty="0"/>
-              <a:t>Education</a:t>
-            </a:r>
-          </a:p>
-          <a:p>
-            <a:pPr marL="829818" lvl="1" indent="-342900"/>
+              <a:t>The convergence of </a:t>
+            </a:r>
+            <a:r>
+              <a:rPr lang="en-US" sz="2400" spc="-300" dirty="0"/>
+              <a:t>A </a:t>
+            </a:r>
             <a:r>
               <a:rPr lang="en-US" sz="2400" dirty="0"/>
-              <a:t>Social services</a:t>
-            </a:r>
-          </a:p>
-          <a:p>
-            <a:pPr marL="829818" lvl="1" indent="-342900"/>
+              <a:t>I and the </a:t>
+            </a:r>
+            <a:r>
+              <a:rPr lang="en-US" sz="2400" dirty="0" err="1"/>
+              <a:t>IoT</a:t>
+            </a:r>
+            <a:endParaRPr lang="en-US" sz="2400" dirty="0"/>
+          </a:p>
+          <a:p>
             <a:r>
               <a:rPr lang="en-US" sz="2400" dirty="0"/>
-              <a:t>Also see Chapter 13 for smart cities </a:t>
+              <a:t>The convergence with </a:t>
+            </a:r>
+            <a:r>
+              <a:rPr lang="en-US" sz="2400" dirty="0" err="1"/>
+              <a:t>blockchain</a:t>
+            </a:r>
+            <a:r>
+              <a:rPr lang="en-US" sz="2400" dirty="0"/>
+              <a:t> and other technologies</a:t>
+            </a:r>
+          </a:p>
+          <a:p>
+            <a:r>
+              <a:rPr lang="en-US" sz="2400" spc="-300" dirty="0"/>
+              <a:t>I B </a:t>
+            </a:r>
+            <a:r>
+              <a:rPr lang="en-US" sz="2400" dirty="0"/>
+              <a:t>M and Microsoft support for intelligent systems convergence</a:t>
             </a:r>
           </a:p>
         </p:txBody>
@@ -17272,7 +17053,7 @@
     </p:spTree>
     <p:extLst>
       <p:ext uri="{BB962C8B-B14F-4D97-AF65-F5344CB8AC3E}">
-        <p14:creationId xmlns:p14="http://schemas.microsoft.com/office/powerpoint/2010/main" val="90191814"/>
+        <p14:creationId xmlns:p14="http://schemas.microsoft.com/office/powerpoint/2010/main" val="4208717728"/>
       </p:ext>
     </p:extLst>
   </p:cSld>
@@ -17516,7 +17297,7 @@
               <a:rPr lang="en-US" sz="3600" dirty="0">
                 <a:latin typeface="+mj-lt"/>
               </a:rPr>
-              <a:t>Application Case 1.9</a:t>
+              <a:t>Application Case 1.10</a:t>
             </a:r>
           </a:p>
         </p:txBody>
@@ -17533,8 +17314,8 @@
         </p:nvSpPr>
         <p:spPr>
           <a:xfrm>
-            <a:off x="457200" y="733425"/>
-            <a:ext cx="8153400" cy="861774"/>
+            <a:off x="457200" y="714375"/>
+            <a:ext cx="8153400" cy="430887"/>
           </a:xfrm>
         </p:spPr>
         <p:txBody>
@@ -17552,7 +17333,7 @@
                   <a:srgbClr val="007FA3"/>
                 </a:solidFill>
               </a:rPr>
-              <a:t>Robots Took the Job of Camel-Racing Jockeys for Societal Benefits</a:t>
+              <a:t>Amazon Go Is Open for Business</a:t>
             </a:r>
             <a:endParaRPr lang="en-US" sz="2800" b="1" dirty="0">
               <a:solidFill>
@@ -17574,8 +17355,8 @@
         </p:nvSpPr>
         <p:spPr>
           <a:xfrm>
-            <a:off x="447675" y="1907143"/>
-            <a:ext cx="8162925" cy="4093428"/>
+            <a:off x="447675" y="1371600"/>
+            <a:ext cx="8162925" cy="4655121"/>
           </a:xfrm>
         </p:spPr>
         <p:txBody>
@@ -17599,7 +17380,7 @@
             </a:pPr>
             <a:r>
               <a:rPr lang="en-US" sz="2400" dirty="0"/>
-              <a:t>It is said that the robots eradicated the child slavery. Explain.</a:t>
+              <a:t>Watch the video. What did you like and/or dislike?</a:t>
             </a:r>
           </a:p>
           <a:p>
@@ -17609,7 +17390,7 @@
             </a:pPr>
             <a:r>
               <a:rPr lang="en-US" sz="2400" dirty="0"/>
-              <a:t>Why do the owners need to drive by their camels while they are racing?</a:t>
+              <a:t>Compare the process described here to a self-check available today in many supermarkets and “big box” stores (Home Depot, etc.).</a:t>
             </a:r>
           </a:p>
           <a:p>
@@ -17619,7 +17400,7 @@
             </a:pPr>
             <a:r>
               <a:rPr lang="en-US" sz="2400" dirty="0"/>
-              <a:t>Why not duplicate the technology for horse racing?</a:t>
+              <a:t>The store was opened in downtown Seattle. Why was the downtown location selected?</a:t>
             </a:r>
           </a:p>
           <a:p>
@@ -17629,17 +17410,27 @@
             </a:pPr>
             <a:r>
               <a:rPr lang="en-US" sz="2400" dirty="0"/>
-              <a:t>Summarize ethical aspects of this case (Read Boddington, 2017). Do this exercise after you have read about ethics in Chapter 14.</a:t>
+              <a:t>What are the benefits to customers? To Amazon?</a:t>
+            </a:r>
+          </a:p>
+          <a:p>
+            <a:pPr marL="457200" indent="-457200">
+              <a:buFont typeface="+mj-lt"/>
+              <a:buAutoNum type="arabicPeriod"/>
+            </a:pPr>
+            <a:r>
+              <a:rPr lang="en-US" sz="2400" dirty="0"/>
+              <a:t>Will customers be ready to trade privacy for convenience? Discuss.</a:t>
             </a:r>
           </a:p>
         </p:txBody>
       </p:sp>
       <p:pic>
         <p:nvPicPr>
-          <p:cNvPr id="5" name="图片 4">
+          <p:cNvPr id="6" name="图片 5">
             <a:extLst>
               <a:ext uri="{FF2B5EF4-FFF2-40B4-BE49-F238E27FC236}">
-                <a16:creationId xmlns:a16="http://schemas.microsoft.com/office/drawing/2014/main" id="{0C18561B-526B-624E-8125-86BF638F6F44}"/>
+                <a16:creationId xmlns:a16="http://schemas.microsoft.com/office/drawing/2014/main" id="{1F93B8BB-8324-7448-931F-A5A23AD8E623}"/>
               </a:ext>
             </a:extLst>
           </p:cNvPr>
@@ -17656,7 +17447,7 @@
         </p:blipFill>
         <p:spPr>
           <a:xfrm>
-            <a:off x="6858000" y="1143000"/>
+            <a:off x="6934200" y="350996"/>
             <a:ext cx="1562100" cy="1295400"/>
           </a:xfrm>
           <a:prstGeom prst="rect">
@@ -17667,7 +17458,7 @@
     </p:spTree>
     <p:extLst>
       <p:ext uri="{BB962C8B-B14F-4D97-AF65-F5344CB8AC3E}">
-        <p14:creationId xmlns:p14="http://schemas.microsoft.com/office/powerpoint/2010/main" val="3550800755"/>
+        <p14:creationId xmlns:p14="http://schemas.microsoft.com/office/powerpoint/2010/main" val="3131661957"/>
       </p:ext>
     </p:extLst>
   </p:cSld>
@@ -17718,131 +17509,55 @@
           <a:p>
             <a:r>
               <a:rPr lang="en-IN" dirty="0"/>
-              <a:t>Convergence of Analytics and </a:t>
-            </a:r>
-            <a:r>
-              <a:rPr lang="en-IN" spc="-450" dirty="0"/>
-              <a:t>A </a:t>
-            </a:r>
-            <a:r>
-              <a:rPr lang="en-IN" dirty="0"/>
-              <a:t>I</a:t>
+              <a:t>Overview of Analytics Ecosystem</a:t>
             </a:r>
             <a:endParaRPr lang="en-US" dirty="0"/>
           </a:p>
         </p:txBody>
       </p:sp>
-      <p:sp>
-        <p:nvSpPr>
-          <p:cNvPr id="3" name="Content Placeholder 2"/>
-          <p:cNvSpPr>
-            <a:spLocks noGrp="1"/>
-          </p:cNvSpPr>
-          <p:nvPr>
-            <p:ph idx="1"/>
-          </p:nvPr>
-        </p:nvSpPr>
-        <p:spPr>
-          <a:xfrm>
-            <a:off x="456154" y="990600"/>
-            <a:ext cx="8153400" cy="4108817"/>
-          </a:xfrm>
-        </p:spPr>
-        <p:txBody>
-          <a:bodyPr wrap="square">
-            <a:spAutoFit/>
-          </a:bodyPr>
-          <a:lstStyle/>
-          <a:p>
-            <a:r>
-              <a:rPr lang="en-US" sz="2400" dirty="0"/>
-              <a:t>Major differences between analytics and </a:t>
-            </a:r>
-            <a:r>
-              <a:rPr lang="en-US" sz="2400" spc="-300" dirty="0"/>
-              <a:t>a </a:t>
-            </a:r>
-            <a:r>
-              <a:rPr lang="en-US" sz="2400" dirty="0" err="1"/>
-              <a:t>i</a:t>
-            </a:r>
-            <a:endParaRPr lang="en-US" sz="2400" dirty="0"/>
-          </a:p>
-          <a:p>
-            <a:r>
-              <a:rPr lang="en-US" sz="2400" dirty="0"/>
-              <a:t>Why combine intelligent systems?</a:t>
-            </a:r>
-          </a:p>
-          <a:p>
-            <a:r>
-              <a:rPr lang="en-US" sz="2400" dirty="0"/>
-              <a:t>How convergence can help?</a:t>
-            </a:r>
-          </a:p>
-          <a:p>
-            <a:r>
-              <a:rPr lang="en-US" sz="2400" dirty="0"/>
-              <a:t>Big Data Is empowering </a:t>
-            </a:r>
-            <a:r>
-              <a:rPr lang="en-US" sz="2400" spc="-300" dirty="0"/>
-              <a:t>A </a:t>
-            </a:r>
-            <a:r>
-              <a:rPr lang="en-US" sz="2400" dirty="0"/>
-              <a:t>I technologies</a:t>
-            </a:r>
-          </a:p>
-          <a:p>
-            <a:r>
-              <a:rPr lang="en-US" sz="2400" dirty="0"/>
-              <a:t>The convergence of </a:t>
-            </a:r>
-            <a:r>
-              <a:rPr lang="en-US" sz="2400" spc="-300" dirty="0"/>
-              <a:t>A </a:t>
-            </a:r>
-            <a:r>
-              <a:rPr lang="en-US" sz="2400" dirty="0"/>
-              <a:t>I and the </a:t>
-            </a:r>
-            <a:r>
-              <a:rPr lang="en-US" sz="2400" dirty="0" err="1"/>
-              <a:t>IoT</a:t>
-            </a:r>
-            <a:endParaRPr lang="en-US" sz="2400" dirty="0"/>
-          </a:p>
-          <a:p>
-            <a:r>
-              <a:rPr lang="en-US" sz="2400" dirty="0"/>
-              <a:t>The convergence with </a:t>
-            </a:r>
-            <a:r>
-              <a:rPr lang="en-US" sz="2400" dirty="0" err="1"/>
-              <a:t>blockchain</a:t>
-            </a:r>
-            <a:r>
-              <a:rPr lang="en-US" sz="2400" dirty="0"/>
-              <a:t> and other technologies</a:t>
-            </a:r>
-          </a:p>
-          <a:p>
-            <a:r>
-              <a:rPr lang="en-US" sz="2400" spc="-300" dirty="0"/>
-              <a:t>I B </a:t>
-            </a:r>
-            <a:r>
-              <a:rPr lang="en-US" sz="2400" dirty="0"/>
-              <a:t>M and Microsoft support for intelligent systems convergence</a:t>
-            </a:r>
-          </a:p>
-        </p:txBody>
-      </p:sp>
+      <p:pic>
+        <p:nvPicPr>
+          <p:cNvPr id="11266" name="Picture 2" descr="• At the center of the graphic is an ellipse labeled Analytics User Organization.&#10;• Surrounding the ellipse are 2 layers of petals with labels on each petal&#10;• The first layer has 4 petals. They are labeled the following in clockwise order:&#10;• Regulators and Policy Makers&#10;• Analytics Industry Analysts and Influencers&#10;• Academic Institutions and Certification Agencies&#10;• Application Developers: Industry Specific or General&#10;• The first layer has 6 petals. They are labeled the following in clockwise order:&#10;• Data Management Infrastructure Providers&#10;• Data Warehouse Providers&#10;• Middleware Providers&#10;• Data Service Providers&#10;• Analytics-Focused Software Developers&#10;• Data Generation Infrastructure Providers"/>
+          <p:cNvPicPr>
+            <a:picLocks noChangeAspect="1" noChangeArrowheads="1"/>
+          </p:cNvPicPr>
+          <p:nvPr/>
+        </p:nvPicPr>
+        <p:blipFill rotWithShape="1">
+          <a:blip r:embed="rId3">
+            <a:extLst>
+              <a:ext uri="{28A0092B-C50C-407E-A947-70E740481C1C}">
+                <a14:useLocalDpi xmlns:a14="http://schemas.microsoft.com/office/drawing/2010/main" val="0"/>
+              </a:ext>
+            </a:extLst>
+          </a:blip>
+          <a:srcRect b="2517"/>
+          <a:stretch/>
+        </p:blipFill>
+        <p:spPr bwMode="auto">
+          <a:xfrm>
+            <a:off x="1480878" y="1029951"/>
+            <a:ext cx="6171219" cy="5238328"/>
+          </a:xfrm>
+          <a:prstGeom prst="rect">
+            <a:avLst/>
+          </a:prstGeom>
+          <a:noFill/>
+          <a:extLst>
+            <a:ext uri="{909E8E84-426E-40DD-AFC4-6F175D3DCCD1}">
+              <a14:hiddenFill xmlns:a14="http://schemas.microsoft.com/office/drawing/2010/main">
+                <a:solidFill>
+                  <a:srgbClr val="FFFFFF"/>
+                </a:solidFill>
+              </a14:hiddenFill>
+            </a:ext>
+          </a:extLst>
+        </p:spPr>
+      </p:pic>
     </p:spTree>
     <p:extLst>
       <p:ext uri="{BB962C8B-B14F-4D97-AF65-F5344CB8AC3E}">
-        <p14:creationId xmlns:p14="http://schemas.microsoft.com/office/powerpoint/2010/main" val="4208717728"/>
+        <p14:creationId xmlns:p14="http://schemas.microsoft.com/office/powerpoint/2010/main" val="629228495"/>
       </p:ext>
     </p:extLst>
   </p:cSld>
@@ -17881,319 +17596,6 @@
         </p:nvSpPr>
         <p:spPr>
           <a:xfrm>
-            <a:off x="457200" y="73997"/>
-            <a:ext cx="8153400" cy="553998"/>
-          </a:xfrm>
-        </p:spPr>
-        <p:txBody>
-          <a:bodyPr wrap="square">
-            <a:spAutoFit/>
-          </a:bodyPr>
-          <a:lstStyle/>
-          <a:p>
-            <a:r>
-              <a:rPr lang="en-US" sz="3600" dirty="0">
-                <a:latin typeface="+mj-lt"/>
-              </a:rPr>
-              <a:t>Application Case 1.10</a:t>
-            </a:r>
-          </a:p>
-        </p:txBody>
-      </p:sp>
-      <p:sp>
-        <p:nvSpPr>
-          <p:cNvPr id="3" name="Content Placeholder 2"/>
-          <p:cNvSpPr>
-            <a:spLocks noGrp="1"/>
-          </p:cNvSpPr>
-          <p:nvPr>
-            <p:ph idx="1"/>
-          </p:nvPr>
-        </p:nvSpPr>
-        <p:spPr>
-          <a:xfrm>
-            <a:off x="457200" y="714375"/>
-            <a:ext cx="8153400" cy="430887"/>
-          </a:xfrm>
-        </p:spPr>
-        <p:txBody>
-          <a:bodyPr wrap="square">
-            <a:spAutoFit/>
-          </a:bodyPr>
-          <a:lstStyle/>
-          <a:p>
-            <a:pPr marL="0" indent="0">
-              <a:buNone/>
-            </a:pPr>
-            <a:r>
-              <a:rPr lang="en-IN" sz="2800" b="1" dirty="0">
-                <a:solidFill>
-                  <a:srgbClr val="007FA3"/>
-                </a:solidFill>
-              </a:rPr>
-              <a:t>Amazon Go Is Open for Business</a:t>
-            </a:r>
-            <a:endParaRPr lang="en-US" sz="2800" b="1" dirty="0">
-              <a:solidFill>
-                <a:srgbClr val="007FA3"/>
-              </a:solidFill>
-            </a:endParaRPr>
-          </a:p>
-        </p:txBody>
-      </p:sp>
-      <p:sp>
-        <p:nvSpPr>
-          <p:cNvPr id="4" name="Content Placeholder 3"/>
-          <p:cNvSpPr>
-            <a:spLocks noGrp="1"/>
-          </p:cNvSpPr>
-          <p:nvPr>
-            <p:ph idx="13"/>
-          </p:nvPr>
-        </p:nvSpPr>
-        <p:spPr>
-          <a:xfrm>
-            <a:off x="447675" y="1371600"/>
-            <a:ext cx="8162925" cy="4655121"/>
-          </a:xfrm>
-        </p:spPr>
-        <p:txBody>
-          <a:bodyPr wrap="square">
-            <a:spAutoFit/>
-          </a:bodyPr>
-          <a:lstStyle/>
-          <a:p>
-            <a:pPr marL="0" indent="0">
-              <a:buNone/>
-            </a:pPr>
-            <a:r>
-              <a:rPr lang="en-US" sz="2400" b="1" dirty="0"/>
-              <a:t>Questions for Discussion: </a:t>
-            </a:r>
-          </a:p>
-          <a:p>
-            <a:pPr marL="457200" indent="-457200">
-              <a:buFont typeface="+mj-lt"/>
-              <a:buAutoNum type="arabicPeriod"/>
-            </a:pPr>
-            <a:r>
-              <a:rPr lang="en-US" sz="2400" dirty="0"/>
-              <a:t>Watch the video. What did you like and/or dislike?</a:t>
-            </a:r>
-          </a:p>
-          <a:p>
-            <a:pPr marL="457200" indent="-457200">
-              <a:buFont typeface="+mj-lt"/>
-              <a:buAutoNum type="arabicPeriod"/>
-            </a:pPr>
-            <a:r>
-              <a:rPr lang="en-US" sz="2400" dirty="0"/>
-              <a:t>Compare the process described here to a self-check available today in many supermarkets and “big box” stores (Home Depot, etc.).</a:t>
-            </a:r>
-          </a:p>
-          <a:p>
-            <a:pPr marL="457200" indent="-457200">
-              <a:buFont typeface="+mj-lt"/>
-              <a:buAutoNum type="arabicPeriod"/>
-            </a:pPr>
-            <a:r>
-              <a:rPr lang="en-US" sz="2400" dirty="0"/>
-              <a:t>The store was opened in downtown Seattle. Why was the downtown location selected?</a:t>
-            </a:r>
-          </a:p>
-          <a:p>
-            <a:pPr marL="457200" indent="-457200">
-              <a:buFont typeface="+mj-lt"/>
-              <a:buAutoNum type="arabicPeriod"/>
-            </a:pPr>
-            <a:r>
-              <a:rPr lang="en-US" sz="2400" dirty="0"/>
-              <a:t>What are the benefits to customers? To Amazon?</a:t>
-            </a:r>
-          </a:p>
-          <a:p>
-            <a:pPr marL="457200" indent="-457200">
-              <a:buFont typeface="+mj-lt"/>
-              <a:buAutoNum type="arabicPeriod"/>
-            </a:pPr>
-            <a:r>
-              <a:rPr lang="en-US" sz="2400" dirty="0"/>
-              <a:t>Will customers be ready to trade privacy for convenience? Discuss.</a:t>
-            </a:r>
-          </a:p>
-        </p:txBody>
-      </p:sp>
-      <p:pic>
-        <p:nvPicPr>
-          <p:cNvPr id="6" name="图片 5">
-            <a:extLst>
-              <a:ext uri="{FF2B5EF4-FFF2-40B4-BE49-F238E27FC236}">
-                <a16:creationId xmlns:a16="http://schemas.microsoft.com/office/drawing/2014/main" id="{1F93B8BB-8324-7448-931F-A5A23AD8E623}"/>
-              </a:ext>
-            </a:extLst>
-          </p:cNvPr>
-          <p:cNvPicPr>
-            <a:picLocks noChangeAspect="1"/>
-          </p:cNvPicPr>
-          <p:nvPr/>
-        </p:nvPicPr>
-        <p:blipFill>
-          <a:blip r:embed="rId3"/>
-          <a:stretch>
-            <a:fillRect/>
-          </a:stretch>
-        </p:blipFill>
-        <p:spPr>
-          <a:xfrm>
-            <a:off x="6934200" y="350996"/>
-            <a:ext cx="1562100" cy="1295400"/>
-          </a:xfrm>
-          <a:prstGeom prst="rect">
-            <a:avLst/>
-          </a:prstGeom>
-        </p:spPr>
-      </p:pic>
-    </p:spTree>
-    <p:extLst>
-      <p:ext uri="{BB962C8B-B14F-4D97-AF65-F5344CB8AC3E}">
-        <p14:creationId xmlns:p14="http://schemas.microsoft.com/office/powerpoint/2010/main" val="3131661957"/>
-      </p:ext>
-    </p:extLst>
-  </p:cSld>
-  <p:clrMapOvr>
-    <a:masterClrMapping/>
-  </p:clrMapOvr>
-</p:sld>
-</file>
-
-<file path=ppt/slides/slide43.xml><?xml version="1.0" encoding="utf-8"?>
-<p:sld xmlns:a="http://schemas.openxmlformats.org/drawingml/2006/main" xmlns:r="http://schemas.openxmlformats.org/officeDocument/2006/relationships" xmlns:p="http://schemas.openxmlformats.org/presentationml/2006/main">
-  <p:cSld>
-    <p:spTree>
-      <p:nvGrpSpPr>
-        <p:cNvPr id="1" name=""/>
-        <p:cNvGrpSpPr/>
-        <p:nvPr/>
-      </p:nvGrpSpPr>
-      <p:grpSpPr>
-        <a:xfrm>
-          <a:off x="0" y="0"/>
-          <a:ext cx="0" cy="0"/>
-          <a:chOff x="0" y="0"/>
-          <a:chExt cx="0" cy="0"/>
-        </a:xfrm>
-      </p:grpSpPr>
-      <p:sp>
-        <p:nvSpPr>
-          <p:cNvPr id="2" name="Title 1"/>
-          <p:cNvSpPr>
-            <a:spLocks noGrp="1"/>
-          </p:cNvSpPr>
-          <p:nvPr>
-            <p:ph type="title"/>
-          </p:nvPr>
-        </p:nvSpPr>
-        <p:spPr>
-          <a:xfrm>
-            <a:off x="456154" y="66675"/>
-            <a:ext cx="8153400" cy="553998"/>
-          </a:xfrm>
-        </p:spPr>
-        <p:txBody>
-          <a:bodyPr wrap="square">
-            <a:spAutoFit/>
-          </a:bodyPr>
-          <a:lstStyle/>
-          <a:p>
-            <a:r>
-              <a:rPr lang="en-IN" dirty="0"/>
-              <a:t>Overview of Analytics Ecosystem</a:t>
-            </a:r>
-            <a:endParaRPr lang="en-US" dirty="0"/>
-          </a:p>
-        </p:txBody>
-      </p:sp>
-      <p:pic>
-        <p:nvPicPr>
-          <p:cNvPr id="11266" name="Picture 2" descr="• At the center of the graphic is an ellipse labeled Analytics User Organization.&#10;• Surrounding the ellipse are 2 layers of petals with labels on each petal&#10;• The first layer has 4 petals. They are labeled the following in clockwise order:&#10;• Regulators and Policy Makers&#10;• Analytics Industry Analysts and Influencers&#10;• Academic Institutions and Certification Agencies&#10;• Application Developers: Industry Specific or General&#10;• The first layer has 6 petals. They are labeled the following in clockwise order:&#10;• Data Management Infrastructure Providers&#10;• Data Warehouse Providers&#10;• Middleware Providers&#10;• Data Service Providers&#10;• Analytics-Focused Software Developers&#10;• Data Generation Infrastructure Providers"/>
-          <p:cNvPicPr>
-            <a:picLocks noChangeAspect="1" noChangeArrowheads="1"/>
-          </p:cNvPicPr>
-          <p:nvPr/>
-        </p:nvPicPr>
-        <p:blipFill rotWithShape="1">
-          <a:blip r:embed="rId3">
-            <a:extLst>
-              <a:ext uri="{28A0092B-C50C-407E-A947-70E740481C1C}">
-                <a14:useLocalDpi xmlns:a14="http://schemas.microsoft.com/office/drawing/2010/main" val="0"/>
-              </a:ext>
-            </a:extLst>
-          </a:blip>
-          <a:srcRect b="2517"/>
-          <a:stretch/>
-        </p:blipFill>
-        <p:spPr bwMode="auto">
-          <a:xfrm>
-            <a:off x="1480878" y="1029951"/>
-            <a:ext cx="6171219" cy="5238328"/>
-          </a:xfrm>
-          <a:prstGeom prst="rect">
-            <a:avLst/>
-          </a:prstGeom>
-          <a:noFill/>
-          <a:extLst>
-            <a:ext uri="{909E8E84-426E-40DD-AFC4-6F175D3DCCD1}">
-              <a14:hiddenFill xmlns:a14="http://schemas.microsoft.com/office/drawing/2010/main">
-                <a:solidFill>
-                  <a:srgbClr val="FFFFFF"/>
-                </a:solidFill>
-              </a14:hiddenFill>
-            </a:ext>
-          </a:extLst>
-        </p:spPr>
-      </p:pic>
-    </p:spTree>
-    <p:extLst>
-      <p:ext uri="{BB962C8B-B14F-4D97-AF65-F5344CB8AC3E}">
-        <p14:creationId xmlns:p14="http://schemas.microsoft.com/office/powerpoint/2010/main" val="629228495"/>
-      </p:ext>
-    </p:extLst>
-  </p:cSld>
-  <p:clrMapOvr>
-    <a:masterClrMapping/>
-  </p:clrMapOvr>
-</p:sld>
-</file>
-
-<file path=ppt/slides/slide44.xml><?xml version="1.0" encoding="utf-8"?>
-<p:sld xmlns:a="http://schemas.openxmlformats.org/drawingml/2006/main" xmlns:r="http://schemas.openxmlformats.org/officeDocument/2006/relationships" xmlns:p="http://schemas.openxmlformats.org/presentationml/2006/main">
-  <p:cSld>
-    <p:spTree>
-      <p:nvGrpSpPr>
-        <p:cNvPr id="1" name=""/>
-        <p:cNvGrpSpPr/>
-        <p:nvPr/>
-      </p:nvGrpSpPr>
-      <p:grpSpPr>
-        <a:xfrm>
-          <a:off x="0" y="0"/>
-          <a:ext cx="0" cy="0"/>
-          <a:chOff x="0" y="0"/>
-          <a:chExt cx="0" cy="0"/>
-        </a:xfrm>
-      </p:grpSpPr>
-      <p:sp>
-        <p:nvSpPr>
-          <p:cNvPr id="2" name="Title 1"/>
-          <p:cNvSpPr>
-            <a:spLocks noGrp="1"/>
-          </p:cNvSpPr>
-          <p:nvPr>
-            <p:ph type="title"/>
-          </p:nvPr>
-        </p:nvSpPr>
-        <p:spPr>
-          <a:xfrm>
             <a:off x="456154" y="66675"/>
             <a:ext cx="8153400" cy="553998"/>
           </a:xfrm>
@@ -18264,7 +17666,7 @@
 </p:sld>
 </file>
 
-<file path=ppt/slides/slide45.xml><?xml version="1.0" encoding="utf-8"?>
+<file path=ppt/slides/slide43.xml><?xml version="1.0" encoding="utf-8"?>
 <p:sld xmlns:a="http://schemas.openxmlformats.org/drawingml/2006/main" xmlns:r="http://schemas.openxmlformats.org/officeDocument/2006/relationships" xmlns:p="http://schemas.openxmlformats.org/presentationml/2006/main">
   <p:cSld>
     <p:spTree>

--- a/Slides/Sharda_11e_full_accessible_ppt_01.pptx
+++ b/Slides/Sharda_11e_full_accessible_ppt_01.pptx
@@ -5,10 +5,10 @@
     <p:sldMasterId id="2147483648" r:id="rId1"/>
   </p:sldMasterIdLst>
   <p:notesMasterIdLst>
-    <p:notesMasterId r:id="rId45"/>
+    <p:notesMasterId r:id="rId39"/>
   </p:notesMasterIdLst>
   <p:handoutMasterIdLst>
-    <p:handoutMasterId r:id="rId46"/>
+    <p:handoutMasterId r:id="rId40"/>
   </p:handoutMasterIdLst>
   <p:sldIdLst>
     <p:sldId id="1074" r:id="rId2"/>
@@ -39,21 +39,15 @@
     <p:sldId id="1189" r:id="rId27"/>
     <p:sldId id="1190" r:id="rId28"/>
     <p:sldId id="1191" r:id="rId29"/>
-    <p:sldId id="1192" r:id="rId30"/>
-    <p:sldId id="1208" r:id="rId31"/>
-    <p:sldId id="1209" r:id="rId32"/>
-    <p:sldId id="1210" r:id="rId33"/>
-    <p:sldId id="1211" r:id="rId34"/>
-    <p:sldId id="1199" r:id="rId35"/>
-    <p:sldId id="1200" r:id="rId36"/>
-    <p:sldId id="1201" r:id="rId37"/>
-    <p:sldId id="1202" r:id="rId38"/>
-    <p:sldId id="1203" r:id="rId39"/>
-    <p:sldId id="1204" r:id="rId40"/>
-    <p:sldId id="1205" r:id="rId41"/>
-    <p:sldId id="1206" r:id="rId42"/>
-    <p:sldId id="1207" r:id="rId43"/>
-    <p:sldId id="1165" r:id="rId44"/>
+    <p:sldId id="1199" r:id="rId30"/>
+    <p:sldId id="1200" r:id="rId31"/>
+    <p:sldId id="1202" r:id="rId32"/>
+    <p:sldId id="1203" r:id="rId33"/>
+    <p:sldId id="1204" r:id="rId34"/>
+    <p:sldId id="1205" r:id="rId35"/>
+    <p:sldId id="1206" r:id="rId36"/>
+    <p:sldId id="1207" r:id="rId37"/>
+    <p:sldId id="1165" r:id="rId38"/>
   </p:sldIdLst>
   <p:sldSz cx="9144000" cy="6858000" type="screen4x3"/>
   <p:notesSz cx="6858000" cy="9144000"/>
@@ -308,7 +302,7 @@
           <a:p>
             <a:fld id="{8D8D874E-E9D5-433B-A149-BDF6BFDD40A8}" type="datetimeFigureOut">
               <a:rPr lang="en-US" smtClean="0"/>
-              <a:t>9/13/21</a:t>
+              <a:t>10/3/21</a:t>
             </a:fld>
             <a:endParaRPr lang="en-US" dirty="0"/>
           </a:p>
@@ -473,7 +467,7 @@
           <a:p>
             <a:fld id="{EA051F04-9E25-42C3-8BC5-EC2E8469D95E}" type="datetimeFigureOut">
               <a:rPr lang="en-US" smtClean="0"/>
-              <a:t>9/13/21</a:t>
+              <a:t>10/3/21</a:t>
             </a:fld>
             <a:endParaRPr lang="en-US" dirty="0"/>
           </a:p>
@@ -3523,267 +3517,6 @@
 </p:notes>
 </file>
 
-<file path=ppt/notesSlides/notesSlide37.xml><?xml version="1.0" encoding="utf-8"?>
-<p:notes xmlns:a="http://schemas.openxmlformats.org/drawingml/2006/main" xmlns:r="http://schemas.openxmlformats.org/officeDocument/2006/relationships" xmlns:p="http://schemas.openxmlformats.org/presentationml/2006/main">
-  <p:cSld>
-    <p:spTree>
-      <p:nvGrpSpPr>
-        <p:cNvPr id="1" name=""/>
-        <p:cNvGrpSpPr/>
-        <p:nvPr/>
-      </p:nvGrpSpPr>
-      <p:grpSpPr>
-        <a:xfrm>
-          <a:off x="0" y="0"/>
-          <a:ext cx="0" cy="0"/>
-          <a:chOff x="0" y="0"/>
-          <a:chExt cx="0" cy="0"/>
-        </a:xfrm>
-      </p:grpSpPr>
-      <p:sp>
-        <p:nvSpPr>
-          <p:cNvPr id="2" name="Slide Image Placeholder 1"/>
-          <p:cNvSpPr>
-            <a:spLocks noGrp="1" noRot="1" noChangeAspect="1"/>
-          </p:cNvSpPr>
-          <p:nvPr>
-            <p:ph type="sldImg"/>
-          </p:nvPr>
-        </p:nvSpPr>
-        <p:spPr/>
-      </p:sp>
-      <p:sp>
-        <p:nvSpPr>
-          <p:cNvPr id="3" name="Notes Placeholder 2"/>
-          <p:cNvSpPr>
-            <a:spLocks noGrp="1"/>
-          </p:cNvSpPr>
-          <p:nvPr>
-            <p:ph type="body" idx="1"/>
-          </p:nvPr>
-        </p:nvSpPr>
-        <p:spPr/>
-        <p:txBody>
-          <a:bodyPr/>
-          <a:lstStyle/>
-          <a:p>
-            <a:pPr defTabSz="931774">
-              <a:defRPr/>
-            </a:pPr>
-            <a:endParaRPr lang="en-US" dirty="0"/>
-          </a:p>
-        </p:txBody>
-      </p:sp>
-      <p:sp>
-        <p:nvSpPr>
-          <p:cNvPr id="4" name="Slide Number Placeholder 3"/>
-          <p:cNvSpPr>
-            <a:spLocks noGrp="1"/>
-          </p:cNvSpPr>
-          <p:nvPr>
-            <p:ph type="sldNum" sz="quarter" idx="10"/>
-          </p:nvPr>
-        </p:nvSpPr>
-        <p:spPr/>
-        <p:txBody>
-          <a:bodyPr/>
-          <a:lstStyle/>
-          <a:p>
-            <a:fld id="{A73D6722-9B4D-4E29-B226-C325925A8118}" type="slidenum">
-              <a:rPr lang="en-US" smtClean="0"/>
-              <a:t>37</a:t>
-            </a:fld>
-            <a:endParaRPr lang="en-US" dirty="0"/>
-          </a:p>
-        </p:txBody>
-      </p:sp>
-    </p:spTree>
-    <p:extLst>
-      <p:ext uri="{BB962C8B-B14F-4D97-AF65-F5344CB8AC3E}">
-        <p14:creationId xmlns:p14="http://schemas.microsoft.com/office/powerpoint/2010/main" val="2124979669"/>
-      </p:ext>
-    </p:extLst>
-  </p:cSld>
-  <p:clrMapOvr>
-    <a:masterClrMapping/>
-  </p:clrMapOvr>
-</p:notes>
-</file>
-
-<file path=ppt/notesSlides/notesSlide38.xml><?xml version="1.0" encoding="utf-8"?>
-<p:notes xmlns:a="http://schemas.openxmlformats.org/drawingml/2006/main" xmlns:r="http://schemas.openxmlformats.org/officeDocument/2006/relationships" xmlns:p="http://schemas.openxmlformats.org/presentationml/2006/main">
-  <p:cSld>
-    <p:spTree>
-      <p:nvGrpSpPr>
-        <p:cNvPr id="1" name=""/>
-        <p:cNvGrpSpPr/>
-        <p:nvPr/>
-      </p:nvGrpSpPr>
-      <p:grpSpPr>
-        <a:xfrm>
-          <a:off x="0" y="0"/>
-          <a:ext cx="0" cy="0"/>
-          <a:chOff x="0" y="0"/>
-          <a:chExt cx="0" cy="0"/>
-        </a:xfrm>
-      </p:grpSpPr>
-      <p:sp>
-        <p:nvSpPr>
-          <p:cNvPr id="2" name="Slide Image Placeholder 1"/>
-          <p:cNvSpPr>
-            <a:spLocks noGrp="1" noRot="1" noChangeAspect="1"/>
-          </p:cNvSpPr>
-          <p:nvPr>
-            <p:ph type="sldImg"/>
-          </p:nvPr>
-        </p:nvSpPr>
-        <p:spPr/>
-      </p:sp>
-      <p:sp>
-        <p:nvSpPr>
-          <p:cNvPr id="3" name="Notes Placeholder 2"/>
-          <p:cNvSpPr>
-            <a:spLocks noGrp="1"/>
-          </p:cNvSpPr>
-          <p:nvPr>
-            <p:ph type="body" idx="1"/>
-          </p:nvPr>
-        </p:nvSpPr>
-        <p:spPr/>
-        <p:txBody>
-          <a:bodyPr/>
-          <a:lstStyle/>
-          <a:p>
-            <a:pPr defTabSz="931774">
-              <a:defRPr/>
-            </a:pPr>
-            <a:endParaRPr lang="en-US" dirty="0"/>
-          </a:p>
-        </p:txBody>
-      </p:sp>
-      <p:sp>
-        <p:nvSpPr>
-          <p:cNvPr id="4" name="Slide Number Placeholder 3"/>
-          <p:cNvSpPr>
-            <a:spLocks noGrp="1"/>
-          </p:cNvSpPr>
-          <p:nvPr>
-            <p:ph type="sldNum" sz="quarter" idx="10"/>
-          </p:nvPr>
-        </p:nvSpPr>
-        <p:spPr/>
-        <p:txBody>
-          <a:bodyPr/>
-          <a:lstStyle/>
-          <a:p>
-            <a:fld id="{A73D6722-9B4D-4E29-B226-C325925A8118}" type="slidenum">
-              <a:rPr lang="en-US" smtClean="0"/>
-              <a:t>38</a:t>
-            </a:fld>
-            <a:endParaRPr lang="en-US" dirty="0"/>
-          </a:p>
-        </p:txBody>
-      </p:sp>
-    </p:spTree>
-    <p:extLst>
-      <p:ext uri="{BB962C8B-B14F-4D97-AF65-F5344CB8AC3E}">
-        <p14:creationId xmlns:p14="http://schemas.microsoft.com/office/powerpoint/2010/main" val="2124979669"/>
-      </p:ext>
-    </p:extLst>
-  </p:cSld>
-  <p:clrMapOvr>
-    <a:masterClrMapping/>
-  </p:clrMapOvr>
-</p:notes>
-</file>
-
-<file path=ppt/notesSlides/notesSlide39.xml><?xml version="1.0" encoding="utf-8"?>
-<p:notes xmlns:a="http://schemas.openxmlformats.org/drawingml/2006/main" xmlns:r="http://schemas.openxmlformats.org/officeDocument/2006/relationships" xmlns:p="http://schemas.openxmlformats.org/presentationml/2006/main">
-  <p:cSld>
-    <p:spTree>
-      <p:nvGrpSpPr>
-        <p:cNvPr id="1" name=""/>
-        <p:cNvGrpSpPr/>
-        <p:nvPr/>
-      </p:nvGrpSpPr>
-      <p:grpSpPr>
-        <a:xfrm>
-          <a:off x="0" y="0"/>
-          <a:ext cx="0" cy="0"/>
-          <a:chOff x="0" y="0"/>
-          <a:chExt cx="0" cy="0"/>
-        </a:xfrm>
-      </p:grpSpPr>
-      <p:sp>
-        <p:nvSpPr>
-          <p:cNvPr id="2" name="Slide Image Placeholder 1"/>
-          <p:cNvSpPr>
-            <a:spLocks noGrp="1" noRot="1" noChangeAspect="1"/>
-          </p:cNvSpPr>
-          <p:nvPr>
-            <p:ph type="sldImg"/>
-          </p:nvPr>
-        </p:nvSpPr>
-        <p:spPr/>
-      </p:sp>
-      <p:sp>
-        <p:nvSpPr>
-          <p:cNvPr id="3" name="Notes Placeholder 2"/>
-          <p:cNvSpPr>
-            <a:spLocks noGrp="1"/>
-          </p:cNvSpPr>
-          <p:nvPr>
-            <p:ph type="body" idx="1"/>
-          </p:nvPr>
-        </p:nvSpPr>
-        <p:spPr/>
-        <p:txBody>
-          <a:bodyPr/>
-          <a:lstStyle/>
-          <a:p>
-            <a:pPr defTabSz="931774">
-              <a:defRPr/>
-            </a:pPr>
-            <a:endParaRPr lang="en-US" dirty="0"/>
-          </a:p>
-        </p:txBody>
-      </p:sp>
-      <p:sp>
-        <p:nvSpPr>
-          <p:cNvPr id="4" name="Slide Number Placeholder 3"/>
-          <p:cNvSpPr>
-            <a:spLocks noGrp="1"/>
-          </p:cNvSpPr>
-          <p:nvPr>
-            <p:ph type="sldNum" sz="quarter" idx="10"/>
-          </p:nvPr>
-        </p:nvSpPr>
-        <p:spPr/>
-        <p:txBody>
-          <a:bodyPr/>
-          <a:lstStyle/>
-          <a:p>
-            <a:fld id="{A73D6722-9B4D-4E29-B226-C325925A8118}" type="slidenum">
-              <a:rPr lang="en-US" smtClean="0"/>
-              <a:t>39</a:t>
-            </a:fld>
-            <a:endParaRPr lang="en-US" dirty="0"/>
-          </a:p>
-        </p:txBody>
-      </p:sp>
-    </p:spTree>
-    <p:extLst>
-      <p:ext uri="{BB962C8B-B14F-4D97-AF65-F5344CB8AC3E}">
-        <p14:creationId xmlns:p14="http://schemas.microsoft.com/office/powerpoint/2010/main" val="2124979669"/>
-      </p:ext>
-    </p:extLst>
-  </p:cSld>
-  <p:clrMapOvr>
-    <a:masterClrMapping/>
-  </p:clrMapOvr>
-</p:notes>
-</file>
-
 <file path=ppt/notesSlides/notesSlide4.xml><?xml version="1.0" encoding="utf-8"?>
 <p:notes xmlns:a="http://schemas.openxmlformats.org/drawingml/2006/main" xmlns:r="http://schemas.openxmlformats.org/officeDocument/2006/relationships" xmlns:p="http://schemas.openxmlformats.org/presentationml/2006/main">
   <p:cSld>
@@ -3853,267 +3586,6 @@
             <a:fld id="{A73D6722-9B4D-4E29-B226-C325925A8118}" type="slidenum">
               <a:rPr lang="en-US" smtClean="0"/>
               <a:t>4</a:t>
-            </a:fld>
-            <a:endParaRPr lang="en-US" dirty="0"/>
-          </a:p>
-        </p:txBody>
-      </p:sp>
-    </p:spTree>
-    <p:extLst>
-      <p:ext uri="{BB962C8B-B14F-4D97-AF65-F5344CB8AC3E}">
-        <p14:creationId xmlns:p14="http://schemas.microsoft.com/office/powerpoint/2010/main" val="2124979669"/>
-      </p:ext>
-    </p:extLst>
-  </p:cSld>
-  <p:clrMapOvr>
-    <a:masterClrMapping/>
-  </p:clrMapOvr>
-</p:notes>
-</file>
-
-<file path=ppt/notesSlides/notesSlide40.xml><?xml version="1.0" encoding="utf-8"?>
-<p:notes xmlns:a="http://schemas.openxmlformats.org/drawingml/2006/main" xmlns:r="http://schemas.openxmlformats.org/officeDocument/2006/relationships" xmlns:p="http://schemas.openxmlformats.org/presentationml/2006/main">
-  <p:cSld>
-    <p:spTree>
-      <p:nvGrpSpPr>
-        <p:cNvPr id="1" name=""/>
-        <p:cNvGrpSpPr/>
-        <p:nvPr/>
-      </p:nvGrpSpPr>
-      <p:grpSpPr>
-        <a:xfrm>
-          <a:off x="0" y="0"/>
-          <a:ext cx="0" cy="0"/>
-          <a:chOff x="0" y="0"/>
-          <a:chExt cx="0" cy="0"/>
-        </a:xfrm>
-      </p:grpSpPr>
-      <p:sp>
-        <p:nvSpPr>
-          <p:cNvPr id="2" name="Slide Image Placeholder 1"/>
-          <p:cNvSpPr>
-            <a:spLocks noGrp="1" noRot="1" noChangeAspect="1"/>
-          </p:cNvSpPr>
-          <p:nvPr>
-            <p:ph type="sldImg"/>
-          </p:nvPr>
-        </p:nvSpPr>
-        <p:spPr/>
-      </p:sp>
-      <p:sp>
-        <p:nvSpPr>
-          <p:cNvPr id="3" name="Notes Placeholder 2"/>
-          <p:cNvSpPr>
-            <a:spLocks noGrp="1"/>
-          </p:cNvSpPr>
-          <p:nvPr>
-            <p:ph type="body" idx="1"/>
-          </p:nvPr>
-        </p:nvSpPr>
-        <p:spPr/>
-        <p:txBody>
-          <a:bodyPr/>
-          <a:lstStyle/>
-          <a:p>
-            <a:pPr defTabSz="931774">
-              <a:defRPr/>
-            </a:pPr>
-            <a:endParaRPr lang="en-US" dirty="0"/>
-          </a:p>
-        </p:txBody>
-      </p:sp>
-      <p:sp>
-        <p:nvSpPr>
-          <p:cNvPr id="4" name="Slide Number Placeholder 3"/>
-          <p:cNvSpPr>
-            <a:spLocks noGrp="1"/>
-          </p:cNvSpPr>
-          <p:nvPr>
-            <p:ph type="sldNum" sz="quarter" idx="10"/>
-          </p:nvPr>
-        </p:nvSpPr>
-        <p:spPr/>
-        <p:txBody>
-          <a:bodyPr/>
-          <a:lstStyle/>
-          <a:p>
-            <a:fld id="{A73D6722-9B4D-4E29-B226-C325925A8118}" type="slidenum">
-              <a:rPr lang="en-US" smtClean="0"/>
-              <a:t>40</a:t>
-            </a:fld>
-            <a:endParaRPr lang="en-US" dirty="0"/>
-          </a:p>
-        </p:txBody>
-      </p:sp>
-    </p:spTree>
-    <p:extLst>
-      <p:ext uri="{BB962C8B-B14F-4D97-AF65-F5344CB8AC3E}">
-        <p14:creationId xmlns:p14="http://schemas.microsoft.com/office/powerpoint/2010/main" val="2124979669"/>
-      </p:ext>
-    </p:extLst>
-  </p:cSld>
-  <p:clrMapOvr>
-    <a:masterClrMapping/>
-  </p:clrMapOvr>
-</p:notes>
-</file>
-
-<file path=ppt/notesSlides/notesSlide41.xml><?xml version="1.0" encoding="utf-8"?>
-<p:notes xmlns:a="http://schemas.openxmlformats.org/drawingml/2006/main" xmlns:r="http://schemas.openxmlformats.org/officeDocument/2006/relationships" xmlns:p="http://schemas.openxmlformats.org/presentationml/2006/main">
-  <p:cSld>
-    <p:spTree>
-      <p:nvGrpSpPr>
-        <p:cNvPr id="1" name=""/>
-        <p:cNvGrpSpPr/>
-        <p:nvPr/>
-      </p:nvGrpSpPr>
-      <p:grpSpPr>
-        <a:xfrm>
-          <a:off x="0" y="0"/>
-          <a:ext cx="0" cy="0"/>
-          <a:chOff x="0" y="0"/>
-          <a:chExt cx="0" cy="0"/>
-        </a:xfrm>
-      </p:grpSpPr>
-      <p:sp>
-        <p:nvSpPr>
-          <p:cNvPr id="2" name="Slide Image Placeholder 1"/>
-          <p:cNvSpPr>
-            <a:spLocks noGrp="1" noRot="1" noChangeAspect="1"/>
-          </p:cNvSpPr>
-          <p:nvPr>
-            <p:ph type="sldImg"/>
-          </p:nvPr>
-        </p:nvSpPr>
-        <p:spPr/>
-      </p:sp>
-      <p:sp>
-        <p:nvSpPr>
-          <p:cNvPr id="3" name="Notes Placeholder 2"/>
-          <p:cNvSpPr>
-            <a:spLocks noGrp="1"/>
-          </p:cNvSpPr>
-          <p:nvPr>
-            <p:ph type="body" idx="1"/>
-          </p:nvPr>
-        </p:nvSpPr>
-        <p:spPr/>
-        <p:txBody>
-          <a:bodyPr/>
-          <a:lstStyle/>
-          <a:p>
-            <a:pPr defTabSz="931774">
-              <a:defRPr/>
-            </a:pPr>
-            <a:endParaRPr lang="en-US" dirty="0"/>
-          </a:p>
-        </p:txBody>
-      </p:sp>
-      <p:sp>
-        <p:nvSpPr>
-          <p:cNvPr id="4" name="Slide Number Placeholder 3"/>
-          <p:cNvSpPr>
-            <a:spLocks noGrp="1"/>
-          </p:cNvSpPr>
-          <p:nvPr>
-            <p:ph type="sldNum" sz="quarter" idx="10"/>
-          </p:nvPr>
-        </p:nvSpPr>
-        <p:spPr/>
-        <p:txBody>
-          <a:bodyPr/>
-          <a:lstStyle/>
-          <a:p>
-            <a:fld id="{A73D6722-9B4D-4E29-B226-C325925A8118}" type="slidenum">
-              <a:rPr lang="en-US" smtClean="0"/>
-              <a:t>41</a:t>
-            </a:fld>
-            <a:endParaRPr lang="en-US" dirty="0"/>
-          </a:p>
-        </p:txBody>
-      </p:sp>
-    </p:spTree>
-    <p:extLst>
-      <p:ext uri="{BB962C8B-B14F-4D97-AF65-F5344CB8AC3E}">
-        <p14:creationId xmlns:p14="http://schemas.microsoft.com/office/powerpoint/2010/main" val="2124979669"/>
-      </p:ext>
-    </p:extLst>
-  </p:cSld>
-  <p:clrMapOvr>
-    <a:masterClrMapping/>
-  </p:clrMapOvr>
-</p:notes>
-</file>
-
-<file path=ppt/notesSlides/notesSlide42.xml><?xml version="1.0" encoding="utf-8"?>
-<p:notes xmlns:a="http://schemas.openxmlformats.org/drawingml/2006/main" xmlns:r="http://schemas.openxmlformats.org/officeDocument/2006/relationships" xmlns:p="http://schemas.openxmlformats.org/presentationml/2006/main">
-  <p:cSld>
-    <p:spTree>
-      <p:nvGrpSpPr>
-        <p:cNvPr id="1" name=""/>
-        <p:cNvGrpSpPr/>
-        <p:nvPr/>
-      </p:nvGrpSpPr>
-      <p:grpSpPr>
-        <a:xfrm>
-          <a:off x="0" y="0"/>
-          <a:ext cx="0" cy="0"/>
-          <a:chOff x="0" y="0"/>
-          <a:chExt cx="0" cy="0"/>
-        </a:xfrm>
-      </p:grpSpPr>
-      <p:sp>
-        <p:nvSpPr>
-          <p:cNvPr id="2" name="Slide Image Placeholder 1"/>
-          <p:cNvSpPr>
-            <a:spLocks noGrp="1" noRot="1" noChangeAspect="1"/>
-          </p:cNvSpPr>
-          <p:nvPr>
-            <p:ph type="sldImg"/>
-          </p:nvPr>
-        </p:nvSpPr>
-        <p:spPr/>
-      </p:sp>
-      <p:sp>
-        <p:nvSpPr>
-          <p:cNvPr id="3" name="Notes Placeholder 2"/>
-          <p:cNvSpPr>
-            <a:spLocks noGrp="1"/>
-          </p:cNvSpPr>
-          <p:nvPr>
-            <p:ph type="body" idx="1"/>
-          </p:nvPr>
-        </p:nvSpPr>
-        <p:spPr/>
-        <p:txBody>
-          <a:bodyPr/>
-          <a:lstStyle/>
-          <a:p>
-            <a:pPr defTabSz="931774">
-              <a:defRPr/>
-            </a:pPr>
-            <a:endParaRPr lang="en-US" dirty="0"/>
-          </a:p>
-        </p:txBody>
-      </p:sp>
-      <p:sp>
-        <p:nvSpPr>
-          <p:cNvPr id="4" name="Slide Number Placeholder 3"/>
-          <p:cNvSpPr>
-            <a:spLocks noGrp="1"/>
-          </p:cNvSpPr>
-          <p:nvPr>
-            <p:ph type="sldNum" sz="quarter" idx="10"/>
-          </p:nvPr>
-        </p:nvSpPr>
-        <p:spPr/>
-        <p:txBody>
-          <a:bodyPr/>
-          <a:lstStyle/>
-          <a:p>
-            <a:fld id="{A73D6722-9B4D-4E29-B226-C325925A8118}" type="slidenum">
-              <a:rPr lang="en-US" smtClean="0"/>
-              <a:t>42</a:t>
             </a:fld>
             <a:endParaRPr lang="en-US" dirty="0"/>
           </a:p>
@@ -4831,7 +4303,7 @@
           <a:p>
             <a:fld id="{A9DF6EFB-3F44-496C-A842-1E0B3D3B975A}" type="datetimeFigureOut">
               <a:rPr lang="en-US" smtClean="0"/>
-              <a:t>9/13/21</a:t>
+              <a:t>10/3/21</a:t>
             </a:fld>
             <a:endParaRPr lang="en-US" dirty="0"/>
           </a:p>
@@ -5199,7 +4671,7 @@
           <a:p>
             <a:fld id="{A9DF6EFB-3F44-496C-A842-1E0B3D3B975A}" type="datetimeFigureOut">
               <a:rPr lang="en-US" smtClean="0"/>
-              <a:t>9/13/21</a:t>
+              <a:t>10/3/21</a:t>
             </a:fld>
             <a:endParaRPr lang="en-US" dirty="0"/>
           </a:p>
@@ -5546,7 +5018,7 @@
           <a:p>
             <a:fld id="{A9DF6EFB-3F44-496C-A842-1E0B3D3B975A}" type="datetimeFigureOut">
               <a:rPr lang="en-US" smtClean="0"/>
-              <a:t>9/13/21</a:t>
+              <a:t>10/3/21</a:t>
             </a:fld>
             <a:endParaRPr lang="en-US" dirty="0"/>
           </a:p>
@@ -5950,7 +5422,7 @@
           <a:p>
             <a:fld id="{A9DF6EFB-3F44-496C-A842-1E0B3D3B975A}" type="datetimeFigureOut">
               <a:rPr lang="en-US" smtClean="0"/>
-              <a:t>9/13/21</a:t>
+              <a:t>10/3/21</a:t>
             </a:fld>
             <a:endParaRPr lang="en-US" dirty="0"/>
           </a:p>
@@ -6293,7 +5765,7 @@
           <a:p>
             <a:fld id="{A9DF6EFB-3F44-496C-A842-1E0B3D3B975A}" type="datetimeFigureOut">
               <a:rPr lang="en-US" smtClean="0"/>
-              <a:t>9/13/21</a:t>
+              <a:t>10/3/21</a:t>
             </a:fld>
             <a:endParaRPr lang="en-US" dirty="0"/>
           </a:p>
@@ -6415,7 +5887,7 @@
           <a:p>
             <a:fld id="{A9DF6EFB-3F44-496C-A842-1E0B3D3B975A}" type="datetimeFigureOut">
               <a:rPr lang="en-US" smtClean="0"/>
-              <a:t>9/13/21</a:t>
+              <a:t>10/3/21</a:t>
             </a:fld>
             <a:endParaRPr lang="en-US" dirty="0"/>
           </a:p>
@@ -6524,7 +5996,7 @@
             <a:fld id="{A9DF6EFB-3F44-496C-A842-1E0B3D3B975A}" type="datetimeFigureOut">
               <a:rPr lang="en-US" smtClean="0"/>
               <a:pPr/>
-              <a:t>9/13/21</a:t>
+              <a:t>10/3/21</a:t>
             </a:fld>
             <a:endParaRPr lang="en-US" dirty="0"/>
           </a:p>
@@ -7520,7 +6992,7 @@
             <a:fld id="{A9DF6EFB-3F44-496C-A842-1E0B3D3B975A}" type="datetimeFigureOut">
               <a:rPr lang="en-US" smtClean="0"/>
               <a:pPr/>
-              <a:t>9/13/21</a:t>
+              <a:t>10/3/21</a:t>
             </a:fld>
             <a:endParaRPr lang="en-US" dirty="0"/>
           </a:p>
@@ -7909,7 +7381,7 @@
             <a:fld id="{A9DF6EFB-3F44-496C-A842-1E0B3D3B975A}" type="datetimeFigureOut">
               <a:rPr lang="en-US" smtClean="0"/>
               <a:pPr/>
-              <a:t>9/13/21</a:t>
+              <a:t>10/3/21</a:t>
             </a:fld>
             <a:endParaRPr lang="en-US" dirty="0"/>
           </a:p>
@@ -8179,7 +7651,7 @@
             <a:fld id="{A9DF6EFB-3F44-496C-A842-1E0B3D3B975A}" type="datetimeFigureOut">
               <a:rPr lang="en-US" smtClean="0"/>
               <a:pPr/>
-              <a:t>9/13/21</a:t>
+              <a:t>10/3/21</a:t>
             </a:fld>
             <a:endParaRPr lang="en-US" dirty="0"/>
           </a:p>
@@ -8442,7 +7914,7 @@
           <a:p>
             <a:fld id="{A9DF6EFB-3F44-496C-A842-1E0B3D3B975A}" type="datetimeFigureOut">
               <a:rPr lang="en-US" smtClean="0"/>
-              <a:t>9/13/21</a:t>
+              <a:t>10/3/21</a:t>
             </a:fld>
             <a:endParaRPr lang="en-US" dirty="0"/>
           </a:p>
@@ -8678,7 +8150,7 @@
             <a:fld id="{A9DF6EFB-3F44-496C-A842-1E0B3D3B975A}" type="datetimeFigureOut">
               <a:rPr lang="en-US" smtClean="0"/>
               <a:pPr/>
-              <a:t>9/13/21</a:t>
+              <a:t>10/3/21</a:t>
             </a:fld>
             <a:endParaRPr lang="en-US" dirty="0"/>
           </a:p>
@@ -9055,7 +8527,7 @@
           <a:p>
             <a:fld id="{A9DF6EFB-3F44-496C-A842-1E0B3D3B975A}" type="datetimeFigureOut">
               <a:rPr lang="en-US" smtClean="0"/>
-              <a:t>9/13/21</a:t>
+              <a:t>10/3/21</a:t>
             </a:fld>
             <a:endParaRPr lang="en-US" dirty="0"/>
           </a:p>
@@ -9681,7 +9153,7 @@
           <a:p>
             <a:fld id="{A9DF6EFB-3F44-496C-A842-1E0B3D3B975A}" type="datetimeFigureOut">
               <a:rPr lang="en-US" smtClean="0"/>
-              <a:t>9/13/21</a:t>
+              <a:t>10/3/21</a:t>
             </a:fld>
             <a:endParaRPr lang="en-US" dirty="0"/>
           </a:p>
@@ -10811,7 +10283,7 @@
           <a:p>
             <a:fld id="{A9DF6EFB-3F44-496C-A842-1E0B3D3B975A}" type="datetimeFigureOut">
               <a:rPr lang="en-US" smtClean="0"/>
-              <a:t>9/13/21</a:t>
+              <a:t>10/3/21</a:t>
             </a:fld>
             <a:endParaRPr lang="en-US" dirty="0"/>
           </a:p>
@@ -11072,7 +10544,7 @@
             <a:fld id="{A9DF6EFB-3F44-496C-A842-1E0B3D3B975A}" type="datetimeFigureOut">
               <a:rPr lang="en-US" smtClean="0"/>
               <a:pPr/>
-              <a:t>9/13/21</a:t>
+              <a:t>10/3/21</a:t>
             </a:fld>
             <a:endParaRPr lang="en-US" dirty="0"/>
           </a:p>
@@ -15021,7 +14493,7 @@
         </p:nvSpPr>
         <p:spPr>
           <a:xfrm>
-            <a:off x="457201" y="73997"/>
+            <a:off x="456154" y="66675"/>
             <a:ext cx="8153400" cy="553998"/>
           </a:xfrm>
         </p:spPr>
@@ -15032,10 +14504,8 @@
           <a:lstStyle/>
           <a:p>
             <a:r>
-              <a:rPr lang="en-US" sz="3600" dirty="0">
-                <a:latin typeface="+mj-lt"/>
-              </a:rPr>
-              <a:t>Application Case 1.3</a:t>
+              <a:rPr lang="en-US" dirty="0"/>
+              <a:t>Artificial Intelligence Overview</a:t>
             </a:r>
           </a:p>
         </p:txBody>
@@ -15052,8 +14522,8 @@
         </p:nvSpPr>
         <p:spPr>
           <a:xfrm>
-            <a:off x="457201" y="714375"/>
-            <a:ext cx="8153400" cy="861774"/>
+            <a:off x="456154" y="990600"/>
+            <a:ext cx="8153400" cy="4424288"/>
           </a:xfrm>
         </p:spPr>
         <p:txBody>
@@ -15062,97 +14532,82 @@
           </a:bodyPr>
           <a:lstStyle/>
           <a:p>
-            <a:pPr marL="0" indent="0">
-              <a:buNone/>
-            </a:pPr>
-            <a:r>
-              <a:rPr lang="en-IN" sz="2800" b="1" dirty="0" err="1">
-                <a:solidFill>
-                  <a:srgbClr val="007FA3"/>
-                </a:solidFill>
-              </a:rPr>
-              <a:t>Silvaris</a:t>
-            </a:r>
-            <a:r>
-              <a:rPr lang="en-IN" sz="2800" b="1" dirty="0">
-                <a:solidFill>
-                  <a:srgbClr val="007FA3"/>
-                </a:solidFill>
-              </a:rPr>
-              <a:t> Increases Business with Visual Analysis and Real-Time Reporting Capabilities</a:t>
-            </a:r>
-            <a:endParaRPr lang="en-US" sz="2800" b="1" dirty="0">
-              <a:solidFill>
-                <a:srgbClr val="007FA3"/>
-              </a:solidFill>
-            </a:endParaRPr>
-          </a:p>
-        </p:txBody>
-      </p:sp>
-      <p:sp>
-        <p:nvSpPr>
-          <p:cNvPr id="4" name="Content Placeholder 3"/>
-          <p:cNvSpPr>
-            <a:spLocks noGrp="1"/>
-          </p:cNvSpPr>
-          <p:nvPr>
-            <p:ph idx="13"/>
-          </p:nvPr>
-        </p:nvSpPr>
-        <p:spPr>
-          <a:xfrm>
-            <a:off x="447675" y="1905000"/>
-            <a:ext cx="8162925" cy="1862048"/>
-          </a:xfrm>
-        </p:spPr>
-        <p:txBody>
-          <a:bodyPr wrap="square">
-            <a:spAutoFit/>
-          </a:bodyPr>
-          <a:lstStyle/>
-          <a:p>
-            <a:pPr marL="0" indent="0">
-              <a:buNone/>
-            </a:pPr>
-            <a:r>
-              <a:rPr lang="en-US" sz="2400" b="1" dirty="0"/>
-              <a:t>Questions for Discussion:</a:t>
-            </a:r>
-          </a:p>
-          <a:p>
-            <a:pPr marL="457200" indent="-457200">
-              <a:buFont typeface="+mj-lt"/>
-              <a:buAutoNum type="arabicPeriod"/>
-            </a:pPr>
+            <a:pPr marL="285750" indent="-285750"/>
             <a:r>
               <a:rPr lang="en-US" sz="2400" dirty="0"/>
-              <a:t>What was the challenge faced by </a:t>
-            </a:r>
-            <a:r>
-              <a:rPr lang="en-US" sz="2400" dirty="0" err="1"/>
-              <a:t>Silvaris</a:t>
+              <a:t>What Is artificial intelligence (</a:t>
+            </a:r>
+            <a:r>
+              <a:rPr lang="en-US" sz="2400" spc="-300" dirty="0"/>
+              <a:t>A </a:t>
             </a:r>
             <a:r>
               <a:rPr lang="en-US" sz="2400" dirty="0"/>
-              <a:t>?</a:t>
-            </a:r>
-          </a:p>
-          <a:p>
-            <a:pPr marL="457200" indent="-457200">
-              <a:buFont typeface="+mj-lt"/>
-              <a:buAutoNum type="arabicPeriod"/>
-            </a:pPr>
+              <a:t>I)?</a:t>
+            </a:r>
+          </a:p>
+          <a:p>
+            <a:pPr marL="781050" lvl="1" indent="-295275"/>
             <a:r>
               <a:rPr lang="en-US" sz="2400" dirty="0"/>
-              <a:t>How did </a:t>
-            </a:r>
-            <a:r>
-              <a:rPr lang="en-US" sz="2400" dirty="0" err="1"/>
-              <a:t>Silvaris</a:t>
-            </a:r>
+              <a:t>Technology that can learn to do things better over time.</a:t>
+            </a:r>
+          </a:p>
+          <a:p>
+            <a:pPr marL="781050" lvl="1" indent="-295275"/>
             <a:r>
               <a:rPr lang="en-US" sz="2400" dirty="0"/>
-              <a:t> solve its problem using data visualization with Tableau?</a:t>
+              <a:t>Technology that can understand human language.</a:t>
+            </a:r>
+          </a:p>
+          <a:p>
+            <a:pPr marL="781050" lvl="1" indent="-295275"/>
+            <a:r>
+              <a:rPr lang="en-US" sz="2400" dirty="0"/>
+              <a:t>Technology that can answer questions.</a:t>
+            </a:r>
+          </a:p>
+          <a:p>
+            <a:pPr marL="285750" indent="-285750"/>
+            <a:r>
+              <a:rPr lang="en-US" sz="2400" dirty="0"/>
+              <a:t>The major benefits of </a:t>
+            </a:r>
+            <a:r>
+              <a:rPr lang="en-US" sz="2400" spc="-300" dirty="0"/>
+              <a:t>A </a:t>
+            </a:r>
+            <a:r>
+              <a:rPr lang="en-US" sz="2400" dirty="0"/>
+              <a:t>I</a:t>
+            </a:r>
+          </a:p>
+          <a:p>
+            <a:pPr marL="781050" lvl="1" indent="-295275"/>
+            <a:r>
+              <a:rPr lang="en-US" sz="2400" dirty="0"/>
+              <a:t>Reduction in the cost of performing work. </a:t>
+            </a:r>
+          </a:p>
+          <a:p>
+            <a:pPr marL="781050" lvl="1" indent="-295275"/>
+            <a:r>
+              <a:rPr lang="en-US" sz="2400" dirty="0"/>
+              <a:t>Work can be performed much faster.</a:t>
+            </a:r>
+          </a:p>
+          <a:p>
+            <a:pPr marL="781050" lvl="1" indent="-295275"/>
+            <a:r>
+              <a:rPr lang="en-US" sz="2400" dirty="0"/>
+              <a:t>Work is more consistent than human work.</a:t>
+            </a:r>
+          </a:p>
+          <a:p>
+            <a:pPr marL="781050" lvl="1" indent="-295275"/>
+            <a:r>
+              <a:rPr lang="en-US" sz="2400" dirty="0"/>
+              <a:t>Increased productivity, profitability, …</a:t>
             </a:r>
           </a:p>
         </p:txBody>
@@ -15160,7 +14615,7 @@
     </p:spTree>
     <p:extLst>
       <p:ext uri="{BB962C8B-B14F-4D97-AF65-F5344CB8AC3E}">
-        <p14:creationId xmlns:p14="http://schemas.microsoft.com/office/powerpoint/2010/main" val="3194609256"/>
+        <p14:creationId xmlns:p14="http://schemas.microsoft.com/office/powerpoint/2010/main" val="1417356460"/>
       </p:ext>
     </p:extLst>
   </p:cSld>
@@ -15345,7 +14800,7 @@
         </p:nvSpPr>
         <p:spPr>
           <a:xfrm>
-            <a:off x="457200" y="73997"/>
+            <a:off x="456154" y="66675"/>
             <a:ext cx="8153400" cy="553998"/>
           </a:xfrm>
         </p:spPr>
@@ -15356,10 +14811,16 @@
           <a:lstStyle/>
           <a:p>
             <a:r>
-              <a:rPr lang="en-US" sz="3600" dirty="0">
-                <a:latin typeface="+mj-lt"/>
-              </a:rPr>
-              <a:t>Application Case 1.4</a:t>
+              <a:rPr lang="en-US" dirty="0"/>
+              <a:t>The Landscape of </a:t>
+            </a:r>
+            <a:r>
+              <a:rPr lang="en-US" spc="-450" dirty="0"/>
+              <a:t>A </a:t>
+            </a:r>
+            <a:r>
+              <a:rPr lang="en-US" dirty="0"/>
+              <a:t>I</a:t>
             </a:r>
           </a:p>
         </p:txBody>
@@ -15376,8 +14837,8 @@
         </p:nvSpPr>
         <p:spPr>
           <a:xfrm>
-            <a:off x="457200" y="714375"/>
-            <a:ext cx="8153400" cy="861774"/>
+            <a:off x="456154" y="990600"/>
+            <a:ext cx="8153400" cy="4847481"/>
           </a:xfrm>
         </p:spPr>
         <p:txBody>
@@ -15386,89 +14847,97 @@
           </a:bodyPr>
           <a:lstStyle/>
           <a:p>
-            <a:pPr marL="0" indent="0">
-              <a:buNone/>
-            </a:pPr>
-            <a:r>
-              <a:rPr lang="en-IN" sz="2800" b="1" dirty="0">
-                <a:solidFill>
-                  <a:srgbClr val="007FA3"/>
-                </a:solidFill>
-              </a:rPr>
-              <a:t>Siemens Reduces Cost with the Use of Data Visualization</a:t>
-            </a:r>
-            <a:endParaRPr lang="en-US" sz="2800" b="1" dirty="0">
-              <a:solidFill>
-                <a:srgbClr val="007FA3"/>
-              </a:solidFill>
-            </a:endParaRPr>
-          </a:p>
-        </p:txBody>
-      </p:sp>
-      <p:sp>
-        <p:nvSpPr>
-          <p:cNvPr id="4" name="Content Placeholder 3"/>
-          <p:cNvSpPr>
-            <a:spLocks noGrp="1"/>
-          </p:cNvSpPr>
-          <p:nvPr>
-            <p:ph idx="13"/>
-          </p:nvPr>
-        </p:nvSpPr>
-        <p:spPr>
-          <a:xfrm>
-            <a:off x="447675" y="1905000"/>
-            <a:ext cx="8162925" cy="2231380"/>
-          </a:xfrm>
-        </p:spPr>
-        <p:txBody>
-          <a:bodyPr wrap="square">
-            <a:spAutoFit/>
-          </a:bodyPr>
-          <a:lstStyle/>
-          <a:p>
-            <a:pPr marL="0" indent="0">
-              <a:buNone/>
-            </a:pPr>
-            <a:r>
-              <a:rPr lang="en-US" sz="2400" b="1" dirty="0"/>
-              <a:t>Questions for Discussion:</a:t>
-            </a:r>
-          </a:p>
-          <a:p>
-            <a:pPr marL="457200" indent="-457200">
-              <a:buFont typeface="+mj-lt"/>
-              <a:buAutoNum type="arabicPeriod"/>
-            </a:pPr>
+            <a:pPr marL="276225" indent="-276225"/>
             <a:r>
               <a:rPr lang="en-US" sz="2400" dirty="0"/>
-              <a:t>What challenges were faced by Siemens visual analytics group?</a:t>
-            </a:r>
-          </a:p>
-          <a:p>
-            <a:pPr marL="457200" indent="-457200">
-              <a:buFont typeface="+mj-lt"/>
-              <a:buAutoNum type="arabicPeriod"/>
-            </a:pPr>
+              <a:t>Major technologies</a:t>
+            </a:r>
+          </a:p>
+          <a:p>
+            <a:pPr marL="829818" lvl="1" indent="-342900"/>
             <a:r>
               <a:rPr lang="en-US" sz="2400" dirty="0"/>
-              <a:t>How did the data visualization tool </a:t>
-            </a:r>
-            <a:r>
-              <a:rPr lang="en-US" sz="2400" dirty="0" err="1"/>
-              <a:t>Dundas</a:t>
-            </a:r>
+              <a:t>Knowledge-based technologies</a:t>
+            </a:r>
+          </a:p>
+          <a:p>
+            <a:pPr marL="829818" lvl="1" indent="-342900"/>
             <a:r>
               <a:rPr lang="en-US" sz="2400" dirty="0"/>
-              <a:t> </a:t>
-            </a:r>
+              <a:t>Biometric related technologies</a:t>
+            </a:r>
+          </a:p>
+          <a:p>
+            <a:r>
+              <a:rPr lang="en-US" sz="2400" dirty="0"/>
+              <a:t>Tools and platforms …</a:t>
+            </a:r>
+          </a:p>
+          <a:p>
             <a:r>
               <a:rPr lang="en-US" sz="2400" spc="-300" dirty="0"/>
-              <a:t>B </a:t>
+              <a:t>A </a:t>
             </a:r>
             <a:r>
               <a:rPr lang="en-US" sz="2400" dirty="0"/>
-              <a:t>I help Siemens in reducing cost?</a:t>
+              <a:t>I applications …</a:t>
+            </a:r>
+          </a:p>
+          <a:p>
+            <a:r>
+              <a:rPr lang="en-US" sz="2400" dirty="0"/>
+              <a:t>Narrow (weak) versus general (strong) </a:t>
+            </a:r>
+            <a:r>
+              <a:rPr lang="en-US" sz="2400" spc="-300" dirty="0"/>
+              <a:t>A </a:t>
+            </a:r>
+            <a:r>
+              <a:rPr lang="en-US" sz="2400" dirty="0"/>
+              <a:t>I</a:t>
+            </a:r>
+          </a:p>
+          <a:p>
+            <a:r>
+              <a:rPr lang="en-US" sz="2400" dirty="0"/>
+              <a:t>The three flavors of </a:t>
+            </a:r>
+            <a:r>
+              <a:rPr lang="en-US" sz="2400" spc="-300" dirty="0"/>
+              <a:t>A </a:t>
+            </a:r>
+            <a:r>
+              <a:rPr lang="en-US" sz="2400" dirty="0"/>
+              <a:t>I decisions</a:t>
+            </a:r>
+          </a:p>
+          <a:p>
+            <a:pPr marL="829818" lvl="1" indent="-342900"/>
+            <a:r>
+              <a:rPr lang="en-US" sz="2400" dirty="0"/>
+              <a:t>Assisted intelligence</a:t>
+            </a:r>
+          </a:p>
+          <a:p>
+            <a:pPr marL="829818" lvl="1" indent="-342900"/>
+            <a:r>
+              <a:rPr lang="en-US" sz="2400" dirty="0"/>
+              <a:t>Autonomous </a:t>
+            </a:r>
+            <a:r>
+              <a:rPr lang="en-US" sz="2400" spc="-300" dirty="0"/>
+              <a:t>A </a:t>
+            </a:r>
+            <a:r>
+              <a:rPr lang="en-US" sz="2400" dirty="0"/>
+              <a:t>I</a:t>
+            </a:r>
+          </a:p>
+          <a:p>
+            <a:pPr marL="829818" lvl="1" indent="-342900"/>
+            <a:r>
+              <a:rPr lang="en-US" sz="2400" dirty="0"/>
+              <a:t>Augmented Intelligence</a:t>
             </a:r>
           </a:p>
         </p:txBody>
@@ -15476,7 +14945,7 @@
     </p:spTree>
     <p:extLst>
       <p:ext uri="{BB962C8B-B14F-4D97-AF65-F5344CB8AC3E}">
-        <p14:creationId xmlns:p14="http://schemas.microsoft.com/office/powerpoint/2010/main" val="152632853"/>
+        <p14:creationId xmlns:p14="http://schemas.microsoft.com/office/powerpoint/2010/main" val="343774132"/>
       </p:ext>
     </p:extLst>
   </p:cSld>
@@ -15515,7 +14984,7 @@
         </p:nvSpPr>
         <p:spPr>
           <a:xfrm>
-            <a:off x="457200" y="73997"/>
+            <a:off x="456154" y="66675"/>
             <a:ext cx="8153400" cy="553998"/>
           </a:xfrm>
         </p:spPr>
@@ -15526,10 +14995,16 @@
           <a:lstStyle/>
           <a:p>
             <a:r>
-              <a:rPr lang="en-US" sz="3600" dirty="0">
-                <a:latin typeface="+mj-lt"/>
-              </a:rPr>
-              <a:t>Application Case 1.5</a:t>
+              <a:rPr lang="en-US" dirty="0"/>
+              <a:t>Societal Impacts of </a:t>
+            </a:r>
+            <a:r>
+              <a:rPr lang="en-US" spc="-450" dirty="0"/>
+              <a:t>A </a:t>
+            </a:r>
+            <a:r>
+              <a:rPr lang="en-US" dirty="0"/>
+              <a:t>I</a:t>
             </a:r>
           </a:p>
         </p:txBody>
@@ -15546,8 +15021,8 @@
         </p:nvSpPr>
         <p:spPr>
           <a:xfrm>
-            <a:off x="457200" y="714375"/>
-            <a:ext cx="8153400" cy="430887"/>
+            <a:off x="456154" y="990600"/>
+            <a:ext cx="8153400" cy="3724096"/>
           </a:xfrm>
         </p:spPr>
         <p:txBody>
@@ -15556,101 +15031,56 @@
           </a:bodyPr>
           <a:lstStyle/>
           <a:p>
-            <a:pPr marL="0" indent="0">
-              <a:buNone/>
-            </a:pPr>
-            <a:r>
-              <a:rPr lang="en-IN" sz="2800" b="1" dirty="0" err="1">
-                <a:solidFill>
-                  <a:srgbClr val="007FA3"/>
-                </a:solidFill>
-              </a:rPr>
-              <a:t>Analyzing</a:t>
-            </a:r>
-            <a:r>
-              <a:rPr lang="en-IN" sz="2800" b="1" dirty="0">
-                <a:solidFill>
-                  <a:srgbClr val="007FA3"/>
-                </a:solidFill>
-              </a:rPr>
-              <a:t> Athletic Injuries</a:t>
-            </a:r>
-            <a:endParaRPr lang="en-US" sz="2800" b="1" dirty="0">
-              <a:solidFill>
-                <a:srgbClr val="007FA3"/>
-              </a:solidFill>
-            </a:endParaRPr>
-          </a:p>
-        </p:txBody>
-      </p:sp>
-      <p:sp>
-        <p:nvSpPr>
-          <p:cNvPr id="4" name="Content Placeholder 3"/>
-          <p:cNvSpPr>
-            <a:spLocks noGrp="1"/>
-          </p:cNvSpPr>
-          <p:nvPr>
-            <p:ph idx="13"/>
-          </p:nvPr>
-        </p:nvSpPr>
-        <p:spPr>
-          <a:xfrm>
-            <a:off x="447675" y="1371600"/>
-            <a:ext cx="8162925" cy="3354765"/>
-          </a:xfrm>
-        </p:spPr>
-        <p:txBody>
-          <a:bodyPr wrap="square">
-            <a:spAutoFit/>
-          </a:bodyPr>
-          <a:lstStyle/>
-          <a:p>
-            <a:pPr marL="0" indent="0">
-              <a:buNone/>
-            </a:pPr>
-            <a:r>
-              <a:rPr lang="en-US" sz="2400" b="1" dirty="0"/>
-              <a:t>Questions for Discussion:</a:t>
-            </a:r>
-          </a:p>
-          <a:p>
-            <a:pPr marL="457200" indent="-457200">
-              <a:buFont typeface="+mj-lt"/>
-              <a:buAutoNum type="arabicPeriod"/>
-            </a:pPr>
             <a:r>
               <a:rPr lang="en-US" sz="2400" dirty="0"/>
-              <a:t>What types of analytics are applied in the injury analysis?</a:t>
-            </a:r>
-          </a:p>
-          <a:p>
-            <a:pPr marL="457200" indent="-457200">
-              <a:buFont typeface="+mj-lt"/>
-              <a:buAutoNum type="arabicPeriod"/>
-            </a:pPr>
+              <a:t>Impact on agriculture</a:t>
+            </a:r>
+          </a:p>
+          <a:p>
             <a:r>
               <a:rPr lang="en-US" sz="2400" dirty="0"/>
-              <a:t>How do visualizations aid in understanding the data and delivering insights into the data?</a:t>
-            </a:r>
-          </a:p>
-          <a:p>
-            <a:pPr marL="457200" indent="-457200">
-              <a:buFont typeface="+mj-lt"/>
-              <a:buAutoNum type="arabicPeriod"/>
-            </a:pPr>
+              <a:t>Contribution to health and medical care</a:t>
+            </a:r>
+          </a:p>
+          <a:p>
             <a:r>
               <a:rPr lang="en-US" sz="2400" dirty="0"/>
-              <a:t>What is a classification problem?</a:t>
-            </a:r>
-          </a:p>
-          <a:p>
-            <a:pPr marL="457200" indent="-457200">
-              <a:buFont typeface="+mj-lt"/>
-              <a:buAutoNum type="arabicPeriod"/>
-            </a:pPr>
+              <a:t>Other societal applications</a:t>
+            </a:r>
+          </a:p>
+          <a:p>
+            <a:pPr marL="829818" lvl="1" indent="-342900"/>
             <a:r>
               <a:rPr lang="en-US" sz="2400" dirty="0"/>
-              <a:t>What can be derived by performing sequence analysis?</a:t>
+              <a:t>Transportation</a:t>
+            </a:r>
+          </a:p>
+          <a:p>
+            <a:pPr marL="829818" lvl="1" indent="-342900"/>
+            <a:r>
+              <a:rPr lang="en-US" sz="2400" dirty="0"/>
+              <a:t>Utilities</a:t>
+            </a:r>
+          </a:p>
+          <a:p>
+            <a:pPr marL="829818" lvl="1" indent="-342900"/>
+            <a:r>
+              <a:rPr lang="en-US" sz="2400" dirty="0"/>
+              <a:t>Education</a:t>
+            </a:r>
+          </a:p>
+          <a:p>
+            <a:pPr marL="829818" lvl="1" indent="-342900"/>
+            <a:r>
+              <a:rPr lang="en-US" sz="2400" dirty="0"/>
+              <a:t>Social services</a:t>
+            </a:r>
+          </a:p>
+          <a:p>
+            <a:pPr marL="829818" lvl="1" indent="-342900"/>
+            <a:r>
+              <a:rPr lang="en-US" sz="2400" dirty="0"/>
+              <a:t>Also see Chapter 13 for smart cities </a:t>
             </a:r>
           </a:p>
         </p:txBody>
@@ -15658,7 +15088,7 @@
     </p:spTree>
     <p:extLst>
       <p:ext uri="{BB962C8B-B14F-4D97-AF65-F5344CB8AC3E}">
-        <p14:creationId xmlns:p14="http://schemas.microsoft.com/office/powerpoint/2010/main" val="306129323"/>
+        <p14:creationId xmlns:p14="http://schemas.microsoft.com/office/powerpoint/2010/main" val="90191814"/>
       </p:ext>
     </p:extLst>
   </p:cSld>
@@ -15711,7 +15141,7 @@
               <a:rPr lang="en-US" sz="3600" dirty="0">
                 <a:latin typeface="+mj-lt"/>
               </a:rPr>
-              <a:t>Application Case 1.6</a:t>
+              <a:t>Application Case 1.9</a:t>
             </a:r>
           </a:p>
         </p:txBody>
@@ -15728,7 +15158,7 @@
         </p:nvSpPr>
         <p:spPr>
           <a:xfrm>
-            <a:off x="457200" y="714375"/>
+            <a:off x="457200" y="733425"/>
             <a:ext cx="8153400" cy="861774"/>
           </a:xfrm>
         </p:spPr>
@@ -15747,7 +15177,7 @@
                   <a:srgbClr val="007FA3"/>
                 </a:solidFill>
               </a:rPr>
-              <a:t>A Specialty Steel Bar Company Uses Analytics to Determine Available-to-Promise Dates</a:t>
+              <a:t>Robots Took the Job of Camel-Racing Jockeys for Societal Benefits</a:t>
             </a:r>
             <a:endParaRPr lang="en-US" sz="2800" b="1" dirty="0">
               <a:solidFill>
@@ -15770,7 +15200,7 @@
         <p:spPr>
           <a:xfrm>
             <a:off x="447675" y="1907143"/>
-            <a:ext cx="8162925" cy="1862048"/>
+            <a:ext cx="8162925" cy="4093428"/>
           </a:xfrm>
         </p:spPr>
         <p:txBody>
@@ -15784,7 +15214,7 @@
             </a:pPr>
             <a:r>
               <a:rPr lang="en-US" sz="2400" b="1" dirty="0"/>
-              <a:t>Questions for Discussion:</a:t>
+              <a:t>Questions for Discussion: </a:t>
             </a:r>
           </a:p>
           <a:p>
@@ -15794,7 +15224,7 @@
             </a:pPr>
             <a:r>
               <a:rPr lang="en-US" sz="2400" dirty="0"/>
-              <a:t>Why would reallocation of inventory from one customer to another be a major issue for discussion?</a:t>
+              <a:t>It is said that the robots eradicated the child slavery. Explain.</a:t>
             </a:r>
           </a:p>
           <a:p>
@@ -15804,27 +15234,65 @@
             </a:pPr>
             <a:r>
               <a:rPr lang="en-US" sz="2400" dirty="0"/>
-              <a:t>How could a </a:t>
-            </a:r>
-            <a:r>
-              <a:rPr lang="en-US" sz="2400" spc="-300" dirty="0"/>
-              <a:t>D S </a:t>
-            </a:r>
-            <a:r>
-              <a:rPr lang="en-US" sz="2400" dirty="0" err="1"/>
-              <a:t>S</a:t>
-            </a:r>
+              <a:t>Why do the owners need to drive by their camels while they are racing?</a:t>
+            </a:r>
+          </a:p>
+          <a:p>
+            <a:pPr marL="457200" indent="-457200">
+              <a:buFont typeface="+mj-lt"/>
+              <a:buAutoNum type="arabicPeriod"/>
+            </a:pPr>
             <a:r>
               <a:rPr lang="en-US" sz="2400" dirty="0"/>
-              <a:t> help make these decisions?</a:t>
-            </a:r>
-          </a:p>
-        </p:txBody>
-      </p:sp>
+              <a:t>Why not duplicate the technology for horse racing?</a:t>
+            </a:r>
+          </a:p>
+          <a:p>
+            <a:pPr marL="457200" indent="-457200">
+              <a:buFont typeface="+mj-lt"/>
+              <a:buAutoNum type="arabicPeriod"/>
+            </a:pPr>
+            <a:r>
+              <a:rPr lang="en-US" sz="2400" dirty="0"/>
+              <a:t>Summarize ethical aspects of this case (Read Boddington, 2017). Do this exercise after you have read about ethics in Chapter 14.</a:t>
+            </a:r>
+          </a:p>
+        </p:txBody>
+      </p:sp>
+      <p:pic>
+        <p:nvPicPr>
+          <p:cNvPr id="5" name="图片 4">
+            <a:extLst>
+              <a:ext uri="{FF2B5EF4-FFF2-40B4-BE49-F238E27FC236}">
+                <a16:creationId xmlns:a16="http://schemas.microsoft.com/office/drawing/2014/main" id="{0C18561B-526B-624E-8125-86BF638F6F44}"/>
+              </a:ext>
+            </a:extLst>
+          </p:cNvPr>
+          <p:cNvPicPr>
+            <a:picLocks noChangeAspect="1"/>
+          </p:cNvPicPr>
+          <p:nvPr/>
+        </p:nvPicPr>
+        <p:blipFill>
+          <a:blip r:embed="rId3"/>
+          <a:stretch>
+            <a:fillRect/>
+          </a:stretch>
+        </p:blipFill>
+        <p:spPr>
+          <a:xfrm>
+            <a:off x="6858000" y="1143000"/>
+            <a:ext cx="1562100" cy="1295400"/>
+          </a:xfrm>
+          <a:prstGeom prst="rect">
+            <a:avLst/>
+          </a:prstGeom>
+        </p:spPr>
+      </p:pic>
     </p:spTree>
     <p:extLst>
       <p:ext uri="{BB962C8B-B14F-4D97-AF65-F5344CB8AC3E}">
-        <p14:creationId xmlns:p14="http://schemas.microsoft.com/office/powerpoint/2010/main" val="1167406258"/>
+        <p14:creationId xmlns:p14="http://schemas.microsoft.com/office/powerpoint/2010/main" val="3550800755"/>
       </p:ext>
     </p:extLst>
   </p:cSld>
@@ -15863,7 +15331,7 @@
         </p:nvSpPr>
         <p:spPr>
           <a:xfrm>
-            <a:off x="457200" y="73997"/>
+            <a:off x="456154" y="66675"/>
             <a:ext cx="8153400" cy="553998"/>
           </a:xfrm>
         </p:spPr>
@@ -15874,11 +15342,18 @@
           <a:lstStyle/>
           <a:p>
             <a:r>
-              <a:rPr lang="en-US" sz="3600" dirty="0">
-                <a:latin typeface="+mj-lt"/>
-              </a:rPr>
-              <a:t>Application Case 1.7</a:t>
-            </a:r>
+              <a:rPr lang="en-IN" dirty="0"/>
+              <a:t>Convergence of Analytics and </a:t>
+            </a:r>
+            <a:r>
+              <a:rPr lang="en-IN" spc="-450" dirty="0"/>
+              <a:t>A </a:t>
+            </a:r>
+            <a:r>
+              <a:rPr lang="en-IN" dirty="0"/>
+              <a:t>I</a:t>
+            </a:r>
+            <a:endParaRPr lang="en-US" dirty="0"/>
           </a:p>
         </p:txBody>
       </p:sp>
@@ -15894,8 +15369,8 @@
         </p:nvSpPr>
         <p:spPr>
           <a:xfrm>
-            <a:off x="457200" y="714375"/>
-            <a:ext cx="8153400" cy="430887"/>
+            <a:off x="456154" y="990600"/>
+            <a:ext cx="8153400" cy="4108817"/>
           </a:xfrm>
         </p:spPr>
         <p:txBody>
@@ -15904,93 +15379,87 @@
           </a:bodyPr>
           <a:lstStyle/>
           <a:p>
-            <a:pPr marL="0" indent="0">
-              <a:buNone/>
-            </a:pPr>
-            <a:r>
-              <a:rPr lang="en-IN" sz="2800" b="1" dirty="0">
-                <a:solidFill>
-                  <a:srgbClr val="007FA3"/>
-                </a:solidFill>
-              </a:rPr>
-              <a:t>Image Analysis Helps Estimate Plant Cover</a:t>
-            </a:r>
-            <a:endParaRPr lang="en-US" sz="2800" b="1" dirty="0">
-              <a:solidFill>
-                <a:srgbClr val="007FA3"/>
-              </a:solidFill>
-            </a:endParaRPr>
-          </a:p>
-        </p:txBody>
-      </p:sp>
-      <p:sp>
-        <p:nvSpPr>
-          <p:cNvPr id="4" name="Content Placeholder 3"/>
-          <p:cNvSpPr>
-            <a:spLocks noGrp="1"/>
-          </p:cNvSpPr>
-          <p:nvPr>
-            <p:ph idx="13"/>
-          </p:nvPr>
-        </p:nvSpPr>
-        <p:spPr>
-          <a:xfrm>
-            <a:off x="447675" y="1371600"/>
-            <a:ext cx="8162925" cy="4093428"/>
-          </a:xfrm>
-        </p:spPr>
-        <p:txBody>
-          <a:bodyPr wrap="square">
-            <a:spAutoFit/>
-          </a:bodyPr>
-          <a:lstStyle/>
-          <a:p>
-            <a:pPr marL="0" indent="0">
-              <a:buNone/>
-            </a:pPr>
-            <a:r>
-              <a:rPr lang="en-US" sz="2400" b="1" dirty="0"/>
-              <a:t>Questions for Discussion:</a:t>
-            </a:r>
-          </a:p>
-          <a:p>
-            <a:pPr marL="457200" indent="-457200">
-              <a:buFont typeface="+mj-lt"/>
-              <a:buAutoNum type="arabicPeriod"/>
-            </a:pPr>
             <a:r>
               <a:rPr lang="en-US" sz="2400" dirty="0"/>
-              <a:t>What is the purpose of knowing how much ground is covered by green foliage on a farm? In a forest?</a:t>
-            </a:r>
-          </a:p>
-          <a:p>
-            <a:pPr marL="457200" indent="-457200">
-              <a:buFont typeface="+mj-lt"/>
-              <a:buAutoNum type="arabicPeriod"/>
-            </a:pPr>
+              <a:t>Major differences between analytics and </a:t>
+            </a:r>
+            <a:r>
+              <a:rPr lang="en-US" sz="2400" spc="-300" dirty="0"/>
+              <a:t>a </a:t>
+            </a:r>
+            <a:r>
+              <a:rPr lang="en-US" sz="2400" dirty="0" err="1"/>
+              <a:t>i</a:t>
+            </a:r>
+            <a:endParaRPr lang="en-US" sz="2400" dirty="0"/>
+          </a:p>
+          <a:p>
             <a:r>
               <a:rPr lang="en-US" sz="2400" dirty="0"/>
-              <a:t>Why would image analysis of foliage through an app be better than a visual check?</a:t>
-            </a:r>
-          </a:p>
-          <a:p>
-            <a:pPr marL="457200" indent="-457200">
-              <a:buFont typeface="+mj-lt"/>
-              <a:buAutoNum type="arabicPeriod"/>
-            </a:pPr>
+              <a:t>Why combine intelligent systems?</a:t>
+            </a:r>
+          </a:p>
+          <a:p>
             <a:r>
               <a:rPr lang="en-US" sz="2400" dirty="0"/>
-              <a:t>Explore research papers to understand the underlying algorithmic logic of image analysis. What did you learn?</a:t>
-            </a:r>
-          </a:p>
-          <a:p>
-            <a:pPr marL="457200" indent="-457200">
-              <a:buFont typeface="+mj-lt"/>
-              <a:buAutoNum type="arabicPeriod"/>
-            </a:pPr>
+              <a:t>How convergence can help?</a:t>
+            </a:r>
+          </a:p>
+          <a:p>
             <a:r>
               <a:rPr lang="en-US" sz="2400" dirty="0"/>
-              <a:t>What other applications of image analysis can you think of?</a:t>
+              <a:t>Big Data Is empowering </a:t>
+            </a:r>
+            <a:r>
+              <a:rPr lang="en-US" sz="2400" spc="-300" dirty="0"/>
+              <a:t>A </a:t>
+            </a:r>
+            <a:r>
+              <a:rPr lang="en-US" sz="2400" dirty="0"/>
+              <a:t>I technologies</a:t>
+            </a:r>
+          </a:p>
+          <a:p>
+            <a:r>
+              <a:rPr lang="en-US" sz="2400" dirty="0"/>
+              <a:t>The convergence of </a:t>
+            </a:r>
+            <a:r>
+              <a:rPr lang="en-US" sz="2400" spc="-300" dirty="0"/>
+              <a:t>A </a:t>
+            </a:r>
+            <a:r>
+              <a:rPr lang="en-US" sz="2400" dirty="0"/>
+              <a:t>I and the </a:t>
+            </a:r>
+            <a:r>
+              <a:rPr lang="en-US" sz="2400" dirty="0" err="1"/>
+              <a:t>IoT</a:t>
+            </a:r>
+            <a:endParaRPr lang="en-US" sz="2400" dirty="0"/>
+          </a:p>
+          <a:p>
+            <a:r>
+              <a:rPr lang="en-US" sz="2400" dirty="0"/>
+              <a:t>The convergence with </a:t>
+            </a:r>
+            <a:r>
+              <a:rPr lang="en-US" sz="2400" dirty="0" err="1"/>
+              <a:t>blockchain</a:t>
+            </a:r>
+            <a:r>
+              <a:rPr lang="en-US" sz="2400" dirty="0"/>
+              <a:t> and other technologies</a:t>
+            </a:r>
+          </a:p>
+          <a:p>
+            <a:r>
+              <a:rPr lang="en-US" sz="2400" spc="-300" dirty="0"/>
+              <a:t>I B </a:t>
+            </a:r>
+            <a:r>
+              <a:rPr lang="en-US" sz="2400" dirty="0"/>
+              <a:t>M and Microsoft support for intelligent systems convergence</a:t>
             </a:r>
           </a:p>
         </p:txBody>
@@ -15998,7 +15467,7 @@
     </p:spTree>
     <p:extLst>
       <p:ext uri="{BB962C8B-B14F-4D97-AF65-F5344CB8AC3E}">
-        <p14:creationId xmlns:p14="http://schemas.microsoft.com/office/powerpoint/2010/main" val="3398452895"/>
+        <p14:creationId xmlns:p14="http://schemas.microsoft.com/office/powerpoint/2010/main" val="4208717728"/>
       </p:ext>
     </p:extLst>
   </p:cSld>
@@ -16037,7 +15506,7 @@
         </p:nvSpPr>
         <p:spPr>
           <a:xfrm>
-            <a:off x="456154" y="66675"/>
+            <a:off x="457200" y="73997"/>
             <a:ext cx="8153400" cy="553998"/>
           </a:xfrm>
         </p:spPr>
@@ -16048,8 +15517,10 @@
           <a:lstStyle/>
           <a:p>
             <a:r>
-              <a:rPr lang="en-US" dirty="0"/>
-              <a:t>Artificial Intelligence Overview</a:t>
+              <a:rPr lang="en-US" sz="3600" dirty="0">
+                <a:latin typeface="+mj-lt"/>
+              </a:rPr>
+              <a:t>Application Case 1.10</a:t>
             </a:r>
           </a:p>
         </p:txBody>
@@ -16066,8 +15537,8 @@
         </p:nvSpPr>
         <p:spPr>
           <a:xfrm>
-            <a:off x="456154" y="990600"/>
-            <a:ext cx="8153400" cy="4424288"/>
+            <a:off x="457200" y="714375"/>
+            <a:ext cx="8153400" cy="430887"/>
           </a:xfrm>
         </p:spPr>
         <p:txBody>
@@ -16076,90 +15547,141 @@
           </a:bodyPr>
           <a:lstStyle/>
           <a:p>
-            <a:pPr marL="285750" indent="-285750"/>
+            <a:pPr marL="0" indent="0">
+              <a:buNone/>
+            </a:pPr>
+            <a:r>
+              <a:rPr lang="en-IN" sz="2800" b="1" dirty="0">
+                <a:solidFill>
+                  <a:srgbClr val="007FA3"/>
+                </a:solidFill>
+              </a:rPr>
+              <a:t>Amazon Go Is Open for Business</a:t>
+            </a:r>
+            <a:endParaRPr lang="en-US" sz="2800" b="1" dirty="0">
+              <a:solidFill>
+                <a:srgbClr val="007FA3"/>
+              </a:solidFill>
+            </a:endParaRPr>
+          </a:p>
+        </p:txBody>
+      </p:sp>
+      <p:sp>
+        <p:nvSpPr>
+          <p:cNvPr id="4" name="Content Placeholder 3"/>
+          <p:cNvSpPr>
+            <a:spLocks noGrp="1"/>
+          </p:cNvSpPr>
+          <p:nvPr>
+            <p:ph idx="13"/>
+          </p:nvPr>
+        </p:nvSpPr>
+        <p:spPr>
+          <a:xfrm>
+            <a:off x="447675" y="1371600"/>
+            <a:ext cx="8162925" cy="4655121"/>
+          </a:xfrm>
+        </p:spPr>
+        <p:txBody>
+          <a:bodyPr wrap="square">
+            <a:spAutoFit/>
+          </a:bodyPr>
+          <a:lstStyle/>
+          <a:p>
+            <a:pPr marL="0" indent="0">
+              <a:buNone/>
+            </a:pPr>
+            <a:r>
+              <a:rPr lang="en-US" sz="2400" b="1" dirty="0"/>
+              <a:t>Questions for Discussion: </a:t>
+            </a:r>
+          </a:p>
+          <a:p>
+            <a:pPr marL="457200" indent="-457200">
+              <a:buFont typeface="+mj-lt"/>
+              <a:buAutoNum type="arabicPeriod"/>
+            </a:pPr>
             <a:r>
               <a:rPr lang="en-US" sz="2400" dirty="0"/>
-              <a:t>What Is artificial intelligence (</a:t>
-            </a:r>
-            <a:r>
-              <a:rPr lang="en-US" sz="2400" spc="-300" dirty="0"/>
-              <a:t>A </a:t>
-            </a:r>
+              <a:t>Watch the video. What did you like and/or dislike?</a:t>
+            </a:r>
+          </a:p>
+          <a:p>
+            <a:pPr marL="457200" indent="-457200">
+              <a:buFont typeface="+mj-lt"/>
+              <a:buAutoNum type="arabicPeriod"/>
+            </a:pPr>
             <a:r>
               <a:rPr lang="en-US" sz="2400" dirty="0"/>
-              <a:t>I)?</a:t>
-            </a:r>
-          </a:p>
-          <a:p>
-            <a:pPr marL="781050" lvl="1" indent="-295275"/>
+              <a:t>Compare the process described here to a self-check available today in many supermarkets and “big box” stores (Home Depot, etc.).</a:t>
+            </a:r>
+          </a:p>
+          <a:p>
+            <a:pPr marL="457200" indent="-457200">
+              <a:buFont typeface="+mj-lt"/>
+              <a:buAutoNum type="arabicPeriod"/>
+            </a:pPr>
             <a:r>
               <a:rPr lang="en-US" sz="2400" dirty="0"/>
-              <a:t>Technology that can learn to do things better over time.</a:t>
-            </a:r>
-          </a:p>
-          <a:p>
-            <a:pPr marL="781050" lvl="1" indent="-295275"/>
+              <a:t>The store was opened in downtown Seattle. Why was the downtown location selected?</a:t>
+            </a:r>
+          </a:p>
+          <a:p>
+            <a:pPr marL="457200" indent="-457200">
+              <a:buFont typeface="+mj-lt"/>
+              <a:buAutoNum type="arabicPeriod"/>
+            </a:pPr>
             <a:r>
               <a:rPr lang="en-US" sz="2400" dirty="0"/>
-              <a:t>Technology that can understand human language.</a:t>
-            </a:r>
-          </a:p>
-          <a:p>
-            <a:pPr marL="781050" lvl="1" indent="-295275"/>
+              <a:t>What are the benefits to customers? To Amazon?</a:t>
+            </a:r>
+          </a:p>
+          <a:p>
+            <a:pPr marL="457200" indent="-457200">
+              <a:buFont typeface="+mj-lt"/>
+              <a:buAutoNum type="arabicPeriod"/>
+            </a:pPr>
             <a:r>
               <a:rPr lang="en-US" sz="2400" dirty="0"/>
-              <a:t>Technology that can answer questions.</a:t>
-            </a:r>
-          </a:p>
-          <a:p>
-            <a:pPr marL="285750" indent="-285750"/>
-            <a:r>
-              <a:rPr lang="en-US" sz="2400" dirty="0"/>
-              <a:t>The major benefits of </a:t>
-            </a:r>
-            <a:r>
-              <a:rPr lang="en-US" sz="2400" spc="-300" dirty="0"/>
-              <a:t>A </a:t>
-            </a:r>
-            <a:r>
-              <a:rPr lang="en-US" sz="2400" dirty="0"/>
-              <a:t>I</a:t>
-            </a:r>
-          </a:p>
-          <a:p>
-            <a:pPr marL="781050" lvl="1" indent="-295275"/>
-            <a:r>
-              <a:rPr lang="en-US" sz="2400" dirty="0"/>
-              <a:t>Reduction in the cost of performing work. </a:t>
-            </a:r>
-          </a:p>
-          <a:p>
-            <a:pPr marL="781050" lvl="1" indent="-295275"/>
-            <a:r>
-              <a:rPr lang="en-US" sz="2400" dirty="0"/>
-              <a:t>Work can be performed much faster.</a:t>
-            </a:r>
-          </a:p>
-          <a:p>
-            <a:pPr marL="781050" lvl="1" indent="-295275"/>
-            <a:r>
-              <a:rPr lang="en-US" sz="2400" dirty="0"/>
-              <a:t>Work is more consistent than human work.</a:t>
-            </a:r>
-          </a:p>
-          <a:p>
-            <a:pPr marL="781050" lvl="1" indent="-295275"/>
-            <a:r>
-              <a:rPr lang="en-US" sz="2400" dirty="0"/>
-              <a:t>Increased productivity, profitability, …</a:t>
-            </a:r>
-          </a:p>
-        </p:txBody>
-      </p:sp>
+              <a:t>Will customers be ready to trade privacy for convenience? Discuss.</a:t>
+            </a:r>
+          </a:p>
+        </p:txBody>
+      </p:sp>
+      <p:pic>
+        <p:nvPicPr>
+          <p:cNvPr id="6" name="图片 5">
+            <a:extLst>
+              <a:ext uri="{FF2B5EF4-FFF2-40B4-BE49-F238E27FC236}">
+                <a16:creationId xmlns:a16="http://schemas.microsoft.com/office/drawing/2014/main" id="{1F93B8BB-8324-7448-931F-A5A23AD8E623}"/>
+              </a:ext>
+            </a:extLst>
+          </p:cNvPr>
+          <p:cNvPicPr>
+            <a:picLocks noChangeAspect="1"/>
+          </p:cNvPicPr>
+          <p:nvPr/>
+        </p:nvPicPr>
+        <p:blipFill>
+          <a:blip r:embed="rId3"/>
+          <a:stretch>
+            <a:fillRect/>
+          </a:stretch>
+        </p:blipFill>
+        <p:spPr>
+          <a:xfrm>
+            <a:off x="6934200" y="350996"/>
+            <a:ext cx="1562100" cy="1295400"/>
+          </a:xfrm>
+          <a:prstGeom prst="rect">
+            <a:avLst/>
+          </a:prstGeom>
+        </p:spPr>
+      </p:pic>
     </p:spTree>
     <p:extLst>
       <p:ext uri="{BB962C8B-B14F-4D97-AF65-F5344CB8AC3E}">
-        <p14:creationId xmlns:p14="http://schemas.microsoft.com/office/powerpoint/2010/main" val="1417356460"/>
+        <p14:creationId xmlns:p14="http://schemas.microsoft.com/office/powerpoint/2010/main" val="3131661957"/>
       </p:ext>
     </p:extLst>
   </p:cSld>
@@ -16209,141 +15731,56 @@
           <a:lstStyle/>
           <a:p>
             <a:r>
-              <a:rPr lang="en-US" dirty="0"/>
-              <a:t>The Landscape of </a:t>
-            </a:r>
-            <a:r>
-              <a:rPr lang="en-US" spc="-450" dirty="0"/>
-              <a:t>A </a:t>
-            </a:r>
-            <a:r>
-              <a:rPr lang="en-US" dirty="0"/>
-              <a:t>I</a:t>
-            </a:r>
-          </a:p>
-        </p:txBody>
-      </p:sp>
-      <p:sp>
-        <p:nvSpPr>
-          <p:cNvPr id="3" name="Content Placeholder 2"/>
-          <p:cNvSpPr>
-            <a:spLocks noGrp="1"/>
-          </p:cNvSpPr>
-          <p:nvPr>
-            <p:ph idx="1"/>
-          </p:nvPr>
-        </p:nvSpPr>
-        <p:spPr>
-          <a:xfrm>
-            <a:off x="456154" y="990600"/>
-            <a:ext cx="8153400" cy="4847481"/>
-          </a:xfrm>
-        </p:spPr>
-        <p:txBody>
-          <a:bodyPr wrap="square">
-            <a:spAutoFit/>
-          </a:bodyPr>
-          <a:lstStyle/>
-          <a:p>
-            <a:pPr marL="276225" indent="-276225"/>
-            <a:r>
-              <a:rPr lang="en-US" sz="2400" dirty="0"/>
-              <a:t>Major technologies</a:t>
-            </a:r>
-          </a:p>
-          <a:p>
-            <a:pPr marL="829818" lvl="1" indent="-342900"/>
-            <a:r>
-              <a:rPr lang="en-US" sz="2400" dirty="0"/>
-              <a:t>Knowledge-based technologies</a:t>
-            </a:r>
-          </a:p>
-          <a:p>
-            <a:pPr marL="829818" lvl="1" indent="-342900"/>
-            <a:r>
-              <a:rPr lang="en-US" sz="2400" dirty="0"/>
-              <a:t>Biometric related technologies</a:t>
-            </a:r>
-          </a:p>
-          <a:p>
-            <a:r>
-              <a:rPr lang="en-US" sz="2400" dirty="0"/>
-              <a:t>Tools and platforms …</a:t>
-            </a:r>
-          </a:p>
-          <a:p>
-            <a:r>
-              <a:rPr lang="en-US" sz="2400" spc="-300" dirty="0"/>
-              <a:t>A </a:t>
-            </a:r>
-            <a:r>
-              <a:rPr lang="en-US" sz="2400" dirty="0"/>
-              <a:t>I applications …</a:t>
-            </a:r>
-          </a:p>
-          <a:p>
-            <a:r>
-              <a:rPr lang="en-US" sz="2400" dirty="0"/>
-              <a:t>Narrow (weak) versus general (strong) </a:t>
-            </a:r>
-            <a:r>
-              <a:rPr lang="en-US" sz="2400" spc="-300" dirty="0"/>
-              <a:t>A </a:t>
-            </a:r>
-            <a:r>
-              <a:rPr lang="en-US" sz="2400" dirty="0"/>
-              <a:t>I</a:t>
-            </a:r>
-          </a:p>
-          <a:p>
-            <a:r>
-              <a:rPr lang="en-US" sz="2400" dirty="0"/>
-              <a:t>The three flavors of </a:t>
-            </a:r>
-            <a:r>
-              <a:rPr lang="en-US" sz="2400" spc="-300" dirty="0"/>
-              <a:t>A </a:t>
-            </a:r>
-            <a:r>
-              <a:rPr lang="en-US" sz="2400" dirty="0"/>
-              <a:t>I decisions</a:t>
-            </a:r>
-          </a:p>
-          <a:p>
-            <a:pPr marL="829818" lvl="1" indent="-342900"/>
-            <a:r>
-              <a:rPr lang="en-US" sz="2400" dirty="0"/>
-              <a:t>Assisted intelligence</a:t>
-            </a:r>
-          </a:p>
-          <a:p>
-            <a:pPr marL="829818" lvl="1" indent="-342900"/>
-            <a:r>
-              <a:rPr lang="en-US" sz="2400" dirty="0"/>
-              <a:t>Autonomous </a:t>
-            </a:r>
-            <a:r>
-              <a:rPr lang="en-US" sz="2400" spc="-300" dirty="0"/>
-              <a:t>A </a:t>
-            </a:r>
-            <a:r>
-              <a:rPr lang="en-US" sz="2400" dirty="0"/>
-              <a:t>I</a:t>
-            </a:r>
-          </a:p>
-          <a:p>
-            <a:pPr marL="829818" lvl="1" indent="-342900"/>
-            <a:r>
-              <a:rPr lang="en-US" sz="2400" dirty="0"/>
-              <a:t>Augmented Intelligence</a:t>
-            </a:r>
-          </a:p>
-        </p:txBody>
-      </p:sp>
+              <a:rPr lang="en-IN" dirty="0"/>
+              <a:t>Overview of Analytics Ecosystem</a:t>
+            </a:r>
+            <a:endParaRPr lang="en-US" dirty="0"/>
+          </a:p>
+        </p:txBody>
+      </p:sp>
+      <p:pic>
+        <p:nvPicPr>
+          <p:cNvPr id="11266" name="Picture 2" descr="• At the center of the graphic is an ellipse labeled Analytics User Organization.&#10;• Surrounding the ellipse are 2 layers of petals with labels on each petal&#10;• The first layer has 4 petals. They are labeled the following in clockwise order:&#10;• Regulators and Policy Makers&#10;• Analytics Industry Analysts and Influencers&#10;• Academic Institutions and Certification Agencies&#10;• Application Developers: Industry Specific or General&#10;• The first layer has 6 petals. They are labeled the following in clockwise order:&#10;• Data Management Infrastructure Providers&#10;• Data Warehouse Providers&#10;• Middleware Providers&#10;• Data Service Providers&#10;• Analytics-Focused Software Developers&#10;• Data Generation Infrastructure Providers"/>
+          <p:cNvPicPr>
+            <a:picLocks noChangeAspect="1" noChangeArrowheads="1"/>
+          </p:cNvPicPr>
+          <p:nvPr/>
+        </p:nvPicPr>
+        <p:blipFill rotWithShape="1">
+          <a:blip r:embed="rId3">
+            <a:extLst>
+              <a:ext uri="{28A0092B-C50C-407E-A947-70E740481C1C}">
+                <a14:useLocalDpi xmlns:a14="http://schemas.microsoft.com/office/drawing/2010/main" val="0"/>
+              </a:ext>
+            </a:extLst>
+          </a:blip>
+          <a:srcRect b="2517"/>
+          <a:stretch/>
+        </p:blipFill>
+        <p:spPr bwMode="auto">
+          <a:xfrm>
+            <a:off x="1480878" y="1029951"/>
+            <a:ext cx="6171219" cy="5238328"/>
+          </a:xfrm>
+          <a:prstGeom prst="rect">
+            <a:avLst/>
+          </a:prstGeom>
+          <a:noFill/>
+          <a:extLst>
+            <a:ext uri="{909E8E84-426E-40DD-AFC4-6F175D3DCCD1}">
+              <a14:hiddenFill xmlns:a14="http://schemas.microsoft.com/office/drawing/2010/main">
+                <a:solidFill>
+                  <a:srgbClr val="FFFFFF"/>
+                </a:solidFill>
+              </a14:hiddenFill>
+            </a:ext>
+          </a:extLst>
+        </p:spPr>
+      </p:pic>
     </p:spTree>
     <p:extLst>
       <p:ext uri="{BB962C8B-B14F-4D97-AF65-F5344CB8AC3E}">
-        <p14:creationId xmlns:p14="http://schemas.microsoft.com/office/powerpoint/2010/main" val="343774132"/>
+        <p14:creationId xmlns:p14="http://schemas.microsoft.com/office/powerpoint/2010/main" val="629228495"/>
       </p:ext>
     </p:extLst>
   </p:cSld>
@@ -16382,1220 +15819,6 @@
         </p:nvSpPr>
         <p:spPr>
           <a:xfrm>
-            <a:off x="457200" y="73997"/>
-            <a:ext cx="8153400" cy="553998"/>
-          </a:xfrm>
-        </p:spPr>
-        <p:txBody>
-          <a:bodyPr wrap="square">
-            <a:spAutoFit/>
-          </a:bodyPr>
-          <a:lstStyle/>
-          <a:p>
-            <a:r>
-              <a:rPr lang="en-US" sz="3600" dirty="0">
-                <a:latin typeface="+mj-lt"/>
-              </a:rPr>
-              <a:t>Application Case 1.8</a:t>
-            </a:r>
-          </a:p>
-        </p:txBody>
-      </p:sp>
-      <p:sp>
-        <p:nvSpPr>
-          <p:cNvPr id="3" name="Content Placeholder 2"/>
-          <p:cNvSpPr>
-            <a:spLocks noGrp="1"/>
-          </p:cNvSpPr>
-          <p:nvPr>
-            <p:ph idx="1"/>
-          </p:nvPr>
-        </p:nvSpPr>
-        <p:spPr>
-          <a:xfrm>
-            <a:off x="457200" y="714375"/>
-            <a:ext cx="8153400" cy="861774"/>
-          </a:xfrm>
-        </p:spPr>
-        <p:txBody>
-          <a:bodyPr wrap="square">
-            <a:spAutoFit/>
-          </a:bodyPr>
-          <a:lstStyle/>
-          <a:p>
-            <a:pPr marL="0" indent="0">
-              <a:buNone/>
-            </a:pPr>
-            <a:r>
-              <a:rPr lang="en-IN" sz="2800" b="1" spc="-300" dirty="0">
-                <a:solidFill>
-                  <a:srgbClr val="007FA3"/>
-                </a:solidFill>
-              </a:rPr>
-              <a:t>A </a:t>
-            </a:r>
-            <a:r>
-              <a:rPr lang="en-IN" sz="2800" b="1" dirty="0">
-                <a:solidFill>
-                  <a:srgbClr val="007FA3"/>
-                </a:solidFill>
-              </a:rPr>
-              <a:t>I Increases Passengers’ Comfort and Security in Airports and Borders</a:t>
-            </a:r>
-            <a:endParaRPr lang="en-US" sz="2800" b="1" dirty="0">
-              <a:solidFill>
-                <a:srgbClr val="007FA3"/>
-              </a:solidFill>
-            </a:endParaRPr>
-          </a:p>
-        </p:txBody>
-      </p:sp>
-      <p:sp>
-        <p:nvSpPr>
-          <p:cNvPr id="4" name="Content Placeholder 3"/>
-          <p:cNvSpPr>
-            <a:spLocks noGrp="1"/>
-          </p:cNvSpPr>
-          <p:nvPr>
-            <p:ph idx="13"/>
-          </p:nvPr>
-        </p:nvSpPr>
-        <p:spPr>
-          <a:xfrm>
-            <a:off x="447675" y="2129210"/>
-            <a:ext cx="8162925" cy="2423740"/>
-          </a:xfrm>
-        </p:spPr>
-        <p:txBody>
-          <a:bodyPr wrap="square">
-            <a:spAutoFit/>
-          </a:bodyPr>
-          <a:lstStyle/>
-          <a:p>
-            <a:pPr marL="0" indent="0">
-              <a:buNone/>
-            </a:pPr>
-            <a:r>
-              <a:rPr lang="en-US" sz="2400" b="1" dirty="0"/>
-              <a:t>Questions for Discussion: </a:t>
-            </a:r>
-          </a:p>
-          <a:p>
-            <a:pPr marL="457200" indent="-457200">
-              <a:buFont typeface="+mj-lt"/>
-              <a:buAutoNum type="arabicPeriod"/>
-            </a:pPr>
-            <a:r>
-              <a:rPr lang="en-US" sz="2400" dirty="0"/>
-              <a:t>List the benefits of </a:t>
-            </a:r>
-            <a:r>
-              <a:rPr lang="en-US" sz="2400" spc="-300" dirty="0"/>
-              <a:t>A </a:t>
-            </a:r>
-            <a:r>
-              <a:rPr lang="en-US" sz="2400" dirty="0"/>
-              <a:t>I devices to travelers.</a:t>
-            </a:r>
-          </a:p>
-          <a:p>
-            <a:pPr marL="457200" indent="-457200">
-              <a:buFont typeface="+mj-lt"/>
-              <a:buAutoNum type="arabicPeriod"/>
-            </a:pPr>
-            <a:r>
-              <a:rPr lang="en-US" sz="2400" dirty="0"/>
-              <a:t>List the benefits to governments and airline companies.</a:t>
-            </a:r>
-          </a:p>
-          <a:p>
-            <a:pPr marL="457200" indent="-457200">
-              <a:buFont typeface="+mj-lt"/>
-              <a:buAutoNum type="arabicPeriod"/>
-            </a:pPr>
-            <a:r>
-              <a:rPr lang="en-US" sz="2400" dirty="0"/>
-              <a:t>Relate this case to machine vision and other </a:t>
-            </a:r>
-            <a:r>
-              <a:rPr lang="en-US" sz="2400" spc="-300" dirty="0"/>
-              <a:t>A </a:t>
-            </a:r>
-            <a:r>
-              <a:rPr lang="en-US" sz="2400" dirty="0"/>
-              <a:t>I tools that deal with people’s biometrics.</a:t>
-            </a:r>
-          </a:p>
-        </p:txBody>
-      </p:sp>
-    </p:spTree>
-    <p:extLst>
-      <p:ext uri="{BB962C8B-B14F-4D97-AF65-F5344CB8AC3E}">
-        <p14:creationId xmlns:p14="http://schemas.microsoft.com/office/powerpoint/2010/main" val="995275259"/>
-      </p:ext>
-    </p:extLst>
-  </p:cSld>
-  <p:clrMapOvr>
-    <a:masterClrMapping/>
-  </p:clrMapOvr>
-</p:sld>
-</file>
-
-<file path=ppt/slides/slide37.xml><?xml version="1.0" encoding="utf-8"?>
-<p:sld xmlns:a="http://schemas.openxmlformats.org/drawingml/2006/main" xmlns:r="http://schemas.openxmlformats.org/officeDocument/2006/relationships" xmlns:p="http://schemas.openxmlformats.org/presentationml/2006/main">
-  <p:cSld>
-    <p:spTree>
-      <p:nvGrpSpPr>
-        <p:cNvPr id="1" name=""/>
-        <p:cNvGrpSpPr/>
-        <p:nvPr/>
-      </p:nvGrpSpPr>
-      <p:grpSpPr>
-        <a:xfrm>
-          <a:off x="0" y="0"/>
-          <a:ext cx="0" cy="0"/>
-          <a:chOff x="0" y="0"/>
-          <a:chExt cx="0" cy="0"/>
-        </a:xfrm>
-      </p:grpSpPr>
-      <p:sp>
-        <p:nvSpPr>
-          <p:cNvPr id="2" name="Title 1"/>
-          <p:cNvSpPr>
-            <a:spLocks noGrp="1"/>
-          </p:cNvSpPr>
-          <p:nvPr>
-            <p:ph type="title"/>
-          </p:nvPr>
-        </p:nvSpPr>
-        <p:spPr>
-          <a:xfrm>
-            <a:off x="456154" y="66675"/>
-            <a:ext cx="8153400" cy="553998"/>
-          </a:xfrm>
-        </p:spPr>
-        <p:txBody>
-          <a:bodyPr wrap="square">
-            <a:spAutoFit/>
-          </a:bodyPr>
-          <a:lstStyle/>
-          <a:p>
-            <a:r>
-              <a:rPr lang="en-US" dirty="0"/>
-              <a:t>Societal Impacts of </a:t>
-            </a:r>
-            <a:r>
-              <a:rPr lang="en-US" spc="-450" dirty="0"/>
-              <a:t>A </a:t>
-            </a:r>
-            <a:r>
-              <a:rPr lang="en-US" dirty="0"/>
-              <a:t>I</a:t>
-            </a:r>
-          </a:p>
-        </p:txBody>
-      </p:sp>
-      <p:sp>
-        <p:nvSpPr>
-          <p:cNvPr id="3" name="Content Placeholder 2"/>
-          <p:cNvSpPr>
-            <a:spLocks noGrp="1"/>
-          </p:cNvSpPr>
-          <p:nvPr>
-            <p:ph idx="1"/>
-          </p:nvPr>
-        </p:nvSpPr>
-        <p:spPr>
-          <a:xfrm>
-            <a:off x="456154" y="990600"/>
-            <a:ext cx="8153400" cy="3724096"/>
-          </a:xfrm>
-        </p:spPr>
-        <p:txBody>
-          <a:bodyPr wrap="square">
-            <a:spAutoFit/>
-          </a:bodyPr>
-          <a:lstStyle/>
-          <a:p>
-            <a:r>
-              <a:rPr lang="en-US" sz="2400" dirty="0"/>
-              <a:t>Impact on agriculture</a:t>
-            </a:r>
-          </a:p>
-          <a:p>
-            <a:r>
-              <a:rPr lang="en-US" sz="2400" dirty="0"/>
-              <a:t>Contribution to health and medical care</a:t>
-            </a:r>
-          </a:p>
-          <a:p>
-            <a:r>
-              <a:rPr lang="en-US" sz="2400" dirty="0"/>
-              <a:t>Other societal applications</a:t>
-            </a:r>
-          </a:p>
-          <a:p>
-            <a:pPr marL="829818" lvl="1" indent="-342900"/>
-            <a:r>
-              <a:rPr lang="en-US" sz="2400" dirty="0"/>
-              <a:t>Transportation</a:t>
-            </a:r>
-          </a:p>
-          <a:p>
-            <a:pPr marL="829818" lvl="1" indent="-342900"/>
-            <a:r>
-              <a:rPr lang="en-US" sz="2400" dirty="0"/>
-              <a:t>Utilities</a:t>
-            </a:r>
-          </a:p>
-          <a:p>
-            <a:pPr marL="829818" lvl="1" indent="-342900"/>
-            <a:r>
-              <a:rPr lang="en-US" sz="2400" dirty="0"/>
-              <a:t>Education</a:t>
-            </a:r>
-          </a:p>
-          <a:p>
-            <a:pPr marL="829818" lvl="1" indent="-342900"/>
-            <a:r>
-              <a:rPr lang="en-US" sz="2400" dirty="0"/>
-              <a:t>Social services</a:t>
-            </a:r>
-          </a:p>
-          <a:p>
-            <a:pPr marL="829818" lvl="1" indent="-342900"/>
-            <a:r>
-              <a:rPr lang="en-US" sz="2400" dirty="0"/>
-              <a:t>Also see Chapter 13 for smart cities </a:t>
-            </a:r>
-          </a:p>
-        </p:txBody>
-      </p:sp>
-    </p:spTree>
-    <p:extLst>
-      <p:ext uri="{BB962C8B-B14F-4D97-AF65-F5344CB8AC3E}">
-        <p14:creationId xmlns:p14="http://schemas.microsoft.com/office/powerpoint/2010/main" val="90191814"/>
-      </p:ext>
-    </p:extLst>
-  </p:cSld>
-  <p:clrMapOvr>
-    <a:masterClrMapping/>
-  </p:clrMapOvr>
-</p:sld>
-</file>
-
-<file path=ppt/slides/slide38.xml><?xml version="1.0" encoding="utf-8"?>
-<p:sld xmlns:a="http://schemas.openxmlformats.org/drawingml/2006/main" xmlns:r="http://schemas.openxmlformats.org/officeDocument/2006/relationships" xmlns:p="http://schemas.openxmlformats.org/presentationml/2006/main">
-  <p:cSld>
-    <p:spTree>
-      <p:nvGrpSpPr>
-        <p:cNvPr id="1" name=""/>
-        <p:cNvGrpSpPr/>
-        <p:nvPr/>
-      </p:nvGrpSpPr>
-      <p:grpSpPr>
-        <a:xfrm>
-          <a:off x="0" y="0"/>
-          <a:ext cx="0" cy="0"/>
-          <a:chOff x="0" y="0"/>
-          <a:chExt cx="0" cy="0"/>
-        </a:xfrm>
-      </p:grpSpPr>
-      <p:sp>
-        <p:nvSpPr>
-          <p:cNvPr id="2" name="Title 1"/>
-          <p:cNvSpPr>
-            <a:spLocks noGrp="1"/>
-          </p:cNvSpPr>
-          <p:nvPr>
-            <p:ph type="title"/>
-          </p:nvPr>
-        </p:nvSpPr>
-        <p:spPr>
-          <a:xfrm>
-            <a:off x="457200" y="73997"/>
-            <a:ext cx="8153400" cy="553998"/>
-          </a:xfrm>
-        </p:spPr>
-        <p:txBody>
-          <a:bodyPr wrap="square">
-            <a:spAutoFit/>
-          </a:bodyPr>
-          <a:lstStyle/>
-          <a:p>
-            <a:r>
-              <a:rPr lang="en-US" sz="3600" dirty="0">
-                <a:latin typeface="+mj-lt"/>
-              </a:rPr>
-              <a:t>Application Case 1.9</a:t>
-            </a:r>
-          </a:p>
-        </p:txBody>
-      </p:sp>
-      <p:sp>
-        <p:nvSpPr>
-          <p:cNvPr id="3" name="Content Placeholder 2"/>
-          <p:cNvSpPr>
-            <a:spLocks noGrp="1"/>
-          </p:cNvSpPr>
-          <p:nvPr>
-            <p:ph idx="1"/>
-          </p:nvPr>
-        </p:nvSpPr>
-        <p:spPr>
-          <a:xfrm>
-            <a:off x="457200" y="733425"/>
-            <a:ext cx="8153400" cy="861774"/>
-          </a:xfrm>
-        </p:spPr>
-        <p:txBody>
-          <a:bodyPr wrap="square">
-            <a:spAutoFit/>
-          </a:bodyPr>
-          <a:lstStyle/>
-          <a:p>
-            <a:pPr marL="0" indent="0">
-              <a:buNone/>
-            </a:pPr>
-            <a:r>
-              <a:rPr lang="en-IN" sz="2800" b="1" dirty="0">
-                <a:solidFill>
-                  <a:srgbClr val="007FA3"/>
-                </a:solidFill>
-              </a:rPr>
-              <a:t>Robots Took the Job of Camel-Racing Jockeys for Societal Benefits</a:t>
-            </a:r>
-            <a:endParaRPr lang="en-US" sz="2800" b="1" dirty="0">
-              <a:solidFill>
-                <a:srgbClr val="007FA3"/>
-              </a:solidFill>
-            </a:endParaRPr>
-          </a:p>
-        </p:txBody>
-      </p:sp>
-      <p:sp>
-        <p:nvSpPr>
-          <p:cNvPr id="4" name="Content Placeholder 3"/>
-          <p:cNvSpPr>
-            <a:spLocks noGrp="1"/>
-          </p:cNvSpPr>
-          <p:nvPr>
-            <p:ph idx="13"/>
-          </p:nvPr>
-        </p:nvSpPr>
-        <p:spPr>
-          <a:xfrm>
-            <a:off x="447675" y="1907143"/>
-            <a:ext cx="8162925" cy="4093428"/>
-          </a:xfrm>
-        </p:spPr>
-        <p:txBody>
-          <a:bodyPr wrap="square">
-            <a:spAutoFit/>
-          </a:bodyPr>
-          <a:lstStyle/>
-          <a:p>
-            <a:pPr marL="0" indent="0">
-              <a:buNone/>
-            </a:pPr>
-            <a:r>
-              <a:rPr lang="en-US" sz="2400" b="1" dirty="0"/>
-              <a:t>Questions for Discussion: </a:t>
-            </a:r>
-          </a:p>
-          <a:p>
-            <a:pPr marL="457200" indent="-457200">
-              <a:buFont typeface="+mj-lt"/>
-              <a:buAutoNum type="arabicPeriod"/>
-            </a:pPr>
-            <a:r>
-              <a:rPr lang="en-US" sz="2400" dirty="0"/>
-              <a:t>It is said that the robots eradicated the child slavery. Explain.</a:t>
-            </a:r>
-          </a:p>
-          <a:p>
-            <a:pPr marL="457200" indent="-457200">
-              <a:buFont typeface="+mj-lt"/>
-              <a:buAutoNum type="arabicPeriod"/>
-            </a:pPr>
-            <a:r>
-              <a:rPr lang="en-US" sz="2400" dirty="0"/>
-              <a:t>Why do the owners need to drive by their camels while they are racing?</a:t>
-            </a:r>
-          </a:p>
-          <a:p>
-            <a:pPr marL="457200" indent="-457200">
-              <a:buFont typeface="+mj-lt"/>
-              <a:buAutoNum type="arabicPeriod"/>
-            </a:pPr>
-            <a:r>
-              <a:rPr lang="en-US" sz="2400" dirty="0"/>
-              <a:t>Why not duplicate the technology for horse racing?</a:t>
-            </a:r>
-          </a:p>
-          <a:p>
-            <a:pPr marL="457200" indent="-457200">
-              <a:buFont typeface="+mj-lt"/>
-              <a:buAutoNum type="arabicPeriod"/>
-            </a:pPr>
-            <a:r>
-              <a:rPr lang="en-US" sz="2400" dirty="0"/>
-              <a:t>Summarize ethical aspects of this case (Read Boddington, 2017). Do this exercise after you have read about ethics in Chapter 14.</a:t>
-            </a:r>
-          </a:p>
-        </p:txBody>
-      </p:sp>
-      <p:pic>
-        <p:nvPicPr>
-          <p:cNvPr id="5" name="图片 4">
-            <a:extLst>
-              <a:ext uri="{FF2B5EF4-FFF2-40B4-BE49-F238E27FC236}">
-                <a16:creationId xmlns:a16="http://schemas.microsoft.com/office/drawing/2014/main" id="{0C18561B-526B-624E-8125-86BF638F6F44}"/>
-              </a:ext>
-            </a:extLst>
-          </p:cNvPr>
-          <p:cNvPicPr>
-            <a:picLocks noChangeAspect="1"/>
-          </p:cNvPicPr>
-          <p:nvPr/>
-        </p:nvPicPr>
-        <p:blipFill>
-          <a:blip r:embed="rId3"/>
-          <a:stretch>
-            <a:fillRect/>
-          </a:stretch>
-        </p:blipFill>
-        <p:spPr>
-          <a:xfrm>
-            <a:off x="6858000" y="1143000"/>
-            <a:ext cx="1562100" cy="1295400"/>
-          </a:xfrm>
-          <a:prstGeom prst="rect">
-            <a:avLst/>
-          </a:prstGeom>
-        </p:spPr>
-      </p:pic>
-    </p:spTree>
-    <p:extLst>
-      <p:ext uri="{BB962C8B-B14F-4D97-AF65-F5344CB8AC3E}">
-        <p14:creationId xmlns:p14="http://schemas.microsoft.com/office/powerpoint/2010/main" val="3550800755"/>
-      </p:ext>
-    </p:extLst>
-  </p:cSld>
-  <p:clrMapOvr>
-    <a:masterClrMapping/>
-  </p:clrMapOvr>
-</p:sld>
-</file>
-
-<file path=ppt/slides/slide39.xml><?xml version="1.0" encoding="utf-8"?>
-<p:sld xmlns:a="http://schemas.openxmlformats.org/drawingml/2006/main" xmlns:r="http://schemas.openxmlformats.org/officeDocument/2006/relationships" xmlns:p="http://schemas.openxmlformats.org/presentationml/2006/main">
-  <p:cSld>
-    <p:spTree>
-      <p:nvGrpSpPr>
-        <p:cNvPr id="1" name=""/>
-        <p:cNvGrpSpPr/>
-        <p:nvPr/>
-      </p:nvGrpSpPr>
-      <p:grpSpPr>
-        <a:xfrm>
-          <a:off x="0" y="0"/>
-          <a:ext cx="0" cy="0"/>
-          <a:chOff x="0" y="0"/>
-          <a:chExt cx="0" cy="0"/>
-        </a:xfrm>
-      </p:grpSpPr>
-      <p:sp>
-        <p:nvSpPr>
-          <p:cNvPr id="2" name="Title 1"/>
-          <p:cNvSpPr>
-            <a:spLocks noGrp="1"/>
-          </p:cNvSpPr>
-          <p:nvPr>
-            <p:ph type="title"/>
-          </p:nvPr>
-        </p:nvSpPr>
-        <p:spPr>
-          <a:xfrm>
-            <a:off x="456154" y="66675"/>
-            <a:ext cx="8153400" cy="553998"/>
-          </a:xfrm>
-        </p:spPr>
-        <p:txBody>
-          <a:bodyPr wrap="square">
-            <a:spAutoFit/>
-          </a:bodyPr>
-          <a:lstStyle/>
-          <a:p>
-            <a:r>
-              <a:rPr lang="en-IN" dirty="0"/>
-              <a:t>Convergence of Analytics and </a:t>
-            </a:r>
-            <a:r>
-              <a:rPr lang="en-IN" spc="-450" dirty="0"/>
-              <a:t>A </a:t>
-            </a:r>
-            <a:r>
-              <a:rPr lang="en-IN" dirty="0"/>
-              <a:t>I</a:t>
-            </a:r>
-            <a:endParaRPr lang="en-US" dirty="0"/>
-          </a:p>
-        </p:txBody>
-      </p:sp>
-      <p:sp>
-        <p:nvSpPr>
-          <p:cNvPr id="3" name="Content Placeholder 2"/>
-          <p:cNvSpPr>
-            <a:spLocks noGrp="1"/>
-          </p:cNvSpPr>
-          <p:nvPr>
-            <p:ph idx="1"/>
-          </p:nvPr>
-        </p:nvSpPr>
-        <p:spPr>
-          <a:xfrm>
-            <a:off x="456154" y="990600"/>
-            <a:ext cx="8153400" cy="4108817"/>
-          </a:xfrm>
-        </p:spPr>
-        <p:txBody>
-          <a:bodyPr wrap="square">
-            <a:spAutoFit/>
-          </a:bodyPr>
-          <a:lstStyle/>
-          <a:p>
-            <a:r>
-              <a:rPr lang="en-US" sz="2400" dirty="0"/>
-              <a:t>Major differences between analytics and </a:t>
-            </a:r>
-            <a:r>
-              <a:rPr lang="en-US" sz="2400" spc="-300" dirty="0"/>
-              <a:t>a </a:t>
-            </a:r>
-            <a:r>
-              <a:rPr lang="en-US" sz="2400" dirty="0" err="1"/>
-              <a:t>i</a:t>
-            </a:r>
-            <a:endParaRPr lang="en-US" sz="2400" dirty="0"/>
-          </a:p>
-          <a:p>
-            <a:r>
-              <a:rPr lang="en-US" sz="2400" dirty="0"/>
-              <a:t>Why combine intelligent systems?</a:t>
-            </a:r>
-          </a:p>
-          <a:p>
-            <a:r>
-              <a:rPr lang="en-US" sz="2400" dirty="0"/>
-              <a:t>How convergence can help?</a:t>
-            </a:r>
-          </a:p>
-          <a:p>
-            <a:r>
-              <a:rPr lang="en-US" sz="2400" dirty="0"/>
-              <a:t>Big Data Is empowering </a:t>
-            </a:r>
-            <a:r>
-              <a:rPr lang="en-US" sz="2400" spc="-300" dirty="0"/>
-              <a:t>A </a:t>
-            </a:r>
-            <a:r>
-              <a:rPr lang="en-US" sz="2400" dirty="0"/>
-              <a:t>I technologies</a:t>
-            </a:r>
-          </a:p>
-          <a:p>
-            <a:r>
-              <a:rPr lang="en-US" sz="2400" dirty="0"/>
-              <a:t>The convergence of </a:t>
-            </a:r>
-            <a:r>
-              <a:rPr lang="en-US" sz="2400" spc="-300" dirty="0"/>
-              <a:t>A </a:t>
-            </a:r>
-            <a:r>
-              <a:rPr lang="en-US" sz="2400" dirty="0"/>
-              <a:t>I and the </a:t>
-            </a:r>
-            <a:r>
-              <a:rPr lang="en-US" sz="2400" dirty="0" err="1"/>
-              <a:t>IoT</a:t>
-            </a:r>
-            <a:endParaRPr lang="en-US" sz="2400" dirty="0"/>
-          </a:p>
-          <a:p>
-            <a:r>
-              <a:rPr lang="en-US" sz="2400" dirty="0"/>
-              <a:t>The convergence with </a:t>
-            </a:r>
-            <a:r>
-              <a:rPr lang="en-US" sz="2400" dirty="0" err="1"/>
-              <a:t>blockchain</a:t>
-            </a:r>
-            <a:r>
-              <a:rPr lang="en-US" sz="2400" dirty="0"/>
-              <a:t> and other technologies</a:t>
-            </a:r>
-          </a:p>
-          <a:p>
-            <a:r>
-              <a:rPr lang="en-US" sz="2400" spc="-300" dirty="0"/>
-              <a:t>I B </a:t>
-            </a:r>
-            <a:r>
-              <a:rPr lang="en-US" sz="2400" dirty="0"/>
-              <a:t>M and Microsoft support for intelligent systems convergence</a:t>
-            </a:r>
-          </a:p>
-        </p:txBody>
-      </p:sp>
-    </p:spTree>
-    <p:extLst>
-      <p:ext uri="{BB962C8B-B14F-4D97-AF65-F5344CB8AC3E}">
-        <p14:creationId xmlns:p14="http://schemas.microsoft.com/office/powerpoint/2010/main" val="4208717728"/>
-      </p:ext>
-    </p:extLst>
-  </p:cSld>
-  <p:clrMapOvr>
-    <a:masterClrMapping/>
-  </p:clrMapOvr>
-</p:sld>
-</file>
-
-<file path=ppt/slides/slide4.xml><?xml version="1.0" encoding="utf-8"?>
-<p:sld xmlns:a="http://schemas.openxmlformats.org/drawingml/2006/main" xmlns:r="http://schemas.openxmlformats.org/officeDocument/2006/relationships" xmlns:p="http://schemas.openxmlformats.org/presentationml/2006/main">
-  <p:cSld>
-    <p:spTree>
-      <p:nvGrpSpPr>
-        <p:cNvPr id="1" name=""/>
-        <p:cNvGrpSpPr/>
-        <p:nvPr/>
-      </p:nvGrpSpPr>
-      <p:grpSpPr>
-        <a:xfrm>
-          <a:off x="0" y="0"/>
-          <a:ext cx="0" cy="0"/>
-          <a:chOff x="0" y="0"/>
-          <a:chExt cx="0" cy="0"/>
-        </a:xfrm>
-      </p:grpSpPr>
-      <p:sp>
-        <p:nvSpPr>
-          <p:cNvPr id="2" name="Title 1"/>
-          <p:cNvSpPr>
-            <a:spLocks noGrp="1"/>
-          </p:cNvSpPr>
-          <p:nvPr>
-            <p:ph type="title"/>
-          </p:nvPr>
-        </p:nvSpPr>
-        <p:spPr>
-          <a:xfrm>
-            <a:off x="457200" y="73997"/>
-            <a:ext cx="8153400" cy="553998"/>
-          </a:xfrm>
-        </p:spPr>
-        <p:txBody>
-          <a:bodyPr wrap="square">
-            <a:spAutoFit/>
-          </a:bodyPr>
-          <a:lstStyle/>
-          <a:p>
-            <a:r>
-              <a:rPr lang="en-US" sz="3600" dirty="0">
-                <a:latin typeface="+mj-lt"/>
-              </a:rPr>
-              <a:t>Opening Vignette </a:t>
-            </a:r>
-            <a:r>
-              <a:rPr lang="en-US" sz="2800" dirty="0">
-                <a:latin typeface="+mj-lt"/>
-              </a:rPr>
-              <a:t>(1 of 2)</a:t>
-            </a:r>
-            <a:endParaRPr lang="en-US" sz="3600" dirty="0">
-              <a:latin typeface="+mj-lt"/>
-            </a:endParaRPr>
-          </a:p>
-        </p:txBody>
-      </p:sp>
-      <p:sp>
-        <p:nvSpPr>
-          <p:cNvPr id="3" name="Content Placeholder 2"/>
-          <p:cNvSpPr>
-            <a:spLocks noGrp="1"/>
-          </p:cNvSpPr>
-          <p:nvPr>
-            <p:ph idx="1"/>
-          </p:nvPr>
-        </p:nvSpPr>
-        <p:spPr>
-          <a:xfrm>
-            <a:off x="457200" y="714375"/>
-            <a:ext cx="8153400" cy="861774"/>
-          </a:xfrm>
-        </p:spPr>
-        <p:txBody>
-          <a:bodyPr wrap="square">
-            <a:spAutoFit/>
-          </a:bodyPr>
-          <a:lstStyle/>
-          <a:p>
-            <a:pPr marL="0" lvl="0" indent="0">
-              <a:spcBef>
-                <a:spcPts val="0"/>
-              </a:spcBef>
-              <a:buClr>
-                <a:schemeClr val="lt1"/>
-              </a:buClr>
-              <a:buSzPct val="25000"/>
-              <a:buNone/>
-              <a:tabLst>
-                <a:tab pos="628650" algn="l"/>
-              </a:tabLst>
-            </a:pPr>
-            <a:r>
-              <a:rPr lang="en-IN" sz="2800" b="1" dirty="0">
-                <a:solidFill>
-                  <a:srgbClr val="007FA3"/>
-                </a:solidFill>
-              </a:rPr>
-              <a:t>How Intelligent Systems Work for KONE Elevators and Escalators Company</a:t>
-            </a:r>
-            <a:endParaRPr lang="en-US" sz="2800" b="1" dirty="0"/>
-          </a:p>
-        </p:txBody>
-      </p:sp>
-      <p:sp>
-        <p:nvSpPr>
-          <p:cNvPr id="4" name="Content Placeholder 3"/>
-          <p:cNvSpPr>
-            <a:spLocks noGrp="1"/>
-          </p:cNvSpPr>
-          <p:nvPr>
-            <p:ph idx="13"/>
-          </p:nvPr>
-        </p:nvSpPr>
-        <p:spPr>
-          <a:xfrm>
-            <a:off x="457200" y="1905000"/>
-            <a:ext cx="8153400" cy="1492716"/>
-          </a:xfrm>
-        </p:spPr>
-        <p:txBody>
-          <a:bodyPr>
-            <a:spAutoFit/>
-          </a:bodyPr>
-          <a:lstStyle/>
-          <a:p>
-            <a:pPr marL="285750" indent="-285750"/>
-            <a:r>
-              <a:rPr lang="en-US" sz="2400" dirty="0"/>
-              <a:t>The problem…</a:t>
-            </a:r>
-          </a:p>
-          <a:p>
-            <a:pPr marL="285750" indent="-285750"/>
-            <a:r>
-              <a:rPr lang="en-US" sz="2400" dirty="0"/>
-              <a:t>The solution…</a:t>
-            </a:r>
-          </a:p>
-          <a:p>
-            <a:pPr marL="285750" indent="-285750"/>
-            <a:r>
-              <a:rPr lang="en-US" sz="2400" dirty="0"/>
-              <a:t>The results…</a:t>
-            </a:r>
-          </a:p>
-        </p:txBody>
-      </p:sp>
-      <p:pic>
-        <p:nvPicPr>
-          <p:cNvPr id="5" name="图片 4">
-            <a:extLst>
-              <a:ext uri="{FF2B5EF4-FFF2-40B4-BE49-F238E27FC236}">
-                <a16:creationId xmlns:a16="http://schemas.microsoft.com/office/drawing/2014/main" id="{0A641A4F-1798-5440-8896-EB3EADA98A31}"/>
-              </a:ext>
-            </a:extLst>
-          </p:cNvPr>
-          <p:cNvPicPr>
-            <a:picLocks noChangeAspect="1"/>
-          </p:cNvPicPr>
-          <p:nvPr/>
-        </p:nvPicPr>
-        <p:blipFill>
-          <a:blip r:embed="rId3"/>
-          <a:stretch>
-            <a:fillRect/>
-          </a:stretch>
-        </p:blipFill>
-        <p:spPr>
-          <a:xfrm>
-            <a:off x="4343400" y="3397716"/>
-            <a:ext cx="1562100" cy="1295400"/>
-          </a:xfrm>
-          <a:prstGeom prst="rect">
-            <a:avLst/>
-          </a:prstGeom>
-        </p:spPr>
-      </p:pic>
-    </p:spTree>
-    <p:extLst>
-      <p:ext uri="{BB962C8B-B14F-4D97-AF65-F5344CB8AC3E}">
-        <p14:creationId xmlns:p14="http://schemas.microsoft.com/office/powerpoint/2010/main" val="553408860"/>
-      </p:ext>
-    </p:extLst>
-  </p:cSld>
-  <p:clrMapOvr>
-    <a:masterClrMapping/>
-  </p:clrMapOvr>
-</p:sld>
-</file>
-
-<file path=ppt/slides/slide40.xml><?xml version="1.0" encoding="utf-8"?>
-<p:sld xmlns:a="http://schemas.openxmlformats.org/drawingml/2006/main" xmlns:r="http://schemas.openxmlformats.org/officeDocument/2006/relationships" xmlns:p="http://schemas.openxmlformats.org/presentationml/2006/main">
-  <p:cSld>
-    <p:spTree>
-      <p:nvGrpSpPr>
-        <p:cNvPr id="1" name=""/>
-        <p:cNvGrpSpPr/>
-        <p:nvPr/>
-      </p:nvGrpSpPr>
-      <p:grpSpPr>
-        <a:xfrm>
-          <a:off x="0" y="0"/>
-          <a:ext cx="0" cy="0"/>
-          <a:chOff x="0" y="0"/>
-          <a:chExt cx="0" cy="0"/>
-        </a:xfrm>
-      </p:grpSpPr>
-      <p:sp>
-        <p:nvSpPr>
-          <p:cNvPr id="2" name="Title 1"/>
-          <p:cNvSpPr>
-            <a:spLocks noGrp="1"/>
-          </p:cNvSpPr>
-          <p:nvPr>
-            <p:ph type="title"/>
-          </p:nvPr>
-        </p:nvSpPr>
-        <p:spPr>
-          <a:xfrm>
-            <a:off x="457200" y="73997"/>
-            <a:ext cx="8153400" cy="553998"/>
-          </a:xfrm>
-        </p:spPr>
-        <p:txBody>
-          <a:bodyPr wrap="square">
-            <a:spAutoFit/>
-          </a:bodyPr>
-          <a:lstStyle/>
-          <a:p>
-            <a:r>
-              <a:rPr lang="en-US" sz="3600" dirty="0">
-                <a:latin typeface="+mj-lt"/>
-              </a:rPr>
-              <a:t>Application Case 1.10</a:t>
-            </a:r>
-          </a:p>
-        </p:txBody>
-      </p:sp>
-      <p:sp>
-        <p:nvSpPr>
-          <p:cNvPr id="3" name="Content Placeholder 2"/>
-          <p:cNvSpPr>
-            <a:spLocks noGrp="1"/>
-          </p:cNvSpPr>
-          <p:nvPr>
-            <p:ph idx="1"/>
-          </p:nvPr>
-        </p:nvSpPr>
-        <p:spPr>
-          <a:xfrm>
-            <a:off x="457200" y="714375"/>
-            <a:ext cx="8153400" cy="430887"/>
-          </a:xfrm>
-        </p:spPr>
-        <p:txBody>
-          <a:bodyPr wrap="square">
-            <a:spAutoFit/>
-          </a:bodyPr>
-          <a:lstStyle/>
-          <a:p>
-            <a:pPr marL="0" indent="0">
-              <a:buNone/>
-            </a:pPr>
-            <a:r>
-              <a:rPr lang="en-IN" sz="2800" b="1" dirty="0">
-                <a:solidFill>
-                  <a:srgbClr val="007FA3"/>
-                </a:solidFill>
-              </a:rPr>
-              <a:t>Amazon Go Is Open for Business</a:t>
-            </a:r>
-            <a:endParaRPr lang="en-US" sz="2800" b="1" dirty="0">
-              <a:solidFill>
-                <a:srgbClr val="007FA3"/>
-              </a:solidFill>
-            </a:endParaRPr>
-          </a:p>
-        </p:txBody>
-      </p:sp>
-      <p:sp>
-        <p:nvSpPr>
-          <p:cNvPr id="4" name="Content Placeholder 3"/>
-          <p:cNvSpPr>
-            <a:spLocks noGrp="1"/>
-          </p:cNvSpPr>
-          <p:nvPr>
-            <p:ph idx="13"/>
-          </p:nvPr>
-        </p:nvSpPr>
-        <p:spPr>
-          <a:xfrm>
-            <a:off x="447675" y="1371600"/>
-            <a:ext cx="8162925" cy="4655121"/>
-          </a:xfrm>
-        </p:spPr>
-        <p:txBody>
-          <a:bodyPr wrap="square">
-            <a:spAutoFit/>
-          </a:bodyPr>
-          <a:lstStyle/>
-          <a:p>
-            <a:pPr marL="0" indent="0">
-              <a:buNone/>
-            </a:pPr>
-            <a:r>
-              <a:rPr lang="en-US" sz="2400" b="1" dirty="0"/>
-              <a:t>Questions for Discussion: </a:t>
-            </a:r>
-          </a:p>
-          <a:p>
-            <a:pPr marL="457200" indent="-457200">
-              <a:buFont typeface="+mj-lt"/>
-              <a:buAutoNum type="arabicPeriod"/>
-            </a:pPr>
-            <a:r>
-              <a:rPr lang="en-US" sz="2400" dirty="0"/>
-              <a:t>Watch the video. What did you like and/or dislike?</a:t>
-            </a:r>
-          </a:p>
-          <a:p>
-            <a:pPr marL="457200" indent="-457200">
-              <a:buFont typeface="+mj-lt"/>
-              <a:buAutoNum type="arabicPeriod"/>
-            </a:pPr>
-            <a:r>
-              <a:rPr lang="en-US" sz="2400" dirty="0"/>
-              <a:t>Compare the process described here to a self-check available today in many supermarkets and “big box” stores (Home Depot, etc.).</a:t>
-            </a:r>
-          </a:p>
-          <a:p>
-            <a:pPr marL="457200" indent="-457200">
-              <a:buFont typeface="+mj-lt"/>
-              <a:buAutoNum type="arabicPeriod"/>
-            </a:pPr>
-            <a:r>
-              <a:rPr lang="en-US" sz="2400" dirty="0"/>
-              <a:t>The store was opened in downtown Seattle. Why was the downtown location selected?</a:t>
-            </a:r>
-          </a:p>
-          <a:p>
-            <a:pPr marL="457200" indent="-457200">
-              <a:buFont typeface="+mj-lt"/>
-              <a:buAutoNum type="arabicPeriod"/>
-            </a:pPr>
-            <a:r>
-              <a:rPr lang="en-US" sz="2400" dirty="0"/>
-              <a:t>What are the benefits to customers? To Amazon?</a:t>
-            </a:r>
-          </a:p>
-          <a:p>
-            <a:pPr marL="457200" indent="-457200">
-              <a:buFont typeface="+mj-lt"/>
-              <a:buAutoNum type="arabicPeriod"/>
-            </a:pPr>
-            <a:r>
-              <a:rPr lang="en-US" sz="2400" dirty="0"/>
-              <a:t>Will customers be ready to trade privacy for convenience? Discuss.</a:t>
-            </a:r>
-          </a:p>
-        </p:txBody>
-      </p:sp>
-      <p:pic>
-        <p:nvPicPr>
-          <p:cNvPr id="6" name="图片 5">
-            <a:extLst>
-              <a:ext uri="{FF2B5EF4-FFF2-40B4-BE49-F238E27FC236}">
-                <a16:creationId xmlns:a16="http://schemas.microsoft.com/office/drawing/2014/main" id="{1F93B8BB-8324-7448-931F-A5A23AD8E623}"/>
-              </a:ext>
-            </a:extLst>
-          </p:cNvPr>
-          <p:cNvPicPr>
-            <a:picLocks noChangeAspect="1"/>
-          </p:cNvPicPr>
-          <p:nvPr/>
-        </p:nvPicPr>
-        <p:blipFill>
-          <a:blip r:embed="rId3"/>
-          <a:stretch>
-            <a:fillRect/>
-          </a:stretch>
-        </p:blipFill>
-        <p:spPr>
-          <a:xfrm>
-            <a:off x="6934200" y="350996"/>
-            <a:ext cx="1562100" cy="1295400"/>
-          </a:xfrm>
-          <a:prstGeom prst="rect">
-            <a:avLst/>
-          </a:prstGeom>
-        </p:spPr>
-      </p:pic>
-    </p:spTree>
-    <p:extLst>
-      <p:ext uri="{BB962C8B-B14F-4D97-AF65-F5344CB8AC3E}">
-        <p14:creationId xmlns:p14="http://schemas.microsoft.com/office/powerpoint/2010/main" val="3131661957"/>
-      </p:ext>
-    </p:extLst>
-  </p:cSld>
-  <p:clrMapOvr>
-    <a:masterClrMapping/>
-  </p:clrMapOvr>
-</p:sld>
-</file>
-
-<file path=ppt/slides/slide41.xml><?xml version="1.0" encoding="utf-8"?>
-<p:sld xmlns:a="http://schemas.openxmlformats.org/drawingml/2006/main" xmlns:r="http://schemas.openxmlformats.org/officeDocument/2006/relationships" xmlns:p="http://schemas.openxmlformats.org/presentationml/2006/main">
-  <p:cSld>
-    <p:spTree>
-      <p:nvGrpSpPr>
-        <p:cNvPr id="1" name=""/>
-        <p:cNvGrpSpPr/>
-        <p:nvPr/>
-      </p:nvGrpSpPr>
-      <p:grpSpPr>
-        <a:xfrm>
-          <a:off x="0" y="0"/>
-          <a:ext cx="0" cy="0"/>
-          <a:chOff x="0" y="0"/>
-          <a:chExt cx="0" cy="0"/>
-        </a:xfrm>
-      </p:grpSpPr>
-      <p:sp>
-        <p:nvSpPr>
-          <p:cNvPr id="2" name="Title 1"/>
-          <p:cNvSpPr>
-            <a:spLocks noGrp="1"/>
-          </p:cNvSpPr>
-          <p:nvPr>
-            <p:ph type="title"/>
-          </p:nvPr>
-        </p:nvSpPr>
-        <p:spPr>
-          <a:xfrm>
-            <a:off x="456154" y="66675"/>
-            <a:ext cx="8153400" cy="553998"/>
-          </a:xfrm>
-        </p:spPr>
-        <p:txBody>
-          <a:bodyPr wrap="square">
-            <a:spAutoFit/>
-          </a:bodyPr>
-          <a:lstStyle/>
-          <a:p>
-            <a:r>
-              <a:rPr lang="en-IN" dirty="0"/>
-              <a:t>Overview of Analytics Ecosystem</a:t>
-            </a:r>
-            <a:endParaRPr lang="en-US" dirty="0"/>
-          </a:p>
-        </p:txBody>
-      </p:sp>
-      <p:pic>
-        <p:nvPicPr>
-          <p:cNvPr id="11266" name="Picture 2" descr="• At the center of the graphic is an ellipse labeled Analytics User Organization.&#10;• Surrounding the ellipse are 2 layers of petals with labels on each petal&#10;• The first layer has 4 petals. They are labeled the following in clockwise order:&#10;• Regulators and Policy Makers&#10;• Analytics Industry Analysts and Influencers&#10;• Academic Institutions and Certification Agencies&#10;• Application Developers: Industry Specific or General&#10;• The first layer has 6 petals. They are labeled the following in clockwise order:&#10;• Data Management Infrastructure Providers&#10;• Data Warehouse Providers&#10;• Middleware Providers&#10;• Data Service Providers&#10;• Analytics-Focused Software Developers&#10;• Data Generation Infrastructure Providers"/>
-          <p:cNvPicPr>
-            <a:picLocks noChangeAspect="1" noChangeArrowheads="1"/>
-          </p:cNvPicPr>
-          <p:nvPr/>
-        </p:nvPicPr>
-        <p:blipFill rotWithShape="1">
-          <a:blip r:embed="rId3">
-            <a:extLst>
-              <a:ext uri="{28A0092B-C50C-407E-A947-70E740481C1C}">
-                <a14:useLocalDpi xmlns:a14="http://schemas.microsoft.com/office/drawing/2010/main" val="0"/>
-              </a:ext>
-            </a:extLst>
-          </a:blip>
-          <a:srcRect b="2517"/>
-          <a:stretch/>
-        </p:blipFill>
-        <p:spPr bwMode="auto">
-          <a:xfrm>
-            <a:off x="1480878" y="1029951"/>
-            <a:ext cx="6171219" cy="5238328"/>
-          </a:xfrm>
-          <a:prstGeom prst="rect">
-            <a:avLst/>
-          </a:prstGeom>
-          <a:noFill/>
-          <a:extLst>
-            <a:ext uri="{909E8E84-426E-40DD-AFC4-6F175D3DCCD1}">
-              <a14:hiddenFill xmlns:a14="http://schemas.microsoft.com/office/drawing/2010/main">
-                <a:solidFill>
-                  <a:srgbClr val="FFFFFF"/>
-                </a:solidFill>
-              </a14:hiddenFill>
-            </a:ext>
-          </a:extLst>
-        </p:spPr>
-      </p:pic>
-    </p:spTree>
-    <p:extLst>
-      <p:ext uri="{BB962C8B-B14F-4D97-AF65-F5344CB8AC3E}">
-        <p14:creationId xmlns:p14="http://schemas.microsoft.com/office/powerpoint/2010/main" val="629228495"/>
-      </p:ext>
-    </p:extLst>
-  </p:cSld>
-  <p:clrMapOvr>
-    <a:masterClrMapping/>
-  </p:clrMapOvr>
-</p:sld>
-</file>
-
-<file path=ppt/slides/slide42.xml><?xml version="1.0" encoding="utf-8"?>
-<p:sld xmlns:a="http://schemas.openxmlformats.org/drawingml/2006/main" xmlns:r="http://schemas.openxmlformats.org/officeDocument/2006/relationships" xmlns:p="http://schemas.openxmlformats.org/presentationml/2006/main">
-  <p:cSld>
-    <p:spTree>
-      <p:nvGrpSpPr>
-        <p:cNvPr id="1" name=""/>
-        <p:cNvGrpSpPr/>
-        <p:nvPr/>
-      </p:nvGrpSpPr>
-      <p:grpSpPr>
-        <a:xfrm>
-          <a:off x="0" y="0"/>
-          <a:ext cx="0" cy="0"/>
-          <a:chOff x="0" y="0"/>
-          <a:chExt cx="0" cy="0"/>
-        </a:xfrm>
-      </p:grpSpPr>
-      <p:sp>
-        <p:nvSpPr>
-          <p:cNvPr id="2" name="Title 1"/>
-          <p:cNvSpPr>
-            <a:spLocks noGrp="1"/>
-          </p:cNvSpPr>
-          <p:nvPr>
-            <p:ph type="title"/>
-          </p:nvPr>
-        </p:nvSpPr>
-        <p:spPr>
-          <a:xfrm>
             <a:off x="456154" y="66675"/>
             <a:ext cx="8153400" cy="553998"/>
           </a:xfrm>
@@ -17666,7 +15889,7 @@
 </p:sld>
 </file>
 
-<file path=ppt/slides/slide43.xml><?xml version="1.0" encoding="utf-8"?>
+<file path=ppt/slides/slide37.xml><?xml version="1.0" encoding="utf-8"?>
 <p:sld xmlns:a="http://schemas.openxmlformats.org/drawingml/2006/main" xmlns:r="http://schemas.openxmlformats.org/officeDocument/2006/relationships" xmlns:p="http://schemas.openxmlformats.org/presentationml/2006/main">
   <p:cSld>
     <p:spTree>
@@ -17974,6 +16197,197 @@
     <p:extLst>
       <p:ext uri="{BB962C8B-B14F-4D97-AF65-F5344CB8AC3E}">
         <p14:creationId xmlns:p14="http://schemas.microsoft.com/office/powerpoint/2010/main" val="3341268876"/>
+      </p:ext>
+    </p:extLst>
+  </p:cSld>
+  <p:clrMapOvr>
+    <a:masterClrMapping/>
+  </p:clrMapOvr>
+</p:sld>
+</file>
+
+<file path=ppt/slides/slide4.xml><?xml version="1.0" encoding="utf-8"?>
+<p:sld xmlns:a="http://schemas.openxmlformats.org/drawingml/2006/main" xmlns:r="http://schemas.openxmlformats.org/officeDocument/2006/relationships" xmlns:p="http://schemas.openxmlformats.org/presentationml/2006/main">
+  <p:cSld>
+    <p:spTree>
+      <p:nvGrpSpPr>
+        <p:cNvPr id="1" name=""/>
+        <p:cNvGrpSpPr/>
+        <p:nvPr/>
+      </p:nvGrpSpPr>
+      <p:grpSpPr>
+        <a:xfrm>
+          <a:off x="0" y="0"/>
+          <a:ext cx="0" cy="0"/>
+          <a:chOff x="0" y="0"/>
+          <a:chExt cx="0" cy="0"/>
+        </a:xfrm>
+      </p:grpSpPr>
+      <p:sp>
+        <p:nvSpPr>
+          <p:cNvPr id="2" name="Title 1"/>
+          <p:cNvSpPr>
+            <a:spLocks noGrp="1"/>
+          </p:cNvSpPr>
+          <p:nvPr>
+            <p:ph type="title"/>
+          </p:nvPr>
+        </p:nvSpPr>
+        <p:spPr>
+          <a:xfrm>
+            <a:off x="457200" y="73997"/>
+            <a:ext cx="8153400" cy="553998"/>
+          </a:xfrm>
+        </p:spPr>
+        <p:txBody>
+          <a:bodyPr wrap="square">
+            <a:spAutoFit/>
+          </a:bodyPr>
+          <a:lstStyle/>
+          <a:p>
+            <a:r>
+              <a:rPr lang="en-US" sz="3600" dirty="0">
+                <a:latin typeface="+mj-lt"/>
+              </a:rPr>
+              <a:t>Opening Vignette </a:t>
+            </a:r>
+            <a:r>
+              <a:rPr lang="en-US" sz="2800" dirty="0">
+                <a:latin typeface="+mj-lt"/>
+              </a:rPr>
+              <a:t>(1 of 2)</a:t>
+            </a:r>
+            <a:endParaRPr lang="en-US" sz="3600" dirty="0">
+              <a:latin typeface="+mj-lt"/>
+            </a:endParaRPr>
+          </a:p>
+        </p:txBody>
+      </p:sp>
+      <p:sp>
+        <p:nvSpPr>
+          <p:cNvPr id="3" name="Content Placeholder 2"/>
+          <p:cNvSpPr>
+            <a:spLocks noGrp="1"/>
+          </p:cNvSpPr>
+          <p:nvPr>
+            <p:ph idx="1"/>
+          </p:nvPr>
+        </p:nvSpPr>
+        <p:spPr>
+          <a:xfrm>
+            <a:off x="457200" y="714375"/>
+            <a:ext cx="8153400" cy="861774"/>
+          </a:xfrm>
+        </p:spPr>
+        <p:txBody>
+          <a:bodyPr wrap="square">
+            <a:spAutoFit/>
+          </a:bodyPr>
+          <a:lstStyle/>
+          <a:p>
+            <a:pPr marL="0" lvl="0" indent="0">
+              <a:spcBef>
+                <a:spcPts val="0"/>
+              </a:spcBef>
+              <a:buClr>
+                <a:schemeClr val="lt1"/>
+              </a:buClr>
+              <a:buSzPct val="25000"/>
+              <a:buNone/>
+              <a:tabLst>
+                <a:tab pos="628650" algn="l"/>
+              </a:tabLst>
+            </a:pPr>
+            <a:r>
+              <a:rPr lang="en-IN" sz="2800" b="1" dirty="0">
+                <a:solidFill>
+                  <a:srgbClr val="007FA3"/>
+                </a:solidFill>
+              </a:rPr>
+              <a:t>How Intelligent Systems Work for KONE Elevators and Escalators Company</a:t>
+            </a:r>
+            <a:endParaRPr lang="en-US" sz="2800" b="1" dirty="0"/>
+          </a:p>
+        </p:txBody>
+      </p:sp>
+      <p:sp>
+        <p:nvSpPr>
+          <p:cNvPr id="4" name="Content Placeholder 3"/>
+          <p:cNvSpPr>
+            <a:spLocks noGrp="1"/>
+          </p:cNvSpPr>
+          <p:nvPr>
+            <p:ph idx="13"/>
+          </p:nvPr>
+        </p:nvSpPr>
+        <p:spPr>
+          <a:xfrm>
+            <a:off x="457200" y="1905000"/>
+            <a:ext cx="8153400" cy="1492716"/>
+          </a:xfrm>
+        </p:spPr>
+        <p:txBody>
+          <a:bodyPr>
+            <a:spAutoFit/>
+          </a:bodyPr>
+          <a:lstStyle/>
+          <a:p>
+            <a:pPr marL="285750" indent="-285750"/>
+            <a:r>
+              <a:rPr lang="en-US" sz="2400" dirty="0"/>
+              <a:t>The problem…</a:t>
+            </a:r>
+          </a:p>
+          <a:p>
+            <a:pPr marL="285750" indent="-285750"/>
+            <a:r>
+              <a:rPr lang="en-US" sz="2400" dirty="0"/>
+              <a:t>The solution…</a:t>
+            </a:r>
+          </a:p>
+          <a:p>
+            <a:pPr marL="285750" indent="-285750"/>
+            <a:r>
+              <a:rPr lang="en-US" sz="2400" dirty="0"/>
+              <a:t>The results…</a:t>
+            </a:r>
+          </a:p>
+        </p:txBody>
+      </p:sp>
+      <p:pic>
+        <p:nvPicPr>
+          <p:cNvPr id="5" name="图片 4">
+            <a:extLst>
+              <a:ext uri="{FF2B5EF4-FFF2-40B4-BE49-F238E27FC236}">
+                <a16:creationId xmlns:a16="http://schemas.microsoft.com/office/drawing/2014/main" id="{0A641A4F-1798-5440-8896-EB3EADA98A31}"/>
+              </a:ext>
+            </a:extLst>
+          </p:cNvPr>
+          <p:cNvPicPr>
+            <a:picLocks noChangeAspect="1"/>
+          </p:cNvPicPr>
+          <p:nvPr/>
+        </p:nvPicPr>
+        <p:blipFill>
+          <a:blip r:embed="rId3"/>
+          <a:stretch>
+            <a:fillRect/>
+          </a:stretch>
+        </p:blipFill>
+        <p:spPr>
+          <a:xfrm>
+            <a:off x="4343400" y="3397716"/>
+            <a:ext cx="1562100" cy="1295400"/>
+          </a:xfrm>
+          <a:prstGeom prst="rect">
+            <a:avLst/>
+          </a:prstGeom>
+        </p:spPr>
+      </p:pic>
+    </p:spTree>
+    <p:extLst>
+      <p:ext uri="{BB962C8B-B14F-4D97-AF65-F5344CB8AC3E}">
+        <p14:creationId xmlns:p14="http://schemas.microsoft.com/office/powerpoint/2010/main" val="553408860"/>
       </p:ext>
     </p:extLst>
   </p:cSld>
